--- a/Documentacion/Publicable/Borradores/Intro a Vortex.pptx
+++ b/Documentacion/Publicable/Borradores/Intro a Vortex.pptx
@@ -4,6 +4,9 @@
   <p:sldMasterIdLst>
     <p:sldMasterId id="2147483744" r:id="rId1"/>
   </p:sldMasterIdLst>
+  <p:notesMasterIdLst>
+    <p:notesMasterId r:id="rId22"/>
+  </p:notesMasterIdLst>
   <p:sldIdLst>
     <p:sldId id="256" r:id="rId2"/>
     <p:sldId id="257" r:id="rId3"/>
@@ -126,6 +129,3563 @@
 </p:presentation>
 </file>
 
+<file path=ppt/diagrams/colors1.xml><?xml version="1.0" encoding="utf-8"?>
+<dgm:colorsDef xmlns:dgm="http://schemas.openxmlformats.org/drawingml/2006/diagram" xmlns:a="http://schemas.openxmlformats.org/drawingml/2006/main" uniqueId="urn:microsoft.com/office/officeart/2005/8/colors/accent1_2">
+  <dgm:title val=""/>
+  <dgm:desc val=""/>
+  <dgm:catLst>
+    <dgm:cat type="accent1" pri="11200"/>
+  </dgm:catLst>
+  <dgm:styleLbl name="node0">
+    <dgm:fillClrLst meth="repeat">
+      <a:schemeClr val="accent1"/>
+    </dgm:fillClrLst>
+    <dgm:linClrLst meth="repeat">
+      <a:schemeClr val="lt1"/>
+    </dgm:linClrLst>
+    <dgm:effectClrLst/>
+    <dgm:txLinClrLst/>
+    <dgm:txFillClrLst/>
+    <dgm:txEffectClrLst/>
+  </dgm:styleLbl>
+  <dgm:styleLbl name="alignNode1">
+    <dgm:fillClrLst meth="repeat">
+      <a:schemeClr val="accent1"/>
+    </dgm:fillClrLst>
+    <dgm:linClrLst meth="repeat">
+      <a:schemeClr val="accent1"/>
+    </dgm:linClrLst>
+    <dgm:effectClrLst/>
+    <dgm:txLinClrLst/>
+    <dgm:txFillClrLst/>
+    <dgm:txEffectClrLst/>
+  </dgm:styleLbl>
+  <dgm:styleLbl name="node1">
+    <dgm:fillClrLst meth="repeat">
+      <a:schemeClr val="accent1"/>
+    </dgm:fillClrLst>
+    <dgm:linClrLst meth="repeat">
+      <a:schemeClr val="lt1"/>
+    </dgm:linClrLst>
+    <dgm:effectClrLst/>
+    <dgm:txLinClrLst/>
+    <dgm:txFillClrLst/>
+    <dgm:txEffectClrLst/>
+  </dgm:styleLbl>
+  <dgm:styleLbl name="lnNode1">
+    <dgm:fillClrLst meth="repeat">
+      <a:schemeClr val="accent1"/>
+    </dgm:fillClrLst>
+    <dgm:linClrLst meth="repeat">
+      <a:schemeClr val="lt1"/>
+    </dgm:linClrLst>
+    <dgm:effectClrLst/>
+    <dgm:txLinClrLst/>
+    <dgm:txFillClrLst/>
+    <dgm:txEffectClrLst/>
+  </dgm:styleLbl>
+  <dgm:styleLbl name="vennNode1">
+    <dgm:fillClrLst meth="repeat">
+      <a:schemeClr val="accent1">
+        <a:alpha val="50000"/>
+      </a:schemeClr>
+    </dgm:fillClrLst>
+    <dgm:linClrLst meth="repeat">
+      <a:schemeClr val="lt1"/>
+    </dgm:linClrLst>
+    <dgm:effectClrLst/>
+    <dgm:txLinClrLst/>
+    <dgm:txFillClrLst/>
+    <dgm:txEffectClrLst/>
+  </dgm:styleLbl>
+  <dgm:styleLbl name="node2">
+    <dgm:fillClrLst meth="repeat">
+      <a:schemeClr val="accent1"/>
+    </dgm:fillClrLst>
+    <dgm:linClrLst meth="repeat">
+      <a:schemeClr val="lt1"/>
+    </dgm:linClrLst>
+    <dgm:effectClrLst/>
+    <dgm:txLinClrLst/>
+    <dgm:txFillClrLst/>
+    <dgm:txEffectClrLst/>
+  </dgm:styleLbl>
+  <dgm:styleLbl name="node3">
+    <dgm:fillClrLst meth="repeat">
+      <a:schemeClr val="accent1"/>
+    </dgm:fillClrLst>
+    <dgm:linClrLst meth="repeat">
+      <a:schemeClr val="lt1"/>
+    </dgm:linClrLst>
+    <dgm:effectClrLst/>
+    <dgm:txLinClrLst/>
+    <dgm:txFillClrLst/>
+    <dgm:txEffectClrLst/>
+  </dgm:styleLbl>
+  <dgm:styleLbl name="node4">
+    <dgm:fillClrLst meth="repeat">
+      <a:schemeClr val="accent1"/>
+    </dgm:fillClrLst>
+    <dgm:linClrLst meth="repeat">
+      <a:schemeClr val="lt1"/>
+    </dgm:linClrLst>
+    <dgm:effectClrLst/>
+    <dgm:txLinClrLst/>
+    <dgm:txFillClrLst/>
+    <dgm:txEffectClrLst/>
+  </dgm:styleLbl>
+  <dgm:styleLbl name="fgImgPlace1">
+    <dgm:fillClrLst meth="repeat">
+      <a:schemeClr val="accent1">
+        <a:tint val="50000"/>
+      </a:schemeClr>
+    </dgm:fillClrLst>
+    <dgm:linClrLst meth="repeat">
+      <a:schemeClr val="lt1"/>
+    </dgm:linClrLst>
+    <dgm:effectClrLst/>
+    <dgm:txLinClrLst/>
+    <dgm:txFillClrLst meth="repeat">
+      <a:schemeClr val="lt1"/>
+    </dgm:txFillClrLst>
+    <dgm:txEffectClrLst/>
+  </dgm:styleLbl>
+  <dgm:styleLbl name="alignImgPlace1">
+    <dgm:fillClrLst meth="repeat">
+      <a:schemeClr val="accent1">
+        <a:tint val="50000"/>
+      </a:schemeClr>
+    </dgm:fillClrLst>
+    <dgm:linClrLst meth="repeat">
+      <a:schemeClr val="lt1"/>
+    </dgm:linClrLst>
+    <dgm:effectClrLst/>
+    <dgm:txLinClrLst/>
+    <dgm:txFillClrLst meth="repeat">
+      <a:schemeClr val="lt1"/>
+    </dgm:txFillClrLst>
+    <dgm:txEffectClrLst/>
+  </dgm:styleLbl>
+  <dgm:styleLbl name="bgImgPlace1">
+    <dgm:fillClrLst meth="repeat">
+      <a:schemeClr val="accent1">
+        <a:tint val="50000"/>
+      </a:schemeClr>
+    </dgm:fillClrLst>
+    <dgm:linClrLst meth="repeat">
+      <a:schemeClr val="lt1"/>
+    </dgm:linClrLst>
+    <dgm:effectClrLst/>
+    <dgm:txLinClrLst/>
+    <dgm:txFillClrLst meth="repeat">
+      <a:schemeClr val="lt1"/>
+    </dgm:txFillClrLst>
+    <dgm:txEffectClrLst/>
+  </dgm:styleLbl>
+  <dgm:styleLbl name="sibTrans2D1">
+    <dgm:fillClrLst meth="repeat">
+      <a:schemeClr val="accent1">
+        <a:tint val="60000"/>
+      </a:schemeClr>
+    </dgm:fillClrLst>
+    <dgm:linClrLst meth="repeat">
+      <a:schemeClr val="accent1">
+        <a:tint val="60000"/>
+      </a:schemeClr>
+    </dgm:linClrLst>
+    <dgm:effectClrLst/>
+    <dgm:txLinClrLst/>
+    <dgm:txFillClrLst/>
+    <dgm:txEffectClrLst/>
+  </dgm:styleLbl>
+  <dgm:styleLbl name="fgSibTrans2D1">
+    <dgm:fillClrLst meth="repeat">
+      <a:schemeClr val="accent1">
+        <a:tint val="60000"/>
+      </a:schemeClr>
+    </dgm:fillClrLst>
+    <dgm:linClrLst meth="repeat">
+      <a:schemeClr val="accent1">
+        <a:tint val="60000"/>
+      </a:schemeClr>
+    </dgm:linClrLst>
+    <dgm:effectClrLst/>
+    <dgm:txLinClrLst/>
+    <dgm:txFillClrLst/>
+    <dgm:txEffectClrLst/>
+  </dgm:styleLbl>
+  <dgm:styleLbl name="bgSibTrans2D1">
+    <dgm:fillClrLst meth="repeat">
+      <a:schemeClr val="accent1">
+        <a:tint val="60000"/>
+      </a:schemeClr>
+    </dgm:fillClrLst>
+    <dgm:linClrLst meth="repeat">
+      <a:schemeClr val="accent1">
+        <a:tint val="60000"/>
+      </a:schemeClr>
+    </dgm:linClrLst>
+    <dgm:effectClrLst/>
+    <dgm:txLinClrLst/>
+    <dgm:txFillClrLst/>
+    <dgm:txEffectClrLst/>
+  </dgm:styleLbl>
+  <dgm:styleLbl name="sibTrans1D1">
+    <dgm:fillClrLst meth="repeat">
+      <a:schemeClr val="accent1"/>
+    </dgm:fillClrLst>
+    <dgm:linClrLst meth="repeat">
+      <a:schemeClr val="accent1"/>
+    </dgm:linClrLst>
+    <dgm:effectClrLst/>
+    <dgm:txLinClrLst/>
+    <dgm:txFillClrLst meth="repeat">
+      <a:schemeClr val="tx1"/>
+    </dgm:txFillClrLst>
+    <dgm:txEffectClrLst/>
+  </dgm:styleLbl>
+  <dgm:styleLbl name="callout">
+    <dgm:fillClrLst meth="repeat">
+      <a:schemeClr val="accent1"/>
+    </dgm:fillClrLst>
+    <dgm:linClrLst meth="repeat">
+      <a:schemeClr val="accent1">
+        <a:tint val="50000"/>
+      </a:schemeClr>
+    </dgm:linClrLst>
+    <dgm:effectClrLst/>
+    <dgm:txLinClrLst/>
+    <dgm:txFillClrLst meth="repeat">
+      <a:schemeClr val="tx1"/>
+    </dgm:txFillClrLst>
+    <dgm:txEffectClrLst/>
+  </dgm:styleLbl>
+  <dgm:styleLbl name="asst0">
+    <dgm:fillClrLst meth="repeat">
+      <a:schemeClr val="accent1"/>
+    </dgm:fillClrLst>
+    <dgm:linClrLst meth="repeat">
+      <a:schemeClr val="lt1"/>
+    </dgm:linClrLst>
+    <dgm:effectClrLst/>
+    <dgm:txLinClrLst/>
+    <dgm:txFillClrLst/>
+    <dgm:txEffectClrLst/>
+  </dgm:styleLbl>
+  <dgm:styleLbl name="asst1">
+    <dgm:fillClrLst meth="repeat">
+      <a:schemeClr val="accent1"/>
+    </dgm:fillClrLst>
+    <dgm:linClrLst meth="repeat">
+      <a:schemeClr val="lt1"/>
+    </dgm:linClrLst>
+    <dgm:effectClrLst/>
+    <dgm:txLinClrLst/>
+    <dgm:txFillClrLst/>
+    <dgm:txEffectClrLst/>
+  </dgm:styleLbl>
+  <dgm:styleLbl name="asst2">
+    <dgm:fillClrLst meth="repeat">
+      <a:schemeClr val="accent1"/>
+    </dgm:fillClrLst>
+    <dgm:linClrLst meth="repeat">
+      <a:schemeClr val="lt1"/>
+    </dgm:linClrLst>
+    <dgm:effectClrLst/>
+    <dgm:txLinClrLst/>
+    <dgm:txFillClrLst/>
+    <dgm:txEffectClrLst/>
+  </dgm:styleLbl>
+  <dgm:styleLbl name="asst3">
+    <dgm:fillClrLst meth="repeat">
+      <a:schemeClr val="accent1"/>
+    </dgm:fillClrLst>
+    <dgm:linClrLst meth="repeat">
+      <a:schemeClr val="lt1"/>
+    </dgm:linClrLst>
+    <dgm:effectClrLst/>
+    <dgm:txLinClrLst/>
+    <dgm:txFillClrLst/>
+    <dgm:txEffectClrLst/>
+  </dgm:styleLbl>
+  <dgm:styleLbl name="asst4">
+    <dgm:fillClrLst meth="repeat">
+      <a:schemeClr val="accent1"/>
+    </dgm:fillClrLst>
+    <dgm:linClrLst meth="repeat">
+      <a:schemeClr val="lt1"/>
+    </dgm:linClrLst>
+    <dgm:effectClrLst/>
+    <dgm:txLinClrLst/>
+    <dgm:txFillClrLst/>
+    <dgm:txEffectClrLst/>
+  </dgm:styleLbl>
+  <dgm:styleLbl name="parChTrans2D1">
+    <dgm:fillClrLst meth="repeat">
+      <a:schemeClr val="accent1">
+        <a:tint val="60000"/>
+      </a:schemeClr>
+    </dgm:fillClrLst>
+    <dgm:linClrLst meth="repeat">
+      <a:schemeClr val="accent1">
+        <a:tint val="60000"/>
+      </a:schemeClr>
+    </dgm:linClrLst>
+    <dgm:effectClrLst/>
+    <dgm:txLinClrLst/>
+    <dgm:txFillClrLst meth="repeat">
+      <a:schemeClr val="lt1"/>
+    </dgm:txFillClrLst>
+    <dgm:txEffectClrLst/>
+  </dgm:styleLbl>
+  <dgm:styleLbl name="parChTrans2D2">
+    <dgm:fillClrLst meth="repeat">
+      <a:schemeClr val="accent1"/>
+    </dgm:fillClrLst>
+    <dgm:linClrLst meth="repeat">
+      <a:schemeClr val="accent1"/>
+    </dgm:linClrLst>
+    <dgm:effectClrLst/>
+    <dgm:txLinClrLst/>
+    <dgm:txFillClrLst meth="repeat">
+      <a:schemeClr val="lt1"/>
+    </dgm:txFillClrLst>
+    <dgm:txEffectClrLst/>
+  </dgm:styleLbl>
+  <dgm:styleLbl name="parChTrans2D3">
+    <dgm:fillClrLst meth="repeat">
+      <a:schemeClr val="accent1"/>
+    </dgm:fillClrLst>
+    <dgm:linClrLst meth="repeat">
+      <a:schemeClr val="accent1"/>
+    </dgm:linClrLst>
+    <dgm:effectClrLst/>
+    <dgm:txLinClrLst/>
+    <dgm:txFillClrLst meth="repeat">
+      <a:schemeClr val="lt1"/>
+    </dgm:txFillClrLst>
+    <dgm:txEffectClrLst/>
+  </dgm:styleLbl>
+  <dgm:styleLbl name="parChTrans2D4">
+    <dgm:fillClrLst meth="repeat">
+      <a:schemeClr val="accent1"/>
+    </dgm:fillClrLst>
+    <dgm:linClrLst meth="repeat">
+      <a:schemeClr val="accent1"/>
+    </dgm:linClrLst>
+    <dgm:effectClrLst/>
+    <dgm:txLinClrLst/>
+    <dgm:txFillClrLst meth="repeat">
+      <a:schemeClr val="lt1"/>
+    </dgm:txFillClrLst>
+    <dgm:txEffectClrLst/>
+  </dgm:styleLbl>
+  <dgm:styleLbl name="parChTrans1D1">
+    <dgm:fillClrLst meth="repeat">
+      <a:schemeClr val="accent1"/>
+    </dgm:fillClrLst>
+    <dgm:linClrLst meth="repeat">
+      <a:schemeClr val="accent1">
+        <a:shade val="60000"/>
+      </a:schemeClr>
+    </dgm:linClrLst>
+    <dgm:effectClrLst/>
+    <dgm:txLinClrLst/>
+    <dgm:txFillClrLst meth="repeat">
+      <a:schemeClr val="tx1"/>
+    </dgm:txFillClrLst>
+    <dgm:txEffectClrLst/>
+  </dgm:styleLbl>
+  <dgm:styleLbl name="parChTrans1D2">
+    <dgm:fillClrLst meth="repeat">
+      <a:schemeClr val="accent1"/>
+    </dgm:fillClrLst>
+    <dgm:linClrLst meth="repeat">
+      <a:schemeClr val="accent1">
+        <a:shade val="60000"/>
+      </a:schemeClr>
+    </dgm:linClrLst>
+    <dgm:effectClrLst/>
+    <dgm:txLinClrLst/>
+    <dgm:txFillClrLst meth="repeat">
+      <a:schemeClr val="tx1"/>
+    </dgm:txFillClrLst>
+    <dgm:txEffectClrLst/>
+  </dgm:styleLbl>
+  <dgm:styleLbl name="parChTrans1D3">
+    <dgm:fillClrLst meth="repeat">
+      <a:schemeClr val="accent1"/>
+    </dgm:fillClrLst>
+    <dgm:linClrLst meth="repeat">
+      <a:schemeClr val="accent1">
+        <a:shade val="80000"/>
+      </a:schemeClr>
+    </dgm:linClrLst>
+    <dgm:effectClrLst/>
+    <dgm:txLinClrLst/>
+    <dgm:txFillClrLst meth="repeat">
+      <a:schemeClr val="tx1"/>
+    </dgm:txFillClrLst>
+    <dgm:txEffectClrLst/>
+  </dgm:styleLbl>
+  <dgm:styleLbl name="parChTrans1D4">
+    <dgm:fillClrLst meth="repeat">
+      <a:schemeClr val="accent1"/>
+    </dgm:fillClrLst>
+    <dgm:linClrLst meth="repeat">
+      <a:schemeClr val="accent1">
+        <a:shade val="80000"/>
+      </a:schemeClr>
+    </dgm:linClrLst>
+    <dgm:effectClrLst/>
+    <dgm:txLinClrLst/>
+    <dgm:txFillClrLst meth="repeat">
+      <a:schemeClr val="tx1"/>
+    </dgm:txFillClrLst>
+    <dgm:txEffectClrLst/>
+  </dgm:styleLbl>
+  <dgm:styleLbl name="fgAcc1">
+    <dgm:fillClrLst meth="repeat">
+      <a:schemeClr val="lt1">
+        <a:alpha val="90000"/>
+      </a:schemeClr>
+    </dgm:fillClrLst>
+    <dgm:linClrLst meth="repeat">
+      <a:schemeClr val="accent1"/>
+    </dgm:linClrLst>
+    <dgm:effectClrLst/>
+    <dgm:txLinClrLst/>
+    <dgm:txFillClrLst meth="repeat">
+      <a:schemeClr val="dk1"/>
+    </dgm:txFillClrLst>
+    <dgm:txEffectClrLst/>
+  </dgm:styleLbl>
+  <dgm:styleLbl name="conFgAcc1">
+    <dgm:fillClrLst meth="repeat">
+      <a:schemeClr val="lt1">
+        <a:alpha val="90000"/>
+      </a:schemeClr>
+    </dgm:fillClrLst>
+    <dgm:linClrLst meth="repeat">
+      <a:schemeClr val="accent1"/>
+    </dgm:linClrLst>
+    <dgm:effectClrLst/>
+    <dgm:txLinClrLst/>
+    <dgm:txFillClrLst meth="repeat">
+      <a:schemeClr val="dk1"/>
+    </dgm:txFillClrLst>
+    <dgm:txEffectClrLst/>
+  </dgm:styleLbl>
+  <dgm:styleLbl name="alignAcc1">
+    <dgm:fillClrLst meth="repeat">
+      <a:schemeClr val="lt1">
+        <a:alpha val="90000"/>
+      </a:schemeClr>
+    </dgm:fillClrLst>
+    <dgm:linClrLst meth="repeat">
+      <a:schemeClr val="accent1"/>
+    </dgm:linClrLst>
+    <dgm:effectClrLst/>
+    <dgm:txLinClrLst/>
+    <dgm:txFillClrLst meth="repeat">
+      <a:schemeClr val="dk1"/>
+    </dgm:txFillClrLst>
+    <dgm:txEffectClrLst/>
+  </dgm:styleLbl>
+  <dgm:styleLbl name="trAlignAcc1">
+    <dgm:fillClrLst meth="repeat">
+      <a:schemeClr val="lt1">
+        <a:alpha val="40000"/>
+      </a:schemeClr>
+    </dgm:fillClrLst>
+    <dgm:linClrLst meth="repeat">
+      <a:schemeClr val="accent1"/>
+    </dgm:linClrLst>
+    <dgm:effectClrLst/>
+    <dgm:txLinClrLst/>
+    <dgm:txFillClrLst meth="repeat">
+      <a:schemeClr val="dk1"/>
+    </dgm:txFillClrLst>
+    <dgm:txEffectClrLst/>
+  </dgm:styleLbl>
+  <dgm:styleLbl name="bgAcc1">
+    <dgm:fillClrLst meth="repeat">
+      <a:schemeClr val="lt1">
+        <a:alpha val="90000"/>
+      </a:schemeClr>
+    </dgm:fillClrLst>
+    <dgm:linClrLst meth="repeat">
+      <a:schemeClr val="accent1"/>
+    </dgm:linClrLst>
+    <dgm:effectClrLst/>
+    <dgm:txLinClrLst/>
+    <dgm:txFillClrLst meth="repeat">
+      <a:schemeClr val="dk1"/>
+    </dgm:txFillClrLst>
+    <dgm:txEffectClrLst/>
+  </dgm:styleLbl>
+  <dgm:styleLbl name="solidFgAcc1">
+    <dgm:fillClrLst meth="repeat">
+      <a:schemeClr val="lt1"/>
+    </dgm:fillClrLst>
+    <dgm:linClrLst meth="repeat">
+      <a:schemeClr val="accent1"/>
+    </dgm:linClrLst>
+    <dgm:effectClrLst/>
+    <dgm:txLinClrLst/>
+    <dgm:txFillClrLst meth="repeat">
+      <a:schemeClr val="dk1"/>
+    </dgm:txFillClrLst>
+    <dgm:txEffectClrLst/>
+  </dgm:styleLbl>
+  <dgm:styleLbl name="solidAlignAcc1">
+    <dgm:fillClrLst meth="repeat">
+      <a:schemeClr val="lt1"/>
+    </dgm:fillClrLst>
+    <dgm:linClrLst meth="repeat">
+      <a:schemeClr val="accent1"/>
+    </dgm:linClrLst>
+    <dgm:effectClrLst/>
+    <dgm:txLinClrLst/>
+    <dgm:txFillClrLst meth="repeat">
+      <a:schemeClr val="dk1"/>
+    </dgm:txFillClrLst>
+    <dgm:txEffectClrLst/>
+  </dgm:styleLbl>
+  <dgm:styleLbl name="solidBgAcc1">
+    <dgm:fillClrLst meth="repeat">
+      <a:schemeClr val="lt1"/>
+    </dgm:fillClrLst>
+    <dgm:linClrLst meth="repeat">
+      <a:schemeClr val="accent1"/>
+    </dgm:linClrLst>
+    <dgm:effectClrLst/>
+    <dgm:txLinClrLst/>
+    <dgm:txFillClrLst meth="repeat">
+      <a:schemeClr val="dk1"/>
+    </dgm:txFillClrLst>
+    <dgm:txEffectClrLst/>
+  </dgm:styleLbl>
+  <dgm:styleLbl name="fgAccFollowNode1">
+    <dgm:fillClrLst meth="repeat">
+      <a:schemeClr val="accent1">
+        <a:alpha val="90000"/>
+        <a:tint val="40000"/>
+      </a:schemeClr>
+    </dgm:fillClrLst>
+    <dgm:linClrLst meth="repeat">
+      <a:schemeClr val="accent1">
+        <a:alpha val="90000"/>
+        <a:tint val="40000"/>
+      </a:schemeClr>
+    </dgm:linClrLst>
+    <dgm:effectClrLst/>
+    <dgm:txLinClrLst/>
+    <dgm:txFillClrLst meth="repeat">
+      <a:schemeClr val="dk1"/>
+    </dgm:txFillClrLst>
+    <dgm:txEffectClrLst/>
+  </dgm:styleLbl>
+  <dgm:styleLbl name="alignAccFollowNode1">
+    <dgm:fillClrLst meth="repeat">
+      <a:schemeClr val="accent1">
+        <a:alpha val="90000"/>
+        <a:tint val="40000"/>
+      </a:schemeClr>
+    </dgm:fillClrLst>
+    <dgm:linClrLst meth="repeat">
+      <a:schemeClr val="accent1">
+        <a:alpha val="90000"/>
+        <a:tint val="40000"/>
+      </a:schemeClr>
+    </dgm:linClrLst>
+    <dgm:effectClrLst/>
+    <dgm:txLinClrLst/>
+    <dgm:txFillClrLst meth="repeat">
+      <a:schemeClr val="dk1"/>
+    </dgm:txFillClrLst>
+    <dgm:txEffectClrLst/>
+  </dgm:styleLbl>
+  <dgm:styleLbl name="bgAccFollowNode1">
+    <dgm:fillClrLst meth="repeat">
+      <a:schemeClr val="accent1">
+        <a:alpha val="90000"/>
+        <a:tint val="40000"/>
+      </a:schemeClr>
+    </dgm:fillClrLst>
+    <dgm:linClrLst meth="repeat">
+      <a:schemeClr val="accent1">
+        <a:alpha val="90000"/>
+        <a:tint val="40000"/>
+      </a:schemeClr>
+    </dgm:linClrLst>
+    <dgm:effectClrLst/>
+    <dgm:txLinClrLst/>
+    <dgm:txFillClrLst meth="repeat">
+      <a:schemeClr val="dk1"/>
+    </dgm:txFillClrLst>
+    <dgm:txEffectClrLst/>
+  </dgm:styleLbl>
+  <dgm:styleLbl name="fgAcc0">
+    <dgm:fillClrLst meth="repeat">
+      <a:schemeClr val="lt1">
+        <a:alpha val="90000"/>
+      </a:schemeClr>
+    </dgm:fillClrLst>
+    <dgm:linClrLst meth="repeat">
+      <a:schemeClr val="accent1"/>
+    </dgm:linClrLst>
+    <dgm:effectClrLst/>
+    <dgm:txLinClrLst/>
+    <dgm:txFillClrLst meth="repeat">
+      <a:schemeClr val="dk1"/>
+    </dgm:txFillClrLst>
+    <dgm:txEffectClrLst/>
+  </dgm:styleLbl>
+  <dgm:styleLbl name="fgAcc2">
+    <dgm:fillClrLst meth="repeat">
+      <a:schemeClr val="lt1">
+        <a:alpha val="90000"/>
+      </a:schemeClr>
+    </dgm:fillClrLst>
+    <dgm:linClrLst meth="repeat">
+      <a:schemeClr val="accent1"/>
+    </dgm:linClrLst>
+    <dgm:effectClrLst/>
+    <dgm:txLinClrLst/>
+    <dgm:txFillClrLst meth="repeat">
+      <a:schemeClr val="dk1"/>
+    </dgm:txFillClrLst>
+    <dgm:txEffectClrLst/>
+  </dgm:styleLbl>
+  <dgm:styleLbl name="fgAcc3">
+    <dgm:fillClrLst meth="repeat">
+      <a:schemeClr val="lt1">
+        <a:alpha val="90000"/>
+      </a:schemeClr>
+    </dgm:fillClrLst>
+    <dgm:linClrLst meth="repeat">
+      <a:schemeClr val="accent1"/>
+    </dgm:linClrLst>
+    <dgm:effectClrLst/>
+    <dgm:txLinClrLst/>
+    <dgm:txFillClrLst meth="repeat">
+      <a:schemeClr val="dk1"/>
+    </dgm:txFillClrLst>
+    <dgm:txEffectClrLst/>
+  </dgm:styleLbl>
+  <dgm:styleLbl name="fgAcc4">
+    <dgm:fillClrLst meth="repeat">
+      <a:schemeClr val="lt1">
+        <a:alpha val="90000"/>
+      </a:schemeClr>
+    </dgm:fillClrLst>
+    <dgm:linClrLst meth="repeat">
+      <a:schemeClr val="accent1"/>
+    </dgm:linClrLst>
+    <dgm:effectClrLst/>
+    <dgm:txLinClrLst/>
+    <dgm:txFillClrLst meth="repeat">
+      <a:schemeClr val="dk1"/>
+    </dgm:txFillClrLst>
+    <dgm:txEffectClrLst/>
+  </dgm:styleLbl>
+  <dgm:styleLbl name="bgShp">
+    <dgm:fillClrLst meth="repeat">
+      <a:schemeClr val="accent1">
+        <a:tint val="40000"/>
+      </a:schemeClr>
+    </dgm:fillClrLst>
+    <dgm:linClrLst meth="repeat">
+      <a:schemeClr val="accent1"/>
+    </dgm:linClrLst>
+    <dgm:effectClrLst/>
+    <dgm:txLinClrLst/>
+    <dgm:txFillClrLst meth="repeat">
+      <a:schemeClr val="dk1"/>
+    </dgm:txFillClrLst>
+    <dgm:txEffectClrLst/>
+  </dgm:styleLbl>
+  <dgm:styleLbl name="dkBgShp">
+    <dgm:fillClrLst meth="repeat">
+      <a:schemeClr val="accent1">
+        <a:shade val="80000"/>
+      </a:schemeClr>
+    </dgm:fillClrLst>
+    <dgm:linClrLst meth="repeat">
+      <a:schemeClr val="accent1"/>
+    </dgm:linClrLst>
+    <dgm:effectClrLst/>
+    <dgm:txLinClrLst/>
+    <dgm:txFillClrLst meth="repeat">
+      <a:schemeClr val="lt1"/>
+    </dgm:txFillClrLst>
+    <dgm:txEffectClrLst/>
+  </dgm:styleLbl>
+  <dgm:styleLbl name="trBgShp">
+    <dgm:fillClrLst meth="repeat">
+      <a:schemeClr val="accent1">
+        <a:tint val="50000"/>
+        <a:alpha val="40000"/>
+      </a:schemeClr>
+    </dgm:fillClrLst>
+    <dgm:linClrLst meth="repeat">
+      <a:schemeClr val="accent1"/>
+    </dgm:linClrLst>
+    <dgm:effectClrLst/>
+    <dgm:txLinClrLst/>
+    <dgm:txFillClrLst meth="repeat">
+      <a:schemeClr val="lt1"/>
+    </dgm:txFillClrLst>
+    <dgm:txEffectClrLst/>
+  </dgm:styleLbl>
+  <dgm:styleLbl name="fgShp">
+    <dgm:fillClrLst meth="repeat">
+      <a:schemeClr val="accent1">
+        <a:tint val="60000"/>
+      </a:schemeClr>
+    </dgm:fillClrLst>
+    <dgm:linClrLst meth="repeat">
+      <a:schemeClr val="lt1"/>
+    </dgm:linClrLst>
+    <dgm:effectClrLst/>
+    <dgm:txLinClrLst/>
+    <dgm:txFillClrLst meth="repeat">
+      <a:schemeClr val="dk1"/>
+    </dgm:txFillClrLst>
+    <dgm:txEffectClrLst/>
+  </dgm:styleLbl>
+  <dgm:styleLbl name="revTx">
+    <dgm:fillClrLst meth="repeat">
+      <a:schemeClr val="lt1">
+        <a:alpha val="0"/>
+      </a:schemeClr>
+    </dgm:fillClrLst>
+    <dgm:linClrLst meth="repeat">
+      <a:schemeClr val="dk1">
+        <a:alpha val="0"/>
+      </a:schemeClr>
+    </dgm:linClrLst>
+    <dgm:effectClrLst/>
+    <dgm:txLinClrLst/>
+    <dgm:txFillClrLst meth="repeat">
+      <a:schemeClr val="tx1"/>
+    </dgm:txFillClrLst>
+    <dgm:txEffectClrLst/>
+  </dgm:styleLbl>
+</dgm:colorsDef>
+</file>
+
+<file path=ppt/diagrams/data1.xml><?xml version="1.0" encoding="utf-8"?>
+<dgm:dataModel xmlns:dgm="http://schemas.openxmlformats.org/drawingml/2006/diagram" xmlns:a="http://schemas.openxmlformats.org/drawingml/2006/main">
+  <dgm:ptLst>
+    <dgm:pt modelId="{C06A3573-F15F-457F-B00B-C9084BC12DE0}" type="doc">
+      <dgm:prSet loTypeId="urn:microsoft.com/office/officeart/2005/8/layout/cycle1" loCatId="cycle" qsTypeId="urn:microsoft.com/office/officeart/2005/8/quickstyle/simple2" qsCatId="simple" csTypeId="urn:microsoft.com/office/officeart/2005/8/colors/accent1_2" csCatId="accent1" phldr="1"/>
+      <dgm:spPr/>
+      <dgm:t>
+        <a:bodyPr/>
+        <a:lstStyle/>
+        <a:p>
+          <a:endParaRPr lang="es-AR"/>
+        </a:p>
+      </dgm:t>
+    </dgm:pt>
+    <dgm:pt modelId="{CD32087B-90D6-40B7-B6CE-BC933BD73061}">
+      <dgm:prSet phldrT="[Text]"/>
+      <dgm:spPr/>
+      <dgm:t>
+        <a:bodyPr/>
+        <a:lstStyle/>
+        <a:p>
+          <a:r>
+            <a:rPr lang="es-AR" dirty="0" smtClean="0"/>
+            <a:t>Usuario A</a:t>
+          </a:r>
+          <a:endParaRPr lang="es-AR" dirty="0"/>
+        </a:p>
+      </dgm:t>
+    </dgm:pt>
+    <dgm:pt modelId="{971192BD-9A21-424E-8439-A3C2E443B70B}" type="parTrans" cxnId="{6F2D218D-D224-4BB2-9106-18B0051CB36B}">
+      <dgm:prSet/>
+      <dgm:spPr/>
+      <dgm:t>
+        <a:bodyPr/>
+        <a:lstStyle/>
+        <a:p>
+          <a:endParaRPr lang="es-AR"/>
+        </a:p>
+      </dgm:t>
+    </dgm:pt>
+    <dgm:pt modelId="{81A88A4E-DE3A-4C55-A11E-F0541DF5CA70}" type="sibTrans" cxnId="{6F2D218D-D224-4BB2-9106-18B0051CB36B}">
+      <dgm:prSet/>
+      <dgm:spPr/>
+      <dgm:t>
+        <a:bodyPr/>
+        <a:lstStyle/>
+        <a:p>
+          <a:endParaRPr lang="es-AR"/>
+        </a:p>
+      </dgm:t>
+    </dgm:pt>
+    <dgm:pt modelId="{16DF9C22-B8CC-4869-B9B4-484EE05BFD57}">
+      <dgm:prSet phldrT="[Text]"/>
+      <dgm:spPr/>
+      <dgm:t>
+        <a:bodyPr/>
+        <a:lstStyle/>
+        <a:p>
+          <a:r>
+            <a:rPr lang="es-AR" dirty="0" smtClean="0"/>
+            <a:t>Usuario B</a:t>
+          </a:r>
+          <a:endParaRPr lang="es-AR" dirty="0"/>
+        </a:p>
+      </dgm:t>
+    </dgm:pt>
+    <dgm:pt modelId="{0C6BB071-5BBB-49B4-A33E-1D2BBC388CE7}" type="parTrans" cxnId="{C3E37A54-5813-4837-AE55-6E4843E951E6}">
+      <dgm:prSet/>
+      <dgm:spPr/>
+      <dgm:t>
+        <a:bodyPr/>
+        <a:lstStyle/>
+        <a:p>
+          <a:endParaRPr lang="es-AR"/>
+        </a:p>
+      </dgm:t>
+    </dgm:pt>
+    <dgm:pt modelId="{0AF09ACB-62C4-42C5-81A5-AF4537F25BB0}" type="sibTrans" cxnId="{C3E37A54-5813-4837-AE55-6E4843E951E6}">
+      <dgm:prSet/>
+      <dgm:spPr/>
+      <dgm:t>
+        <a:bodyPr/>
+        <a:lstStyle/>
+        <a:p>
+          <a:endParaRPr lang="es-AR"/>
+        </a:p>
+      </dgm:t>
+    </dgm:pt>
+    <dgm:pt modelId="{97585A9C-A065-4D4B-8C2C-646401E63976}" type="pres">
+      <dgm:prSet presAssocID="{C06A3573-F15F-457F-B00B-C9084BC12DE0}" presName="cycle" presStyleCnt="0">
+        <dgm:presLayoutVars>
+          <dgm:dir/>
+          <dgm:resizeHandles val="exact"/>
+        </dgm:presLayoutVars>
+      </dgm:prSet>
+      <dgm:spPr/>
+    </dgm:pt>
+    <dgm:pt modelId="{21F56461-BB4B-47C9-AB4C-AA475CE70B6C}" type="pres">
+      <dgm:prSet presAssocID="{CD32087B-90D6-40B7-B6CE-BC933BD73061}" presName="dummy" presStyleCnt="0"/>
+      <dgm:spPr/>
+    </dgm:pt>
+    <dgm:pt modelId="{E9B9415C-423B-4201-98EB-DE2E34C8CC89}" type="pres">
+      <dgm:prSet presAssocID="{CD32087B-90D6-40B7-B6CE-BC933BD73061}" presName="node" presStyleLbl="revTx" presStyleIdx="0" presStyleCnt="2">
+        <dgm:presLayoutVars>
+          <dgm:bulletEnabled val="1"/>
+        </dgm:presLayoutVars>
+      </dgm:prSet>
+      <dgm:spPr/>
+      <dgm:t>
+        <a:bodyPr/>
+        <a:lstStyle/>
+        <a:p>
+          <a:endParaRPr lang="es-AR"/>
+        </a:p>
+      </dgm:t>
+    </dgm:pt>
+    <dgm:pt modelId="{5BBE6298-B748-4465-82EF-6A8AE645CCB1}" type="pres">
+      <dgm:prSet presAssocID="{81A88A4E-DE3A-4C55-A11E-F0541DF5CA70}" presName="sibTrans" presStyleLbl="node1" presStyleIdx="0" presStyleCnt="2"/>
+      <dgm:spPr/>
+    </dgm:pt>
+    <dgm:pt modelId="{919F64A8-4CF2-469F-8ED0-6F5CD3164C32}" type="pres">
+      <dgm:prSet presAssocID="{16DF9C22-B8CC-4869-B9B4-484EE05BFD57}" presName="dummy" presStyleCnt="0"/>
+      <dgm:spPr/>
+    </dgm:pt>
+    <dgm:pt modelId="{9DA347C5-C10B-4C9B-A35B-C57EFAEF268C}" type="pres">
+      <dgm:prSet presAssocID="{16DF9C22-B8CC-4869-B9B4-484EE05BFD57}" presName="node" presStyleLbl="revTx" presStyleIdx="1" presStyleCnt="2">
+        <dgm:presLayoutVars>
+          <dgm:bulletEnabled val="1"/>
+        </dgm:presLayoutVars>
+      </dgm:prSet>
+      <dgm:spPr/>
+      <dgm:t>
+        <a:bodyPr/>
+        <a:lstStyle/>
+        <a:p>
+          <a:endParaRPr lang="es-AR"/>
+        </a:p>
+      </dgm:t>
+    </dgm:pt>
+    <dgm:pt modelId="{ACC76331-56B2-4FCE-BA8D-8D8534AF0606}" type="pres">
+      <dgm:prSet presAssocID="{0AF09ACB-62C4-42C5-81A5-AF4537F25BB0}" presName="sibTrans" presStyleLbl="node1" presStyleIdx="1" presStyleCnt="2"/>
+      <dgm:spPr/>
+    </dgm:pt>
+  </dgm:ptLst>
+  <dgm:cxnLst>
+    <dgm:cxn modelId="{6C684667-CFCF-454B-874D-576A5118D9AD}" type="presOf" srcId="{16DF9C22-B8CC-4869-B9B4-484EE05BFD57}" destId="{9DA347C5-C10B-4C9B-A35B-C57EFAEF268C}" srcOrd="0" destOrd="0" presId="urn:microsoft.com/office/officeart/2005/8/layout/cycle1"/>
+    <dgm:cxn modelId="{0D0E8B07-4269-4D55-A3FF-838C568A8197}" type="presOf" srcId="{0AF09ACB-62C4-42C5-81A5-AF4537F25BB0}" destId="{ACC76331-56B2-4FCE-BA8D-8D8534AF0606}" srcOrd="0" destOrd="0" presId="urn:microsoft.com/office/officeart/2005/8/layout/cycle1"/>
+    <dgm:cxn modelId="{3F668784-57A3-452D-9049-1B5B7DF798D8}" type="presOf" srcId="{C06A3573-F15F-457F-B00B-C9084BC12DE0}" destId="{97585A9C-A065-4D4B-8C2C-646401E63976}" srcOrd="0" destOrd="0" presId="urn:microsoft.com/office/officeart/2005/8/layout/cycle1"/>
+    <dgm:cxn modelId="{29743CA0-9811-412B-99C1-6DDC68908162}" type="presOf" srcId="{CD32087B-90D6-40B7-B6CE-BC933BD73061}" destId="{E9B9415C-423B-4201-98EB-DE2E34C8CC89}" srcOrd="0" destOrd="0" presId="urn:microsoft.com/office/officeart/2005/8/layout/cycle1"/>
+    <dgm:cxn modelId="{C3E37A54-5813-4837-AE55-6E4843E951E6}" srcId="{C06A3573-F15F-457F-B00B-C9084BC12DE0}" destId="{16DF9C22-B8CC-4869-B9B4-484EE05BFD57}" srcOrd="1" destOrd="0" parTransId="{0C6BB071-5BBB-49B4-A33E-1D2BBC388CE7}" sibTransId="{0AF09ACB-62C4-42C5-81A5-AF4537F25BB0}"/>
+    <dgm:cxn modelId="{6F2D218D-D224-4BB2-9106-18B0051CB36B}" srcId="{C06A3573-F15F-457F-B00B-C9084BC12DE0}" destId="{CD32087B-90D6-40B7-B6CE-BC933BD73061}" srcOrd="0" destOrd="0" parTransId="{971192BD-9A21-424E-8439-A3C2E443B70B}" sibTransId="{81A88A4E-DE3A-4C55-A11E-F0541DF5CA70}"/>
+    <dgm:cxn modelId="{10B41523-3917-4825-A7FF-8B84252C86BC}" type="presOf" srcId="{81A88A4E-DE3A-4C55-A11E-F0541DF5CA70}" destId="{5BBE6298-B748-4465-82EF-6A8AE645CCB1}" srcOrd="0" destOrd="0" presId="urn:microsoft.com/office/officeart/2005/8/layout/cycle1"/>
+    <dgm:cxn modelId="{26A6C80A-3DE0-468C-96E7-035D07C004EB}" type="presParOf" srcId="{97585A9C-A065-4D4B-8C2C-646401E63976}" destId="{21F56461-BB4B-47C9-AB4C-AA475CE70B6C}" srcOrd="0" destOrd="0" presId="urn:microsoft.com/office/officeart/2005/8/layout/cycle1"/>
+    <dgm:cxn modelId="{FB5A9C27-3525-47CF-B694-9246EBE5FDBF}" type="presParOf" srcId="{97585A9C-A065-4D4B-8C2C-646401E63976}" destId="{E9B9415C-423B-4201-98EB-DE2E34C8CC89}" srcOrd="1" destOrd="0" presId="urn:microsoft.com/office/officeart/2005/8/layout/cycle1"/>
+    <dgm:cxn modelId="{7EC6B1B4-D3E9-48AF-802F-79E6F649A450}" type="presParOf" srcId="{97585A9C-A065-4D4B-8C2C-646401E63976}" destId="{5BBE6298-B748-4465-82EF-6A8AE645CCB1}" srcOrd="2" destOrd="0" presId="urn:microsoft.com/office/officeart/2005/8/layout/cycle1"/>
+    <dgm:cxn modelId="{1EF9EFE0-9DA8-4609-A7A6-BD58F822A044}" type="presParOf" srcId="{97585A9C-A065-4D4B-8C2C-646401E63976}" destId="{919F64A8-4CF2-469F-8ED0-6F5CD3164C32}" srcOrd="3" destOrd="0" presId="urn:microsoft.com/office/officeart/2005/8/layout/cycle1"/>
+    <dgm:cxn modelId="{9664D58B-F899-4C4A-8B9B-0AA73166515E}" type="presParOf" srcId="{97585A9C-A065-4D4B-8C2C-646401E63976}" destId="{9DA347C5-C10B-4C9B-A35B-C57EFAEF268C}" srcOrd="4" destOrd="0" presId="urn:microsoft.com/office/officeart/2005/8/layout/cycle1"/>
+    <dgm:cxn modelId="{823D0D26-40E0-4D77-81F0-7B09A753B84B}" type="presParOf" srcId="{97585A9C-A065-4D4B-8C2C-646401E63976}" destId="{ACC76331-56B2-4FCE-BA8D-8D8534AF0606}" srcOrd="5" destOrd="0" presId="urn:microsoft.com/office/officeart/2005/8/layout/cycle1"/>
+  </dgm:cxnLst>
+  <dgm:bg/>
+  <dgm:whole/>
+  <dgm:extLst>
+    <a:ext uri="http://schemas.microsoft.com/office/drawing/2008/diagram">
+      <dsp:dataModelExt xmlns:dsp="http://schemas.microsoft.com/office/drawing/2008/diagram" relId="rId7" minVer="http://schemas.openxmlformats.org/drawingml/2006/diagram"/>
+    </a:ext>
+  </dgm:extLst>
+</dgm:dataModel>
+</file>
+
+<file path=ppt/diagrams/drawing1.xml><?xml version="1.0" encoding="utf-8"?>
+<dsp:drawing xmlns:dgm="http://schemas.openxmlformats.org/drawingml/2006/diagram" xmlns:dsp="http://schemas.microsoft.com/office/drawing/2008/diagram" xmlns:a="http://schemas.openxmlformats.org/drawingml/2006/main">
+  <dsp:spTree>
+    <dsp:nvGrpSpPr>
+      <dsp:cNvPr id="0" name=""/>
+      <dsp:cNvGrpSpPr/>
+    </dsp:nvGrpSpPr>
+    <dsp:grpSpPr/>
+    <dsp:sp modelId="{E9B9415C-423B-4201-98EB-DE2E34C8CC89}">
+      <dsp:nvSpPr>
+        <dsp:cNvPr id="0" name=""/>
+        <dsp:cNvSpPr/>
+      </dsp:nvSpPr>
+      <dsp:spPr>
+        <a:xfrm>
+          <a:off x="3323387" y="795428"/>
+          <a:ext cx="1505487" cy="1505487"/>
+        </a:xfrm>
+        <a:prstGeom prst="rect">
+          <a:avLst/>
+        </a:prstGeom>
+        <a:noFill/>
+        <a:ln>
+          <a:noFill/>
+        </a:ln>
+        <a:effectLst/>
+      </dsp:spPr>
+      <dsp:style>
+        <a:lnRef idx="0">
+          <a:scrgbClr r="0" g="0" b="0"/>
+        </a:lnRef>
+        <a:fillRef idx="0">
+          <a:scrgbClr r="0" g="0" b="0"/>
+        </a:fillRef>
+        <a:effectRef idx="0">
+          <a:scrgbClr r="0" g="0" b="0"/>
+        </a:effectRef>
+        <a:fontRef idx="minor"/>
+      </dsp:style>
+      <dsp:txBody>
+        <a:bodyPr spcFirstLastPara="0" vert="horz" wrap="square" lIns="39370" tIns="39370" rIns="39370" bIns="39370" numCol="1" spcCol="1270" anchor="ctr" anchorCtr="0">
+          <a:noAutofit/>
+        </a:bodyPr>
+        <a:lstStyle/>
+        <a:p>
+          <a:pPr lvl="0" algn="ctr" defTabSz="1377950">
+            <a:lnSpc>
+              <a:spcPct val="90000"/>
+            </a:lnSpc>
+            <a:spcBef>
+              <a:spcPct val="0"/>
+            </a:spcBef>
+            <a:spcAft>
+              <a:spcPct val="35000"/>
+            </a:spcAft>
+          </a:pPr>
+          <a:r>
+            <a:rPr lang="es-AR" sz="3100" kern="1200" dirty="0" smtClean="0"/>
+            <a:t>Usuario A</a:t>
+          </a:r>
+          <a:endParaRPr lang="es-AR" sz="3100" kern="1200" dirty="0"/>
+        </a:p>
+      </dsp:txBody>
+      <dsp:txXfrm>
+        <a:off x="3323387" y="795428"/>
+        <a:ext cx="1505487" cy="1505487"/>
+      </dsp:txXfrm>
+    </dsp:sp>
+    <dsp:sp modelId="{5BBE6298-B748-4465-82EF-6A8AE645CCB1}">
+      <dsp:nvSpPr>
+        <dsp:cNvPr id="0" name=""/>
+        <dsp:cNvSpPr/>
+      </dsp:nvSpPr>
+      <dsp:spPr>
+        <a:xfrm>
+          <a:off x="1294466" y="-1677"/>
+          <a:ext cx="3099698" cy="3099698"/>
+        </a:xfrm>
+        <a:prstGeom prst="circularArrow">
+          <a:avLst>
+            <a:gd name="adj1" fmla="val 9471"/>
+            <a:gd name="adj2" fmla="val 683873"/>
+            <a:gd name="adj3" fmla="val 7856047"/>
+            <a:gd name="adj4" fmla="val 2260080"/>
+            <a:gd name="adj5" fmla="val 11049"/>
+          </a:avLst>
+        </a:prstGeom>
+        <a:solidFill>
+          <a:schemeClr val="accent1">
+            <a:hueOff val="0"/>
+            <a:satOff val="0"/>
+            <a:lumOff val="0"/>
+            <a:alphaOff val="0"/>
+          </a:schemeClr>
+        </a:solidFill>
+        <a:ln w="20000" cap="flat" cmpd="sng" algn="ctr">
+          <a:solidFill>
+            <a:schemeClr val="lt1">
+              <a:hueOff val="0"/>
+              <a:satOff val="0"/>
+              <a:lumOff val="0"/>
+              <a:alphaOff val="0"/>
+            </a:schemeClr>
+          </a:solidFill>
+          <a:prstDash val="solid"/>
+        </a:ln>
+        <a:effectLst>
+          <a:outerShdw blurRad="50800" dist="25400" dir="5400000" rotWithShape="0">
+            <a:srgbClr val="000000">
+              <a:alpha val="35000"/>
+            </a:srgbClr>
+          </a:outerShdw>
+        </a:effectLst>
+      </dsp:spPr>
+      <dsp:style>
+        <a:lnRef idx="3">
+          <a:scrgbClr r="0" g="0" b="0"/>
+        </a:lnRef>
+        <a:fillRef idx="1">
+          <a:scrgbClr r="0" g="0" b="0"/>
+        </a:fillRef>
+        <a:effectRef idx="1">
+          <a:scrgbClr r="0" g="0" b="0"/>
+        </a:effectRef>
+        <a:fontRef idx="minor">
+          <a:schemeClr val="lt1"/>
+        </a:fontRef>
+      </dsp:style>
+    </dsp:sp>
+    <dsp:sp modelId="{9DA347C5-C10B-4C9B-A35B-C57EFAEF268C}">
+      <dsp:nvSpPr>
+        <dsp:cNvPr id="0" name=""/>
+        <dsp:cNvSpPr/>
+      </dsp:nvSpPr>
+      <dsp:spPr>
+        <a:xfrm>
+          <a:off x="859757" y="795428"/>
+          <a:ext cx="1505487" cy="1505487"/>
+        </a:xfrm>
+        <a:prstGeom prst="rect">
+          <a:avLst/>
+        </a:prstGeom>
+        <a:noFill/>
+        <a:ln>
+          <a:noFill/>
+        </a:ln>
+        <a:effectLst/>
+      </dsp:spPr>
+      <dsp:style>
+        <a:lnRef idx="0">
+          <a:scrgbClr r="0" g="0" b="0"/>
+        </a:lnRef>
+        <a:fillRef idx="0">
+          <a:scrgbClr r="0" g="0" b="0"/>
+        </a:fillRef>
+        <a:effectRef idx="0">
+          <a:scrgbClr r="0" g="0" b="0"/>
+        </a:effectRef>
+        <a:fontRef idx="minor"/>
+      </dsp:style>
+      <dsp:txBody>
+        <a:bodyPr spcFirstLastPara="0" vert="horz" wrap="square" lIns="39370" tIns="39370" rIns="39370" bIns="39370" numCol="1" spcCol="1270" anchor="ctr" anchorCtr="0">
+          <a:noAutofit/>
+        </a:bodyPr>
+        <a:lstStyle/>
+        <a:p>
+          <a:pPr lvl="0" algn="ctr" defTabSz="1377950">
+            <a:lnSpc>
+              <a:spcPct val="90000"/>
+            </a:lnSpc>
+            <a:spcBef>
+              <a:spcPct val="0"/>
+            </a:spcBef>
+            <a:spcAft>
+              <a:spcPct val="35000"/>
+            </a:spcAft>
+          </a:pPr>
+          <a:r>
+            <a:rPr lang="es-AR" sz="3100" kern="1200" dirty="0" smtClean="0"/>
+            <a:t>Usuario B</a:t>
+          </a:r>
+          <a:endParaRPr lang="es-AR" sz="3100" kern="1200" dirty="0"/>
+        </a:p>
+      </dsp:txBody>
+      <dsp:txXfrm>
+        <a:off x="859757" y="795428"/>
+        <a:ext cx="1505487" cy="1505487"/>
+      </dsp:txXfrm>
+    </dsp:sp>
+    <dsp:sp modelId="{ACC76331-56B2-4FCE-BA8D-8D8534AF0606}">
+      <dsp:nvSpPr>
+        <dsp:cNvPr id="0" name=""/>
+        <dsp:cNvSpPr/>
+      </dsp:nvSpPr>
+      <dsp:spPr>
+        <a:xfrm>
+          <a:off x="1294466" y="-1677"/>
+          <a:ext cx="3099698" cy="3099698"/>
+        </a:xfrm>
+        <a:prstGeom prst="circularArrow">
+          <a:avLst>
+            <a:gd name="adj1" fmla="val 9471"/>
+            <a:gd name="adj2" fmla="val 683873"/>
+            <a:gd name="adj3" fmla="val 18656047"/>
+            <a:gd name="adj4" fmla="val 13060080"/>
+            <a:gd name="adj5" fmla="val 11049"/>
+          </a:avLst>
+        </a:prstGeom>
+        <a:solidFill>
+          <a:schemeClr val="accent1">
+            <a:hueOff val="0"/>
+            <a:satOff val="0"/>
+            <a:lumOff val="0"/>
+            <a:alphaOff val="0"/>
+          </a:schemeClr>
+        </a:solidFill>
+        <a:ln w="20000" cap="flat" cmpd="sng" algn="ctr">
+          <a:solidFill>
+            <a:schemeClr val="lt1">
+              <a:hueOff val="0"/>
+              <a:satOff val="0"/>
+              <a:lumOff val="0"/>
+              <a:alphaOff val="0"/>
+            </a:schemeClr>
+          </a:solidFill>
+          <a:prstDash val="solid"/>
+        </a:ln>
+        <a:effectLst>
+          <a:outerShdw blurRad="50800" dist="25400" dir="5400000" rotWithShape="0">
+            <a:srgbClr val="000000">
+              <a:alpha val="35000"/>
+            </a:srgbClr>
+          </a:outerShdw>
+        </a:effectLst>
+      </dsp:spPr>
+      <dsp:style>
+        <a:lnRef idx="3">
+          <a:scrgbClr r="0" g="0" b="0"/>
+        </a:lnRef>
+        <a:fillRef idx="1">
+          <a:scrgbClr r="0" g="0" b="0"/>
+        </a:fillRef>
+        <a:effectRef idx="1">
+          <a:scrgbClr r="0" g="0" b="0"/>
+        </a:effectRef>
+        <a:fontRef idx="minor">
+          <a:schemeClr val="lt1"/>
+        </a:fontRef>
+      </dsp:style>
+    </dsp:sp>
+  </dsp:spTree>
+</dsp:drawing>
+</file>
+
+<file path=ppt/diagrams/layout1.xml><?xml version="1.0" encoding="utf-8"?>
+<dgm:layoutDef xmlns:dgm="http://schemas.openxmlformats.org/drawingml/2006/diagram" xmlns:a="http://schemas.openxmlformats.org/drawingml/2006/main" uniqueId="urn:microsoft.com/office/officeart/2005/8/layout/cycle1">
+  <dgm:title val=""/>
+  <dgm:desc val=""/>
+  <dgm:catLst>
+    <dgm:cat type="cycle" pri="2000"/>
+  </dgm:catLst>
+  <dgm:sampData>
+    <dgm:dataModel>
+      <dgm:ptLst>
+        <dgm:pt modelId="0" type="doc"/>
+        <dgm:pt modelId="1">
+          <dgm:prSet phldr="1"/>
+        </dgm:pt>
+        <dgm:pt modelId="2">
+          <dgm:prSet phldr="1"/>
+        </dgm:pt>
+        <dgm:pt modelId="3">
+          <dgm:prSet phldr="1"/>
+        </dgm:pt>
+        <dgm:pt modelId="4">
+          <dgm:prSet phldr="1"/>
+        </dgm:pt>
+        <dgm:pt modelId="5">
+          <dgm:prSet phldr="1"/>
+        </dgm:pt>
+      </dgm:ptLst>
+      <dgm:cxnLst>
+        <dgm:cxn modelId="6" srcId="0" destId="1" srcOrd="0" destOrd="0"/>
+        <dgm:cxn modelId="7" srcId="0" destId="2" srcOrd="1" destOrd="0"/>
+        <dgm:cxn modelId="8" srcId="0" destId="3" srcOrd="2" destOrd="0"/>
+        <dgm:cxn modelId="9" srcId="0" destId="4" srcOrd="3" destOrd="0"/>
+        <dgm:cxn modelId="10" srcId="0" destId="5" srcOrd="4" destOrd="0"/>
+      </dgm:cxnLst>
+      <dgm:bg/>
+      <dgm:whole/>
+    </dgm:dataModel>
+  </dgm:sampData>
+  <dgm:styleData>
+    <dgm:dataModel>
+      <dgm:ptLst>
+        <dgm:pt modelId="0" type="doc"/>
+        <dgm:pt modelId="1"/>
+        <dgm:pt modelId="2"/>
+        <dgm:pt modelId="3"/>
+      </dgm:ptLst>
+      <dgm:cxnLst>
+        <dgm:cxn modelId="4" srcId="0" destId="1" srcOrd="0" destOrd="0"/>
+        <dgm:cxn modelId="5" srcId="0" destId="2" srcOrd="1" destOrd="0"/>
+        <dgm:cxn modelId="6" srcId="0" destId="3" srcOrd="2" destOrd="0"/>
+      </dgm:cxnLst>
+      <dgm:bg/>
+      <dgm:whole/>
+    </dgm:dataModel>
+  </dgm:styleData>
+  <dgm:clrData>
+    <dgm:dataModel>
+      <dgm:ptLst>
+        <dgm:pt modelId="0" type="doc"/>
+        <dgm:pt modelId="1"/>
+        <dgm:pt modelId="2"/>
+        <dgm:pt modelId="3"/>
+        <dgm:pt modelId="4"/>
+        <dgm:pt modelId="5"/>
+        <dgm:pt modelId="6"/>
+      </dgm:ptLst>
+      <dgm:cxnLst>
+        <dgm:cxn modelId="7" srcId="0" destId="1" srcOrd="0" destOrd="0"/>
+        <dgm:cxn modelId="8" srcId="0" destId="2" srcOrd="1" destOrd="0"/>
+        <dgm:cxn modelId="9" srcId="0" destId="3" srcOrd="2" destOrd="0"/>
+        <dgm:cxn modelId="10" srcId="0" destId="4" srcOrd="3" destOrd="0"/>
+        <dgm:cxn modelId="11" srcId="0" destId="5" srcOrd="4" destOrd="0"/>
+        <dgm:cxn modelId="12" srcId="0" destId="6" srcOrd="5" destOrd="0"/>
+      </dgm:cxnLst>
+      <dgm:bg/>
+      <dgm:whole/>
+    </dgm:dataModel>
+  </dgm:clrData>
+  <dgm:layoutNode name="cycle">
+    <dgm:varLst>
+      <dgm:dir/>
+      <dgm:resizeHandles val="exact"/>
+    </dgm:varLst>
+    <dgm:choose name="Name0">
+      <dgm:if name="Name1" func="var" arg="dir" op="equ" val="norm">
+        <dgm:alg type="cycle">
+          <dgm:param type="stAng" val="0"/>
+          <dgm:param type="spanAng" val="360"/>
+        </dgm:alg>
+      </dgm:if>
+      <dgm:else name="Name2">
+        <dgm:alg type="cycle">
+          <dgm:param type="stAng" val="0"/>
+          <dgm:param type="spanAng" val="-360"/>
+        </dgm:alg>
+      </dgm:else>
+    </dgm:choose>
+    <dgm:shape xmlns:r="http://schemas.openxmlformats.org/officeDocument/2006/relationships" r:blip="">
+      <dgm:adjLst/>
+    </dgm:shape>
+    <dgm:presOf/>
+    <dgm:choose name="Name3">
+      <dgm:if name="Name4" func="var" arg="dir" op="equ" val="norm">
+        <dgm:constrLst>
+          <dgm:constr type="diam" val="1"/>
+          <dgm:constr type="w" for="ch" forName="node" refType="w"/>
+          <dgm:constr type="w" for="ch" ptType="sibTrans" refType="w" refFor="ch" refForName="node" fact="0.5"/>
+          <dgm:constr type="h" for="ch" ptType="sibTrans" op="equ"/>
+          <dgm:constr type="diam" for="ch" ptType="sibTrans" refType="diam" op="equ"/>
+          <dgm:constr type="sibSp" refType="w" refFor="ch" refForName="node" fact="0.15"/>
+          <dgm:constr type="w" for="ch" forName="dummy" refType="sibSp" fact="2.8"/>
+          <dgm:constr type="primFontSz" for="ch" forName="node" op="equ" val="65"/>
+        </dgm:constrLst>
+      </dgm:if>
+      <dgm:else name="Name5">
+        <dgm:constrLst>
+          <dgm:constr type="diam" val="1"/>
+          <dgm:constr type="w" for="ch" forName="node" refType="w"/>
+          <dgm:constr type="w" for="ch" ptType="sibTrans" refType="w" refFor="ch" refForName="node" fact="0.5"/>
+          <dgm:constr type="h" for="ch" ptType="sibTrans" op="equ"/>
+          <dgm:constr type="diam" for="ch" ptType="sibTrans" refType="diam" op="equ" fact="-1"/>
+          <dgm:constr type="sibSp" refType="w" refFor="ch" refForName="node" fact="0.15"/>
+          <dgm:constr type="w" for="ch" forName="dummy" refType="sibSp" fact="2.8"/>
+          <dgm:constr type="primFontSz" for="ch" forName="node" op="equ" val="65"/>
+        </dgm:constrLst>
+      </dgm:else>
+    </dgm:choose>
+    <dgm:ruleLst>
+      <dgm:rule type="diam" val="INF" fact="NaN" max="NaN"/>
+    </dgm:ruleLst>
+    <dgm:forEach name="nodesForEach" axis="ch" ptType="node">
+      <dgm:choose name="Name6">
+        <dgm:if name="Name7" axis="par ch" ptType="doc node" func="cnt" op="gt" val="1">
+          <dgm:layoutNode name="dummy">
+            <dgm:alg type="sp"/>
+            <dgm:shape xmlns:r="http://schemas.openxmlformats.org/officeDocument/2006/relationships" r:blip="">
+              <dgm:adjLst/>
+            </dgm:shape>
+            <dgm:presOf/>
+            <dgm:constrLst>
+              <dgm:constr type="h" refType="w"/>
+            </dgm:constrLst>
+            <dgm:ruleLst/>
+          </dgm:layoutNode>
+        </dgm:if>
+        <dgm:else name="Name8"/>
+      </dgm:choose>
+      <dgm:layoutNode name="node" styleLbl="revTx">
+        <dgm:varLst>
+          <dgm:bulletEnabled val="1"/>
+        </dgm:varLst>
+        <dgm:alg type="tx">
+          <dgm:param type="txAnchorVertCh" val="mid"/>
+        </dgm:alg>
+        <dgm:shape xmlns:r="http://schemas.openxmlformats.org/officeDocument/2006/relationships" type="rect" r:blip="">
+          <dgm:adjLst/>
+        </dgm:shape>
+        <dgm:presOf axis="desOrSelf" ptType="node"/>
+        <dgm:constrLst>
+          <dgm:constr type="h" refType="w"/>
+          <dgm:constr type="lMarg" refType="primFontSz" fact="0.1"/>
+          <dgm:constr type="rMarg" refType="primFontSz" fact="0.1"/>
+          <dgm:constr type="tMarg" refType="primFontSz" fact="0.1"/>
+          <dgm:constr type="bMarg" refType="primFontSz" fact="0.1"/>
+        </dgm:constrLst>
+        <dgm:ruleLst>
+          <dgm:rule type="primFontSz" val="5" fact="NaN" max="NaN"/>
+        </dgm:ruleLst>
+      </dgm:layoutNode>
+      <dgm:choose name="Name9">
+        <dgm:if name="Name10" axis="par ch" ptType="doc node" func="cnt" op="gt" val="1">
+          <dgm:forEach name="Name11" axis="followSib" ptType="sibTrans" hideLastTrans="0" cnt="1">
+            <dgm:layoutNode name="sibTrans" styleLbl="node1">
+              <dgm:alg type="conn">
+                <dgm:param type="connRout" val="curve"/>
+                <dgm:param type="begPts" val="radial"/>
+                <dgm:param type="endPts" val="radial"/>
+              </dgm:alg>
+              <dgm:shape xmlns:r="http://schemas.openxmlformats.org/officeDocument/2006/relationships" type="conn" r:blip="">
+                <dgm:adjLst/>
+              </dgm:shape>
+              <dgm:presOf axis="self"/>
+              <dgm:constrLst>
+                <dgm:constr type="h" refType="w" fact="0.65"/>
+                <dgm:constr type="begPad"/>
+                <dgm:constr type="endPad"/>
+              </dgm:constrLst>
+              <dgm:ruleLst/>
+            </dgm:layoutNode>
+          </dgm:forEach>
+        </dgm:if>
+        <dgm:else name="Name12"/>
+      </dgm:choose>
+    </dgm:forEach>
+  </dgm:layoutNode>
+</dgm:layoutDef>
+</file>
+
+<file path=ppt/diagrams/quickStyle1.xml><?xml version="1.0" encoding="utf-8"?>
+<dgm:styleDef xmlns:dgm="http://schemas.openxmlformats.org/drawingml/2006/diagram" xmlns:a="http://schemas.openxmlformats.org/drawingml/2006/main" uniqueId="urn:microsoft.com/office/officeart/2005/8/quickstyle/simple2">
+  <dgm:title val=""/>
+  <dgm:desc val=""/>
+  <dgm:catLst>
+    <dgm:cat type="simple" pri="10200"/>
+  </dgm:catLst>
+  <dgm:scene3d>
+    <a:camera prst="orthographicFront"/>
+    <a:lightRig rig="threePt" dir="t"/>
+  </dgm:scene3d>
+  <dgm:styleLbl name="node0">
+    <dgm:scene3d>
+      <a:camera prst="orthographicFront"/>
+      <a:lightRig rig="threePt" dir="t"/>
+    </dgm:scene3d>
+    <dgm:sp3d/>
+    <dgm:txPr/>
+    <dgm:style>
+      <a:lnRef idx="3">
+        <a:scrgbClr r="0" g="0" b="0"/>
+      </a:lnRef>
+      <a:fillRef idx="1">
+        <a:scrgbClr r="0" g="0" b="0"/>
+      </a:fillRef>
+      <a:effectRef idx="1">
+        <a:scrgbClr r="0" g="0" b="0"/>
+      </a:effectRef>
+      <a:fontRef idx="minor">
+        <a:schemeClr val="lt1"/>
+      </a:fontRef>
+    </dgm:style>
+  </dgm:styleLbl>
+  <dgm:styleLbl name="lnNode1">
+    <dgm:scene3d>
+      <a:camera prst="orthographicFront"/>
+      <a:lightRig rig="threePt" dir="t"/>
+    </dgm:scene3d>
+    <dgm:sp3d/>
+    <dgm:txPr/>
+    <dgm:style>
+      <a:lnRef idx="3">
+        <a:scrgbClr r="0" g="0" b="0"/>
+      </a:lnRef>
+      <a:fillRef idx="1">
+        <a:scrgbClr r="0" g="0" b="0"/>
+      </a:fillRef>
+      <a:effectRef idx="1">
+        <a:scrgbClr r="0" g="0" b="0"/>
+      </a:effectRef>
+      <a:fontRef idx="minor">
+        <a:schemeClr val="lt1"/>
+      </a:fontRef>
+    </dgm:style>
+  </dgm:styleLbl>
+  <dgm:styleLbl name="vennNode1">
+    <dgm:scene3d>
+      <a:camera prst="orthographicFront"/>
+      <a:lightRig rig="threePt" dir="t"/>
+    </dgm:scene3d>
+    <dgm:sp3d/>
+    <dgm:txPr/>
+    <dgm:style>
+      <a:lnRef idx="3">
+        <a:scrgbClr r="0" g="0" b="0"/>
+      </a:lnRef>
+      <a:fillRef idx="1">
+        <a:scrgbClr r="0" g="0" b="0"/>
+      </a:fillRef>
+      <a:effectRef idx="0">
+        <a:scrgbClr r="0" g="0" b="0"/>
+      </a:effectRef>
+      <a:fontRef idx="minor">
+        <a:schemeClr val="tx1"/>
+      </a:fontRef>
+    </dgm:style>
+  </dgm:styleLbl>
+  <dgm:styleLbl name="alignNode1">
+    <dgm:scene3d>
+      <a:camera prst="orthographicFront"/>
+      <a:lightRig rig="threePt" dir="t"/>
+    </dgm:scene3d>
+    <dgm:sp3d/>
+    <dgm:txPr/>
+    <dgm:style>
+      <a:lnRef idx="2">
+        <a:scrgbClr r="0" g="0" b="0"/>
+      </a:lnRef>
+      <a:fillRef idx="1">
+        <a:scrgbClr r="0" g="0" b="0"/>
+      </a:fillRef>
+      <a:effectRef idx="1">
+        <a:scrgbClr r="0" g="0" b="0"/>
+      </a:effectRef>
+      <a:fontRef idx="minor">
+        <a:schemeClr val="lt1"/>
+      </a:fontRef>
+    </dgm:style>
+  </dgm:styleLbl>
+  <dgm:styleLbl name="node1">
+    <dgm:scene3d>
+      <a:camera prst="orthographicFront"/>
+      <a:lightRig rig="threePt" dir="t"/>
+    </dgm:scene3d>
+    <dgm:sp3d/>
+    <dgm:txPr/>
+    <dgm:style>
+      <a:lnRef idx="3">
+        <a:scrgbClr r="0" g="0" b="0"/>
+      </a:lnRef>
+      <a:fillRef idx="1">
+        <a:scrgbClr r="0" g="0" b="0"/>
+      </a:fillRef>
+      <a:effectRef idx="1">
+        <a:scrgbClr r="0" g="0" b="0"/>
+      </a:effectRef>
+      <a:fontRef idx="minor">
+        <a:schemeClr val="lt1"/>
+      </a:fontRef>
+    </dgm:style>
+  </dgm:styleLbl>
+  <dgm:styleLbl name="node2">
+    <dgm:scene3d>
+      <a:camera prst="orthographicFront"/>
+      <a:lightRig rig="threePt" dir="t"/>
+    </dgm:scene3d>
+    <dgm:sp3d/>
+    <dgm:txPr/>
+    <dgm:style>
+      <a:lnRef idx="3">
+        <a:scrgbClr r="0" g="0" b="0"/>
+      </a:lnRef>
+      <a:fillRef idx="1">
+        <a:scrgbClr r="0" g="0" b="0"/>
+      </a:fillRef>
+      <a:effectRef idx="1">
+        <a:scrgbClr r="0" g="0" b="0"/>
+      </a:effectRef>
+      <a:fontRef idx="minor">
+        <a:schemeClr val="lt1"/>
+      </a:fontRef>
+    </dgm:style>
+  </dgm:styleLbl>
+  <dgm:styleLbl name="node3">
+    <dgm:scene3d>
+      <a:camera prst="orthographicFront"/>
+      <a:lightRig rig="threePt" dir="t"/>
+    </dgm:scene3d>
+    <dgm:sp3d/>
+    <dgm:txPr/>
+    <dgm:style>
+      <a:lnRef idx="3">
+        <a:scrgbClr r="0" g="0" b="0"/>
+      </a:lnRef>
+      <a:fillRef idx="1">
+        <a:scrgbClr r="0" g="0" b="0"/>
+      </a:fillRef>
+      <a:effectRef idx="1">
+        <a:scrgbClr r="0" g="0" b="0"/>
+      </a:effectRef>
+      <a:fontRef idx="minor">
+        <a:schemeClr val="lt1"/>
+      </a:fontRef>
+    </dgm:style>
+  </dgm:styleLbl>
+  <dgm:styleLbl name="node4">
+    <dgm:scene3d>
+      <a:camera prst="orthographicFront"/>
+      <a:lightRig rig="threePt" dir="t"/>
+    </dgm:scene3d>
+    <dgm:sp3d/>
+    <dgm:txPr/>
+    <dgm:style>
+      <a:lnRef idx="3">
+        <a:scrgbClr r="0" g="0" b="0"/>
+      </a:lnRef>
+      <a:fillRef idx="1">
+        <a:scrgbClr r="0" g="0" b="0"/>
+      </a:fillRef>
+      <a:effectRef idx="1">
+        <a:scrgbClr r="0" g="0" b="0"/>
+      </a:effectRef>
+      <a:fontRef idx="minor">
+        <a:schemeClr val="lt1"/>
+      </a:fontRef>
+    </dgm:style>
+  </dgm:styleLbl>
+  <dgm:styleLbl name="fgImgPlace1">
+    <dgm:scene3d>
+      <a:camera prst="orthographicFront"/>
+      <a:lightRig rig="threePt" dir="t"/>
+    </dgm:scene3d>
+    <dgm:sp3d/>
+    <dgm:txPr/>
+    <dgm:style>
+      <a:lnRef idx="3">
+        <a:scrgbClr r="0" g="0" b="0"/>
+      </a:lnRef>
+      <a:fillRef idx="1">
+        <a:scrgbClr r="0" g="0" b="0"/>
+      </a:fillRef>
+      <a:effectRef idx="1">
+        <a:scrgbClr r="0" g="0" b="0"/>
+      </a:effectRef>
+      <a:fontRef idx="minor"/>
+    </dgm:style>
+  </dgm:styleLbl>
+  <dgm:styleLbl name="alignImgPlace1">
+    <dgm:scene3d>
+      <a:camera prst="orthographicFront"/>
+      <a:lightRig rig="threePt" dir="t"/>
+    </dgm:scene3d>
+    <dgm:sp3d/>
+    <dgm:txPr/>
+    <dgm:style>
+      <a:lnRef idx="3">
+        <a:scrgbClr r="0" g="0" b="0"/>
+      </a:lnRef>
+      <a:fillRef idx="1">
+        <a:scrgbClr r="0" g="0" b="0"/>
+      </a:fillRef>
+      <a:effectRef idx="1">
+        <a:scrgbClr r="0" g="0" b="0"/>
+      </a:effectRef>
+      <a:fontRef idx="minor"/>
+    </dgm:style>
+  </dgm:styleLbl>
+  <dgm:styleLbl name="bgImgPlace1">
+    <dgm:scene3d>
+      <a:camera prst="orthographicFront"/>
+      <a:lightRig rig="threePt" dir="t"/>
+    </dgm:scene3d>
+    <dgm:sp3d/>
+    <dgm:txPr/>
+    <dgm:style>
+      <a:lnRef idx="3">
+        <a:scrgbClr r="0" g="0" b="0"/>
+      </a:lnRef>
+      <a:fillRef idx="1">
+        <a:scrgbClr r="0" g="0" b="0"/>
+      </a:fillRef>
+      <a:effectRef idx="1">
+        <a:scrgbClr r="0" g="0" b="0"/>
+      </a:effectRef>
+      <a:fontRef idx="minor"/>
+    </dgm:style>
+  </dgm:styleLbl>
+  <dgm:styleLbl name="sibTrans2D1">
+    <dgm:scene3d>
+      <a:camera prst="orthographicFront"/>
+      <a:lightRig rig="threePt" dir="t"/>
+    </dgm:scene3d>
+    <dgm:sp3d/>
+    <dgm:txPr/>
+    <dgm:style>
+      <a:lnRef idx="0">
+        <a:scrgbClr r="0" g="0" b="0"/>
+      </a:lnRef>
+      <a:fillRef idx="1">
+        <a:scrgbClr r="0" g="0" b="0"/>
+      </a:fillRef>
+      <a:effectRef idx="1">
+        <a:scrgbClr r="0" g="0" b="0"/>
+      </a:effectRef>
+      <a:fontRef idx="minor">
+        <a:schemeClr val="lt1"/>
+      </a:fontRef>
+    </dgm:style>
+  </dgm:styleLbl>
+  <dgm:styleLbl name="fgSibTrans2D1">
+    <dgm:scene3d>
+      <a:camera prst="orthographicFront"/>
+      <a:lightRig rig="threePt" dir="t"/>
+    </dgm:scene3d>
+    <dgm:sp3d/>
+    <dgm:txPr/>
+    <dgm:style>
+      <a:lnRef idx="0">
+        <a:scrgbClr r="0" g="0" b="0"/>
+      </a:lnRef>
+      <a:fillRef idx="1">
+        <a:scrgbClr r="0" g="0" b="0"/>
+      </a:fillRef>
+      <a:effectRef idx="1">
+        <a:scrgbClr r="0" g="0" b="0"/>
+      </a:effectRef>
+      <a:fontRef idx="minor">
+        <a:schemeClr val="lt1"/>
+      </a:fontRef>
+    </dgm:style>
+  </dgm:styleLbl>
+  <dgm:styleLbl name="bgSibTrans2D1">
+    <dgm:scene3d>
+      <a:camera prst="orthographicFront"/>
+      <a:lightRig rig="threePt" dir="t"/>
+    </dgm:scene3d>
+    <dgm:sp3d/>
+    <dgm:txPr/>
+    <dgm:style>
+      <a:lnRef idx="0">
+        <a:scrgbClr r="0" g="0" b="0"/>
+      </a:lnRef>
+      <a:fillRef idx="1">
+        <a:scrgbClr r="0" g="0" b="0"/>
+      </a:fillRef>
+      <a:effectRef idx="1">
+        <a:scrgbClr r="0" g="0" b="0"/>
+      </a:effectRef>
+      <a:fontRef idx="minor">
+        <a:schemeClr val="lt1"/>
+      </a:fontRef>
+    </dgm:style>
+  </dgm:styleLbl>
+  <dgm:styleLbl name="sibTrans1D1">
+    <dgm:scene3d>
+      <a:camera prst="orthographicFront"/>
+      <a:lightRig rig="threePt" dir="t"/>
+    </dgm:scene3d>
+    <dgm:sp3d/>
+    <dgm:txPr/>
+    <dgm:style>
+      <a:lnRef idx="1">
+        <a:scrgbClr r="0" g="0" b="0"/>
+      </a:lnRef>
+      <a:fillRef idx="0">
+        <a:scrgbClr r="0" g="0" b="0"/>
+      </a:fillRef>
+      <a:effectRef idx="0">
+        <a:scrgbClr r="0" g="0" b="0"/>
+      </a:effectRef>
+      <a:fontRef idx="minor"/>
+    </dgm:style>
+  </dgm:styleLbl>
+  <dgm:styleLbl name="callout">
+    <dgm:scene3d>
+      <a:camera prst="orthographicFront"/>
+      <a:lightRig rig="threePt" dir="t"/>
+    </dgm:scene3d>
+    <dgm:sp3d/>
+    <dgm:txPr/>
+    <dgm:style>
+      <a:lnRef idx="2">
+        <a:scrgbClr r="0" g="0" b="0"/>
+      </a:lnRef>
+      <a:fillRef idx="1">
+        <a:scrgbClr r="0" g="0" b="0"/>
+      </a:fillRef>
+      <a:effectRef idx="1">
+        <a:scrgbClr r="0" g="0" b="0"/>
+      </a:effectRef>
+      <a:fontRef idx="minor"/>
+    </dgm:style>
+  </dgm:styleLbl>
+  <dgm:styleLbl name="asst0">
+    <dgm:scene3d>
+      <a:camera prst="orthographicFront"/>
+      <a:lightRig rig="threePt" dir="t"/>
+    </dgm:scene3d>
+    <dgm:sp3d/>
+    <dgm:txPr/>
+    <dgm:style>
+      <a:lnRef idx="3">
+        <a:scrgbClr r="0" g="0" b="0"/>
+      </a:lnRef>
+      <a:fillRef idx="1">
+        <a:scrgbClr r="0" g="0" b="0"/>
+      </a:fillRef>
+      <a:effectRef idx="1">
+        <a:scrgbClr r="0" g="0" b="0"/>
+      </a:effectRef>
+      <a:fontRef idx="minor">
+        <a:schemeClr val="lt1"/>
+      </a:fontRef>
+    </dgm:style>
+  </dgm:styleLbl>
+  <dgm:styleLbl name="asst1">
+    <dgm:scene3d>
+      <a:camera prst="orthographicFront"/>
+      <a:lightRig rig="threePt" dir="t"/>
+    </dgm:scene3d>
+    <dgm:sp3d/>
+    <dgm:txPr/>
+    <dgm:style>
+      <a:lnRef idx="3">
+        <a:scrgbClr r="0" g="0" b="0"/>
+      </a:lnRef>
+      <a:fillRef idx="1">
+        <a:scrgbClr r="0" g="0" b="0"/>
+      </a:fillRef>
+      <a:effectRef idx="1">
+        <a:scrgbClr r="0" g="0" b="0"/>
+      </a:effectRef>
+      <a:fontRef idx="minor">
+        <a:schemeClr val="lt1"/>
+      </a:fontRef>
+    </dgm:style>
+  </dgm:styleLbl>
+  <dgm:styleLbl name="asst2">
+    <dgm:scene3d>
+      <a:camera prst="orthographicFront"/>
+      <a:lightRig rig="threePt" dir="t"/>
+    </dgm:scene3d>
+    <dgm:sp3d/>
+    <dgm:txPr/>
+    <dgm:style>
+      <a:lnRef idx="3">
+        <a:scrgbClr r="0" g="0" b="0"/>
+      </a:lnRef>
+      <a:fillRef idx="1">
+        <a:scrgbClr r="0" g="0" b="0"/>
+      </a:fillRef>
+      <a:effectRef idx="1">
+        <a:scrgbClr r="0" g="0" b="0"/>
+      </a:effectRef>
+      <a:fontRef idx="minor">
+        <a:schemeClr val="lt1"/>
+      </a:fontRef>
+    </dgm:style>
+  </dgm:styleLbl>
+  <dgm:styleLbl name="asst3">
+    <dgm:scene3d>
+      <a:camera prst="orthographicFront"/>
+      <a:lightRig rig="threePt" dir="t"/>
+    </dgm:scene3d>
+    <dgm:sp3d/>
+    <dgm:txPr/>
+    <dgm:style>
+      <a:lnRef idx="3">
+        <a:scrgbClr r="0" g="0" b="0"/>
+      </a:lnRef>
+      <a:fillRef idx="1">
+        <a:scrgbClr r="0" g="0" b="0"/>
+      </a:fillRef>
+      <a:effectRef idx="1">
+        <a:scrgbClr r="0" g="0" b="0"/>
+      </a:effectRef>
+      <a:fontRef idx="minor">
+        <a:schemeClr val="lt1"/>
+      </a:fontRef>
+    </dgm:style>
+  </dgm:styleLbl>
+  <dgm:styleLbl name="asst4">
+    <dgm:scene3d>
+      <a:camera prst="orthographicFront"/>
+      <a:lightRig rig="threePt" dir="t"/>
+    </dgm:scene3d>
+    <dgm:sp3d/>
+    <dgm:txPr/>
+    <dgm:style>
+      <a:lnRef idx="3">
+        <a:scrgbClr r="0" g="0" b="0"/>
+      </a:lnRef>
+      <a:fillRef idx="1">
+        <a:scrgbClr r="0" g="0" b="0"/>
+      </a:fillRef>
+      <a:effectRef idx="1">
+        <a:scrgbClr r="0" g="0" b="0"/>
+      </a:effectRef>
+      <a:fontRef idx="minor">
+        <a:schemeClr val="lt1"/>
+      </a:fontRef>
+    </dgm:style>
+  </dgm:styleLbl>
+  <dgm:styleLbl name="parChTrans2D1">
+    <dgm:scene3d>
+      <a:camera prst="orthographicFront"/>
+      <a:lightRig rig="threePt" dir="t"/>
+    </dgm:scene3d>
+    <dgm:sp3d/>
+    <dgm:txPr/>
+    <dgm:style>
+      <a:lnRef idx="3">
+        <a:scrgbClr r="0" g="0" b="0"/>
+      </a:lnRef>
+      <a:fillRef idx="1">
+        <a:scrgbClr r="0" g="0" b="0"/>
+      </a:fillRef>
+      <a:effectRef idx="1">
+        <a:scrgbClr r="0" g="0" b="0"/>
+      </a:effectRef>
+      <a:fontRef idx="minor">
+        <a:schemeClr val="lt1"/>
+      </a:fontRef>
+    </dgm:style>
+  </dgm:styleLbl>
+  <dgm:styleLbl name="parChTrans2D2">
+    <dgm:scene3d>
+      <a:camera prst="orthographicFront"/>
+      <a:lightRig rig="threePt" dir="t"/>
+    </dgm:scene3d>
+    <dgm:sp3d/>
+    <dgm:txPr/>
+    <dgm:style>
+      <a:lnRef idx="3">
+        <a:scrgbClr r="0" g="0" b="0"/>
+      </a:lnRef>
+      <a:fillRef idx="1">
+        <a:scrgbClr r="0" g="0" b="0"/>
+      </a:fillRef>
+      <a:effectRef idx="1">
+        <a:scrgbClr r="0" g="0" b="0"/>
+      </a:effectRef>
+      <a:fontRef idx="minor">
+        <a:schemeClr val="lt1"/>
+      </a:fontRef>
+    </dgm:style>
+  </dgm:styleLbl>
+  <dgm:styleLbl name="parChTrans2D3">
+    <dgm:scene3d>
+      <a:camera prst="orthographicFront"/>
+      <a:lightRig rig="threePt" dir="t"/>
+    </dgm:scene3d>
+    <dgm:sp3d/>
+    <dgm:txPr/>
+    <dgm:style>
+      <a:lnRef idx="3">
+        <a:scrgbClr r="0" g="0" b="0"/>
+      </a:lnRef>
+      <a:fillRef idx="1">
+        <a:scrgbClr r="0" g="0" b="0"/>
+      </a:fillRef>
+      <a:effectRef idx="1">
+        <a:scrgbClr r="0" g="0" b="0"/>
+      </a:effectRef>
+      <a:fontRef idx="minor">
+        <a:schemeClr val="lt1"/>
+      </a:fontRef>
+    </dgm:style>
+  </dgm:styleLbl>
+  <dgm:styleLbl name="parChTrans2D4">
+    <dgm:scene3d>
+      <a:camera prst="orthographicFront"/>
+      <a:lightRig rig="threePt" dir="t"/>
+    </dgm:scene3d>
+    <dgm:sp3d/>
+    <dgm:txPr/>
+    <dgm:style>
+      <a:lnRef idx="3">
+        <a:scrgbClr r="0" g="0" b="0"/>
+      </a:lnRef>
+      <a:fillRef idx="1">
+        <a:scrgbClr r="0" g="0" b="0"/>
+      </a:fillRef>
+      <a:effectRef idx="1">
+        <a:scrgbClr r="0" g="0" b="0"/>
+      </a:effectRef>
+      <a:fontRef idx="minor">
+        <a:schemeClr val="lt1"/>
+      </a:fontRef>
+    </dgm:style>
+  </dgm:styleLbl>
+  <dgm:styleLbl name="parChTrans1D1">
+    <dgm:scene3d>
+      <a:camera prst="orthographicFront"/>
+      <a:lightRig rig="threePt" dir="t"/>
+    </dgm:scene3d>
+    <dgm:sp3d/>
+    <dgm:txPr/>
+    <dgm:style>
+      <a:lnRef idx="2">
+        <a:scrgbClr r="0" g="0" b="0"/>
+      </a:lnRef>
+      <a:fillRef idx="0">
+        <a:scrgbClr r="0" g="0" b="0"/>
+      </a:fillRef>
+      <a:effectRef idx="0">
+        <a:scrgbClr r="0" g="0" b="0"/>
+      </a:effectRef>
+      <a:fontRef idx="minor"/>
+    </dgm:style>
+  </dgm:styleLbl>
+  <dgm:styleLbl name="parChTrans1D2">
+    <dgm:scene3d>
+      <a:camera prst="orthographicFront"/>
+      <a:lightRig rig="threePt" dir="t"/>
+    </dgm:scene3d>
+    <dgm:sp3d/>
+    <dgm:txPr/>
+    <dgm:style>
+      <a:lnRef idx="2">
+        <a:scrgbClr r="0" g="0" b="0"/>
+      </a:lnRef>
+      <a:fillRef idx="0">
+        <a:scrgbClr r="0" g="0" b="0"/>
+      </a:fillRef>
+      <a:effectRef idx="0">
+        <a:scrgbClr r="0" g="0" b="0"/>
+      </a:effectRef>
+      <a:fontRef idx="minor"/>
+    </dgm:style>
+  </dgm:styleLbl>
+  <dgm:styleLbl name="parChTrans1D3">
+    <dgm:scene3d>
+      <a:camera prst="orthographicFront"/>
+      <a:lightRig rig="threePt" dir="t"/>
+    </dgm:scene3d>
+    <dgm:sp3d/>
+    <dgm:txPr/>
+    <dgm:style>
+      <a:lnRef idx="2">
+        <a:scrgbClr r="0" g="0" b="0"/>
+      </a:lnRef>
+      <a:fillRef idx="0">
+        <a:scrgbClr r="0" g="0" b="0"/>
+      </a:fillRef>
+      <a:effectRef idx="0">
+        <a:scrgbClr r="0" g="0" b="0"/>
+      </a:effectRef>
+      <a:fontRef idx="minor"/>
+    </dgm:style>
+  </dgm:styleLbl>
+  <dgm:styleLbl name="parChTrans1D4">
+    <dgm:scene3d>
+      <a:camera prst="orthographicFront"/>
+      <a:lightRig rig="threePt" dir="t"/>
+    </dgm:scene3d>
+    <dgm:sp3d/>
+    <dgm:txPr/>
+    <dgm:style>
+      <a:lnRef idx="2">
+        <a:scrgbClr r="0" g="0" b="0"/>
+      </a:lnRef>
+      <a:fillRef idx="0">
+        <a:scrgbClr r="0" g="0" b="0"/>
+      </a:fillRef>
+      <a:effectRef idx="0">
+        <a:scrgbClr r="0" g="0" b="0"/>
+      </a:effectRef>
+      <a:fontRef idx="minor"/>
+    </dgm:style>
+  </dgm:styleLbl>
+  <dgm:styleLbl name="fgAcc1">
+    <dgm:scene3d>
+      <a:camera prst="orthographicFront"/>
+      <a:lightRig rig="threePt" dir="t"/>
+    </dgm:scene3d>
+    <dgm:sp3d/>
+    <dgm:txPr/>
+    <dgm:style>
+      <a:lnRef idx="2">
+        <a:scrgbClr r="0" g="0" b="0"/>
+      </a:lnRef>
+      <a:fillRef idx="1">
+        <a:scrgbClr r="0" g="0" b="0"/>
+      </a:fillRef>
+      <a:effectRef idx="0">
+        <a:scrgbClr r="0" g="0" b="0"/>
+      </a:effectRef>
+      <a:fontRef idx="minor"/>
+    </dgm:style>
+  </dgm:styleLbl>
+  <dgm:styleLbl name="conFgAcc1">
+    <dgm:scene3d>
+      <a:camera prst="orthographicFront"/>
+      <a:lightRig rig="threePt" dir="t"/>
+    </dgm:scene3d>
+    <dgm:sp3d/>
+    <dgm:txPr/>
+    <dgm:style>
+      <a:lnRef idx="2">
+        <a:scrgbClr r="0" g="0" b="0"/>
+      </a:lnRef>
+      <a:fillRef idx="1">
+        <a:scrgbClr r="0" g="0" b="0"/>
+      </a:fillRef>
+      <a:effectRef idx="0">
+        <a:scrgbClr r="0" g="0" b="0"/>
+      </a:effectRef>
+      <a:fontRef idx="minor"/>
+    </dgm:style>
+  </dgm:styleLbl>
+  <dgm:styleLbl name="alignAcc1">
+    <dgm:scene3d>
+      <a:camera prst="orthographicFront"/>
+      <a:lightRig rig="threePt" dir="t"/>
+    </dgm:scene3d>
+    <dgm:sp3d/>
+    <dgm:txPr/>
+    <dgm:style>
+      <a:lnRef idx="2">
+        <a:scrgbClr r="0" g="0" b="0"/>
+      </a:lnRef>
+      <a:fillRef idx="1">
+        <a:scrgbClr r="0" g="0" b="0"/>
+      </a:fillRef>
+      <a:effectRef idx="0">
+        <a:scrgbClr r="0" g="0" b="0"/>
+      </a:effectRef>
+      <a:fontRef idx="minor"/>
+    </dgm:style>
+  </dgm:styleLbl>
+  <dgm:styleLbl name="trAlignAcc1">
+    <dgm:scene3d>
+      <a:camera prst="orthographicFront"/>
+      <a:lightRig rig="threePt" dir="t"/>
+    </dgm:scene3d>
+    <dgm:sp3d/>
+    <dgm:txPr/>
+    <dgm:style>
+      <a:lnRef idx="1">
+        <a:scrgbClr r="0" g="0" b="0"/>
+      </a:lnRef>
+      <a:fillRef idx="1">
+        <a:scrgbClr r="0" g="0" b="0"/>
+      </a:fillRef>
+      <a:effectRef idx="0">
+        <a:scrgbClr r="0" g="0" b="0"/>
+      </a:effectRef>
+      <a:fontRef idx="minor"/>
+    </dgm:style>
+  </dgm:styleLbl>
+  <dgm:styleLbl name="bgAcc1">
+    <dgm:scene3d>
+      <a:camera prst="orthographicFront"/>
+      <a:lightRig rig="threePt" dir="t"/>
+    </dgm:scene3d>
+    <dgm:sp3d/>
+    <dgm:txPr/>
+    <dgm:style>
+      <a:lnRef idx="2">
+        <a:scrgbClr r="0" g="0" b="0"/>
+      </a:lnRef>
+      <a:fillRef idx="1">
+        <a:scrgbClr r="0" g="0" b="0"/>
+      </a:fillRef>
+      <a:effectRef idx="0">
+        <a:scrgbClr r="0" g="0" b="0"/>
+      </a:effectRef>
+      <a:fontRef idx="minor"/>
+    </dgm:style>
+  </dgm:styleLbl>
+  <dgm:styleLbl name="solidFgAcc1">
+    <dgm:scene3d>
+      <a:camera prst="orthographicFront"/>
+      <a:lightRig rig="threePt" dir="t"/>
+    </dgm:scene3d>
+    <dgm:sp3d/>
+    <dgm:txPr/>
+    <dgm:style>
+      <a:lnRef idx="2">
+        <a:scrgbClr r="0" g="0" b="0"/>
+      </a:lnRef>
+      <a:fillRef idx="1">
+        <a:scrgbClr r="0" g="0" b="0"/>
+      </a:fillRef>
+      <a:effectRef idx="0">
+        <a:scrgbClr r="0" g="0" b="0"/>
+      </a:effectRef>
+      <a:fontRef idx="minor"/>
+    </dgm:style>
+  </dgm:styleLbl>
+  <dgm:styleLbl name="solidAlignAcc1">
+    <dgm:scene3d>
+      <a:camera prst="orthographicFront"/>
+      <a:lightRig rig="threePt" dir="t"/>
+    </dgm:scene3d>
+    <dgm:sp3d/>
+    <dgm:txPr/>
+    <dgm:style>
+      <a:lnRef idx="2">
+        <a:scrgbClr r="0" g="0" b="0"/>
+      </a:lnRef>
+      <a:fillRef idx="1">
+        <a:scrgbClr r="0" g="0" b="0"/>
+      </a:fillRef>
+      <a:effectRef idx="0">
+        <a:scrgbClr r="0" g="0" b="0"/>
+      </a:effectRef>
+      <a:fontRef idx="minor"/>
+    </dgm:style>
+  </dgm:styleLbl>
+  <dgm:styleLbl name="solidBgAcc1">
+    <dgm:scene3d>
+      <a:camera prst="orthographicFront"/>
+      <a:lightRig rig="threePt" dir="t"/>
+    </dgm:scene3d>
+    <dgm:sp3d/>
+    <dgm:txPr/>
+    <dgm:style>
+      <a:lnRef idx="2">
+        <a:scrgbClr r="0" g="0" b="0"/>
+      </a:lnRef>
+      <a:fillRef idx="1">
+        <a:scrgbClr r="0" g="0" b="0"/>
+      </a:fillRef>
+      <a:effectRef idx="0">
+        <a:scrgbClr r="0" g="0" b="0"/>
+      </a:effectRef>
+      <a:fontRef idx="minor"/>
+    </dgm:style>
+  </dgm:styleLbl>
+  <dgm:styleLbl name="fgAccFollowNode1">
+    <dgm:scene3d>
+      <a:camera prst="orthographicFront"/>
+      <a:lightRig rig="threePt" dir="t"/>
+    </dgm:scene3d>
+    <dgm:sp3d/>
+    <dgm:txPr/>
+    <dgm:style>
+      <a:lnRef idx="2">
+        <a:scrgbClr r="0" g="0" b="0"/>
+      </a:lnRef>
+      <a:fillRef idx="1">
+        <a:scrgbClr r="0" g="0" b="0"/>
+      </a:fillRef>
+      <a:effectRef idx="0">
+        <a:scrgbClr r="0" g="0" b="0"/>
+      </a:effectRef>
+      <a:fontRef idx="minor"/>
+    </dgm:style>
+  </dgm:styleLbl>
+  <dgm:styleLbl name="alignAccFollowNode1">
+    <dgm:scene3d>
+      <a:camera prst="orthographicFront"/>
+      <a:lightRig rig="threePt" dir="t"/>
+    </dgm:scene3d>
+    <dgm:sp3d/>
+    <dgm:txPr/>
+    <dgm:style>
+      <a:lnRef idx="2">
+        <a:scrgbClr r="0" g="0" b="0"/>
+      </a:lnRef>
+      <a:fillRef idx="1">
+        <a:scrgbClr r="0" g="0" b="0"/>
+      </a:fillRef>
+      <a:effectRef idx="0">
+        <a:scrgbClr r="0" g="0" b="0"/>
+      </a:effectRef>
+      <a:fontRef idx="minor"/>
+    </dgm:style>
+  </dgm:styleLbl>
+  <dgm:styleLbl name="bgAccFollowNode1">
+    <dgm:scene3d>
+      <a:camera prst="orthographicFront"/>
+      <a:lightRig rig="threePt" dir="t"/>
+    </dgm:scene3d>
+    <dgm:sp3d/>
+    <dgm:txPr/>
+    <dgm:style>
+      <a:lnRef idx="2">
+        <a:scrgbClr r="0" g="0" b="0"/>
+      </a:lnRef>
+      <a:fillRef idx="1">
+        <a:scrgbClr r="0" g="0" b="0"/>
+      </a:fillRef>
+      <a:effectRef idx="0">
+        <a:scrgbClr r="0" g="0" b="0"/>
+      </a:effectRef>
+      <a:fontRef idx="minor"/>
+    </dgm:style>
+  </dgm:styleLbl>
+  <dgm:styleLbl name="fgAcc0">
+    <dgm:scene3d>
+      <a:camera prst="orthographicFront"/>
+      <a:lightRig rig="threePt" dir="t"/>
+    </dgm:scene3d>
+    <dgm:sp3d/>
+    <dgm:txPr/>
+    <dgm:style>
+      <a:lnRef idx="2">
+        <a:scrgbClr r="0" g="0" b="0"/>
+      </a:lnRef>
+      <a:fillRef idx="1">
+        <a:scrgbClr r="0" g="0" b="0"/>
+      </a:fillRef>
+      <a:effectRef idx="0">
+        <a:scrgbClr r="0" g="0" b="0"/>
+      </a:effectRef>
+      <a:fontRef idx="minor"/>
+    </dgm:style>
+  </dgm:styleLbl>
+  <dgm:styleLbl name="fgAcc2">
+    <dgm:scene3d>
+      <a:camera prst="orthographicFront"/>
+      <a:lightRig rig="threePt" dir="t"/>
+    </dgm:scene3d>
+    <dgm:sp3d/>
+    <dgm:txPr/>
+    <dgm:style>
+      <a:lnRef idx="2">
+        <a:scrgbClr r="0" g="0" b="0"/>
+      </a:lnRef>
+      <a:fillRef idx="1">
+        <a:scrgbClr r="0" g="0" b="0"/>
+      </a:fillRef>
+      <a:effectRef idx="0">
+        <a:scrgbClr r="0" g="0" b="0"/>
+      </a:effectRef>
+      <a:fontRef idx="minor"/>
+    </dgm:style>
+  </dgm:styleLbl>
+  <dgm:styleLbl name="fgAcc3">
+    <dgm:scene3d>
+      <a:camera prst="orthographicFront"/>
+      <a:lightRig rig="threePt" dir="t"/>
+    </dgm:scene3d>
+    <dgm:sp3d/>
+    <dgm:txPr/>
+    <dgm:style>
+      <a:lnRef idx="2">
+        <a:scrgbClr r="0" g="0" b="0"/>
+      </a:lnRef>
+      <a:fillRef idx="1">
+        <a:scrgbClr r="0" g="0" b="0"/>
+      </a:fillRef>
+      <a:effectRef idx="0">
+        <a:scrgbClr r="0" g="0" b="0"/>
+      </a:effectRef>
+      <a:fontRef idx="minor"/>
+    </dgm:style>
+  </dgm:styleLbl>
+  <dgm:styleLbl name="fgAcc4">
+    <dgm:scene3d>
+      <a:camera prst="orthographicFront"/>
+      <a:lightRig rig="threePt" dir="t"/>
+    </dgm:scene3d>
+    <dgm:sp3d/>
+    <dgm:txPr/>
+    <dgm:style>
+      <a:lnRef idx="2">
+        <a:scrgbClr r="0" g="0" b="0"/>
+      </a:lnRef>
+      <a:fillRef idx="1">
+        <a:scrgbClr r="0" g="0" b="0"/>
+      </a:fillRef>
+      <a:effectRef idx="0">
+        <a:scrgbClr r="0" g="0" b="0"/>
+      </a:effectRef>
+      <a:fontRef idx="minor"/>
+    </dgm:style>
+  </dgm:styleLbl>
+  <dgm:styleLbl name="bgShp">
+    <dgm:scene3d>
+      <a:camera prst="orthographicFront"/>
+      <a:lightRig rig="threePt" dir="t"/>
+    </dgm:scene3d>
+    <dgm:sp3d/>
+    <dgm:txPr/>
+    <dgm:style>
+      <a:lnRef idx="0">
+        <a:scrgbClr r="0" g="0" b="0"/>
+      </a:lnRef>
+      <a:fillRef idx="1">
+        <a:scrgbClr r="0" g="0" b="0"/>
+      </a:fillRef>
+      <a:effectRef idx="0">
+        <a:scrgbClr r="0" g="0" b="0"/>
+      </a:effectRef>
+      <a:fontRef idx="minor"/>
+    </dgm:style>
+  </dgm:styleLbl>
+  <dgm:styleLbl name="dkBgShp">
+    <dgm:scene3d>
+      <a:camera prst="orthographicFront"/>
+      <a:lightRig rig="threePt" dir="t"/>
+    </dgm:scene3d>
+    <dgm:sp3d/>
+    <dgm:txPr/>
+    <dgm:style>
+      <a:lnRef idx="0">
+        <a:scrgbClr r="0" g="0" b="0"/>
+      </a:lnRef>
+      <a:fillRef idx="1">
+        <a:scrgbClr r="0" g="0" b="0"/>
+      </a:fillRef>
+      <a:effectRef idx="0">
+        <a:scrgbClr r="0" g="0" b="0"/>
+      </a:effectRef>
+      <a:fontRef idx="minor"/>
+    </dgm:style>
+  </dgm:styleLbl>
+  <dgm:styleLbl name="trBgShp">
+    <dgm:scene3d>
+      <a:camera prst="orthographicFront"/>
+      <a:lightRig rig="threePt" dir="t"/>
+    </dgm:scene3d>
+    <dgm:sp3d/>
+    <dgm:txPr/>
+    <dgm:style>
+      <a:lnRef idx="0">
+        <a:scrgbClr r="0" g="0" b="0"/>
+      </a:lnRef>
+      <a:fillRef idx="1">
+        <a:scrgbClr r="0" g="0" b="0"/>
+      </a:fillRef>
+      <a:effectRef idx="0">
+        <a:scrgbClr r="0" g="0" b="0"/>
+      </a:effectRef>
+      <a:fontRef idx="minor"/>
+    </dgm:style>
+  </dgm:styleLbl>
+  <dgm:styleLbl name="fgShp">
+    <dgm:scene3d>
+      <a:camera prst="orthographicFront"/>
+      <a:lightRig rig="threePt" dir="t"/>
+    </dgm:scene3d>
+    <dgm:sp3d/>
+    <dgm:txPr/>
+    <dgm:style>
+      <a:lnRef idx="3">
+        <a:scrgbClr r="0" g="0" b="0"/>
+      </a:lnRef>
+      <a:fillRef idx="1">
+        <a:scrgbClr r="0" g="0" b="0"/>
+      </a:fillRef>
+      <a:effectRef idx="1">
+        <a:scrgbClr r="0" g="0" b="0"/>
+      </a:effectRef>
+      <a:fontRef idx="minor"/>
+    </dgm:style>
+  </dgm:styleLbl>
+  <dgm:styleLbl name="revTx">
+    <dgm:scene3d>
+      <a:camera prst="orthographicFront"/>
+      <a:lightRig rig="threePt" dir="t"/>
+    </dgm:scene3d>
+    <dgm:sp3d/>
+    <dgm:txPr/>
+    <dgm:style>
+      <a:lnRef idx="0">
+        <a:scrgbClr r="0" g="0" b="0"/>
+      </a:lnRef>
+      <a:fillRef idx="0">
+        <a:scrgbClr r="0" g="0" b="0"/>
+      </a:fillRef>
+      <a:effectRef idx="0">
+        <a:scrgbClr r="0" g="0" b="0"/>
+      </a:effectRef>
+      <a:fontRef idx="minor"/>
+    </dgm:style>
+  </dgm:styleLbl>
+</dgm:styleDef>
+</file>
+
+<file path=ppt/notesMasters/notesMaster1.xml><?xml version="1.0" encoding="utf-8"?>
+<p:notesMaster xmlns:a="http://schemas.openxmlformats.org/drawingml/2006/main" xmlns:r="http://schemas.openxmlformats.org/officeDocument/2006/relationships" xmlns:p="http://schemas.openxmlformats.org/presentationml/2006/main">
+  <p:cSld>
+    <p:bg>
+      <p:bgRef idx="1001">
+        <a:schemeClr val="bg1"/>
+      </p:bgRef>
+    </p:bg>
+    <p:spTree>
+      <p:nvGrpSpPr>
+        <p:cNvPr id="1" name=""/>
+        <p:cNvGrpSpPr/>
+        <p:nvPr/>
+      </p:nvGrpSpPr>
+      <p:grpSpPr>
+        <a:xfrm>
+          <a:off x="0" y="0"/>
+          <a:ext cx="0" cy="0"/>
+          <a:chOff x="0" y="0"/>
+          <a:chExt cx="0" cy="0"/>
+        </a:xfrm>
+      </p:grpSpPr>
+      <p:sp>
+        <p:nvSpPr>
+          <p:cNvPr id="2" name="Header Placeholder 1"/>
+          <p:cNvSpPr>
+            <a:spLocks noGrp="1"/>
+          </p:cNvSpPr>
+          <p:nvPr>
+            <p:ph type="hdr" sz="quarter"/>
+          </p:nvPr>
+        </p:nvSpPr>
+        <p:spPr>
+          <a:xfrm>
+            <a:off x="0" y="0"/>
+            <a:ext cx="2971800" cy="457200"/>
+          </a:xfrm>
+          <a:prstGeom prst="rect">
+            <a:avLst/>
+          </a:prstGeom>
+        </p:spPr>
+        <p:txBody>
+          <a:bodyPr vert="horz" lIns="91440" tIns="45720" rIns="91440" bIns="45720" rtlCol="0"/>
+          <a:lstStyle>
+            <a:lvl1pPr algn="l">
+              <a:defRPr sz="1200"/>
+            </a:lvl1pPr>
+          </a:lstStyle>
+          <a:p>
+            <a:endParaRPr lang="es-AR"/>
+          </a:p>
+        </p:txBody>
+      </p:sp>
+      <p:sp>
+        <p:nvSpPr>
+          <p:cNvPr id="3" name="Date Placeholder 2"/>
+          <p:cNvSpPr>
+            <a:spLocks noGrp="1"/>
+          </p:cNvSpPr>
+          <p:nvPr>
+            <p:ph type="dt" idx="1"/>
+          </p:nvPr>
+        </p:nvSpPr>
+        <p:spPr>
+          <a:xfrm>
+            <a:off x="3884613" y="0"/>
+            <a:ext cx="2971800" cy="457200"/>
+          </a:xfrm>
+          <a:prstGeom prst="rect">
+            <a:avLst/>
+          </a:prstGeom>
+        </p:spPr>
+        <p:txBody>
+          <a:bodyPr vert="horz" lIns="91440" tIns="45720" rIns="91440" bIns="45720" rtlCol="0"/>
+          <a:lstStyle>
+            <a:lvl1pPr algn="r">
+              <a:defRPr sz="1200"/>
+            </a:lvl1pPr>
+          </a:lstStyle>
+          <a:p>
+            <a:fld id="{55706725-2919-43FE-B557-DB962B580351}" type="datetimeFigureOut">
+              <a:rPr lang="es-AR" smtClean="0"/>
+              <a:t>2013-02-20</a:t>
+            </a:fld>
+            <a:endParaRPr lang="es-AR"/>
+          </a:p>
+        </p:txBody>
+      </p:sp>
+      <p:sp>
+        <p:nvSpPr>
+          <p:cNvPr id="4" name="Slide Image Placeholder 3"/>
+          <p:cNvSpPr>
+            <a:spLocks noGrp="1" noRot="1" noChangeAspect="1"/>
+          </p:cNvSpPr>
+          <p:nvPr>
+            <p:ph type="sldImg" idx="2"/>
+          </p:nvPr>
+        </p:nvSpPr>
+        <p:spPr>
+          <a:xfrm>
+            <a:off x="1143000" y="685800"/>
+            <a:ext cx="4572000" cy="3429000"/>
+          </a:xfrm>
+          <a:prstGeom prst="rect">
+            <a:avLst/>
+          </a:prstGeom>
+          <a:noFill/>
+          <a:ln w="12700">
+            <a:solidFill>
+              <a:prstClr val="black"/>
+            </a:solidFill>
+          </a:ln>
+        </p:spPr>
+        <p:txBody>
+          <a:bodyPr vert="horz" lIns="91440" tIns="45720" rIns="91440" bIns="45720" rtlCol="0" anchor="ctr"/>
+          <a:lstStyle/>
+          <a:p>
+            <a:endParaRPr lang="es-AR"/>
+          </a:p>
+        </p:txBody>
+      </p:sp>
+      <p:sp>
+        <p:nvSpPr>
+          <p:cNvPr id="5" name="Notes Placeholder 4"/>
+          <p:cNvSpPr>
+            <a:spLocks noGrp="1"/>
+          </p:cNvSpPr>
+          <p:nvPr>
+            <p:ph type="body" sz="quarter" idx="3"/>
+          </p:nvPr>
+        </p:nvSpPr>
+        <p:spPr>
+          <a:xfrm>
+            <a:off x="685800" y="4343400"/>
+            <a:ext cx="5486400" cy="4114800"/>
+          </a:xfrm>
+          <a:prstGeom prst="rect">
+            <a:avLst/>
+          </a:prstGeom>
+        </p:spPr>
+        <p:txBody>
+          <a:bodyPr vert="horz" lIns="91440" tIns="45720" rIns="91440" bIns="45720" rtlCol="0"/>
+          <a:lstStyle/>
+          <a:p>
+            <a:pPr lvl="0"/>
+            <a:r>
+              <a:rPr lang="en-US" smtClean="0"/>
+              <a:t>Click to edit Master text styles</a:t>
+            </a:r>
+          </a:p>
+          <a:p>
+            <a:pPr lvl="1"/>
+            <a:r>
+              <a:rPr lang="en-US" smtClean="0"/>
+              <a:t>Second level</a:t>
+            </a:r>
+          </a:p>
+          <a:p>
+            <a:pPr lvl="2"/>
+            <a:r>
+              <a:rPr lang="en-US" smtClean="0"/>
+              <a:t>Third level</a:t>
+            </a:r>
+          </a:p>
+          <a:p>
+            <a:pPr lvl="3"/>
+            <a:r>
+              <a:rPr lang="en-US" smtClean="0"/>
+              <a:t>Fourth level</a:t>
+            </a:r>
+          </a:p>
+          <a:p>
+            <a:pPr lvl="4"/>
+            <a:r>
+              <a:rPr lang="en-US" smtClean="0"/>
+              <a:t>Fifth level</a:t>
+            </a:r>
+            <a:endParaRPr lang="es-AR"/>
+          </a:p>
+        </p:txBody>
+      </p:sp>
+      <p:sp>
+        <p:nvSpPr>
+          <p:cNvPr id="6" name="Footer Placeholder 5"/>
+          <p:cNvSpPr>
+            <a:spLocks noGrp="1"/>
+          </p:cNvSpPr>
+          <p:nvPr>
+            <p:ph type="ftr" sz="quarter" idx="4"/>
+          </p:nvPr>
+        </p:nvSpPr>
+        <p:spPr>
+          <a:xfrm>
+            <a:off x="0" y="8685213"/>
+            <a:ext cx="2971800" cy="457200"/>
+          </a:xfrm>
+          <a:prstGeom prst="rect">
+            <a:avLst/>
+          </a:prstGeom>
+        </p:spPr>
+        <p:txBody>
+          <a:bodyPr vert="horz" lIns="91440" tIns="45720" rIns="91440" bIns="45720" rtlCol="0" anchor="b"/>
+          <a:lstStyle>
+            <a:lvl1pPr algn="l">
+              <a:defRPr sz="1200"/>
+            </a:lvl1pPr>
+          </a:lstStyle>
+          <a:p>
+            <a:endParaRPr lang="es-AR"/>
+          </a:p>
+        </p:txBody>
+      </p:sp>
+      <p:sp>
+        <p:nvSpPr>
+          <p:cNvPr id="7" name="Slide Number Placeholder 6"/>
+          <p:cNvSpPr>
+            <a:spLocks noGrp="1"/>
+          </p:cNvSpPr>
+          <p:nvPr>
+            <p:ph type="sldNum" sz="quarter" idx="5"/>
+          </p:nvPr>
+        </p:nvSpPr>
+        <p:spPr>
+          <a:xfrm>
+            <a:off x="3884613" y="8685213"/>
+            <a:ext cx="2971800" cy="457200"/>
+          </a:xfrm>
+          <a:prstGeom prst="rect">
+            <a:avLst/>
+          </a:prstGeom>
+        </p:spPr>
+        <p:txBody>
+          <a:bodyPr vert="horz" lIns="91440" tIns="45720" rIns="91440" bIns="45720" rtlCol="0" anchor="b"/>
+          <a:lstStyle>
+            <a:lvl1pPr algn="r">
+              <a:defRPr sz="1200"/>
+            </a:lvl1pPr>
+          </a:lstStyle>
+          <a:p>
+            <a:fld id="{8418A7C7-7773-435D-883D-C71D681E7DD2}" type="slidenum">
+              <a:rPr lang="es-AR" smtClean="0"/>
+              <a:t>‹#›</a:t>
+            </a:fld>
+            <a:endParaRPr lang="es-AR"/>
+          </a:p>
+        </p:txBody>
+      </p:sp>
+    </p:spTree>
+    <p:extLst>
+      <p:ext uri="{BB962C8B-B14F-4D97-AF65-F5344CB8AC3E}">
+        <p14:creationId xmlns:p14="http://schemas.microsoft.com/office/powerpoint/2010/main" val="2557198509"/>
+      </p:ext>
+    </p:extLst>
+  </p:cSld>
+  <p:clrMap bg1="lt1" tx1="dk1" bg2="lt2" tx2="dk2" accent1="accent1" accent2="accent2" accent3="accent3" accent4="accent4" accent5="accent5" accent6="accent6" hlink="hlink" folHlink="folHlink"/>
+  <p:notesStyle>
+    <a:lvl1pPr marL="0" algn="l" defTabSz="914400" rtl="0" eaLnBrk="1" latinLnBrk="0" hangingPunct="1">
+      <a:defRPr sz="1200" kern="1200">
+        <a:solidFill>
+          <a:schemeClr val="tx1"/>
+        </a:solidFill>
+        <a:latin typeface="+mn-lt"/>
+        <a:ea typeface="+mn-ea"/>
+        <a:cs typeface="+mn-cs"/>
+      </a:defRPr>
+    </a:lvl1pPr>
+    <a:lvl2pPr marL="457200" algn="l" defTabSz="914400" rtl="0" eaLnBrk="1" latinLnBrk="0" hangingPunct="1">
+      <a:defRPr sz="1200" kern="1200">
+        <a:solidFill>
+          <a:schemeClr val="tx1"/>
+        </a:solidFill>
+        <a:latin typeface="+mn-lt"/>
+        <a:ea typeface="+mn-ea"/>
+        <a:cs typeface="+mn-cs"/>
+      </a:defRPr>
+    </a:lvl2pPr>
+    <a:lvl3pPr marL="914400" algn="l" defTabSz="914400" rtl="0" eaLnBrk="1" latinLnBrk="0" hangingPunct="1">
+      <a:defRPr sz="1200" kern="1200">
+        <a:solidFill>
+          <a:schemeClr val="tx1"/>
+        </a:solidFill>
+        <a:latin typeface="+mn-lt"/>
+        <a:ea typeface="+mn-ea"/>
+        <a:cs typeface="+mn-cs"/>
+      </a:defRPr>
+    </a:lvl3pPr>
+    <a:lvl4pPr marL="1371600" algn="l" defTabSz="914400" rtl="0" eaLnBrk="1" latinLnBrk="0" hangingPunct="1">
+      <a:defRPr sz="1200" kern="1200">
+        <a:solidFill>
+          <a:schemeClr val="tx1"/>
+        </a:solidFill>
+        <a:latin typeface="+mn-lt"/>
+        <a:ea typeface="+mn-ea"/>
+        <a:cs typeface="+mn-cs"/>
+      </a:defRPr>
+    </a:lvl4pPr>
+    <a:lvl5pPr marL="1828800" algn="l" defTabSz="914400" rtl="0" eaLnBrk="1" latinLnBrk="0" hangingPunct="1">
+      <a:defRPr sz="1200" kern="1200">
+        <a:solidFill>
+          <a:schemeClr val="tx1"/>
+        </a:solidFill>
+        <a:latin typeface="+mn-lt"/>
+        <a:ea typeface="+mn-ea"/>
+        <a:cs typeface="+mn-cs"/>
+      </a:defRPr>
+    </a:lvl5pPr>
+    <a:lvl6pPr marL="2286000" algn="l" defTabSz="914400" rtl="0" eaLnBrk="1" latinLnBrk="0" hangingPunct="1">
+      <a:defRPr sz="1200" kern="1200">
+        <a:solidFill>
+          <a:schemeClr val="tx1"/>
+        </a:solidFill>
+        <a:latin typeface="+mn-lt"/>
+        <a:ea typeface="+mn-ea"/>
+        <a:cs typeface="+mn-cs"/>
+      </a:defRPr>
+    </a:lvl6pPr>
+    <a:lvl7pPr marL="2743200" algn="l" defTabSz="914400" rtl="0" eaLnBrk="1" latinLnBrk="0" hangingPunct="1">
+      <a:defRPr sz="1200" kern="1200">
+        <a:solidFill>
+          <a:schemeClr val="tx1"/>
+        </a:solidFill>
+        <a:latin typeface="+mn-lt"/>
+        <a:ea typeface="+mn-ea"/>
+        <a:cs typeface="+mn-cs"/>
+      </a:defRPr>
+    </a:lvl7pPr>
+    <a:lvl8pPr marL="3200400" algn="l" defTabSz="914400" rtl="0" eaLnBrk="1" latinLnBrk="0" hangingPunct="1">
+      <a:defRPr sz="1200" kern="1200">
+        <a:solidFill>
+          <a:schemeClr val="tx1"/>
+        </a:solidFill>
+        <a:latin typeface="+mn-lt"/>
+        <a:ea typeface="+mn-ea"/>
+        <a:cs typeface="+mn-cs"/>
+      </a:defRPr>
+    </a:lvl8pPr>
+    <a:lvl9pPr marL="3657600" algn="l" defTabSz="914400" rtl="0" eaLnBrk="1" latinLnBrk="0" hangingPunct="1">
+      <a:defRPr sz="1200" kern="1200">
+        <a:solidFill>
+          <a:schemeClr val="tx1"/>
+        </a:solidFill>
+        <a:latin typeface="+mn-lt"/>
+        <a:ea typeface="+mn-ea"/>
+        <a:cs typeface="+mn-cs"/>
+      </a:defRPr>
+    </a:lvl9pPr>
+  </p:notesStyle>
+</p:notesMaster>
+</file>
+
+<file path=ppt/notesSlides/notesSlide1.xml><?xml version="1.0" encoding="utf-8"?>
+<p:notes xmlns:a="http://schemas.openxmlformats.org/drawingml/2006/main" xmlns:r="http://schemas.openxmlformats.org/officeDocument/2006/relationships" xmlns:p="http://schemas.openxmlformats.org/presentationml/2006/main">
+  <p:cSld>
+    <p:spTree>
+      <p:nvGrpSpPr>
+        <p:cNvPr id="1" name=""/>
+        <p:cNvGrpSpPr/>
+        <p:nvPr/>
+      </p:nvGrpSpPr>
+      <p:grpSpPr>
+        <a:xfrm>
+          <a:off x="0" y="0"/>
+          <a:ext cx="0" cy="0"/>
+          <a:chOff x="0" y="0"/>
+          <a:chExt cx="0" cy="0"/>
+        </a:xfrm>
+      </p:grpSpPr>
+      <p:sp>
+        <p:nvSpPr>
+          <p:cNvPr id="2" name="Slide Image Placeholder 1"/>
+          <p:cNvSpPr>
+            <a:spLocks noGrp="1" noRot="1" noChangeAspect="1"/>
+          </p:cNvSpPr>
+          <p:nvPr>
+            <p:ph type="sldImg"/>
+          </p:nvPr>
+        </p:nvSpPr>
+        <p:spPr/>
+      </p:sp>
+      <p:sp>
+        <p:nvSpPr>
+          <p:cNvPr id="3" name="Notes Placeholder 2"/>
+          <p:cNvSpPr>
+            <a:spLocks noGrp="1"/>
+          </p:cNvSpPr>
+          <p:nvPr>
+            <p:ph type="body" idx="1"/>
+          </p:nvPr>
+        </p:nvSpPr>
+        <p:spPr/>
+        <p:txBody>
+          <a:bodyPr/>
+          <a:lstStyle/>
+          <a:p>
+            <a:r>
+              <a:rPr lang="es-AR" dirty="0" smtClean="0"/>
+              <a:t>Cafetera</a:t>
+            </a:r>
+            <a:r>
+              <a:rPr lang="es-AR" baseline="0" dirty="0" smtClean="0"/>
+              <a:t> que nos avisa del café por un mensaje</a:t>
+            </a:r>
+          </a:p>
+          <a:p>
+            <a:r>
+              <a:rPr lang="es-AR" baseline="0" dirty="0" smtClean="0"/>
+              <a:t>Heladera que nos puede decir cuando se descongeló por ultima vez o temperatura</a:t>
+            </a:r>
+          </a:p>
+          <a:p>
+            <a:r>
+              <a:rPr lang="es-AR" baseline="0" dirty="0" smtClean="0"/>
+              <a:t>Lavarropas que nos permite saltar pasos o ver por donde está</a:t>
+            </a:r>
+            <a:endParaRPr lang="es-AR" dirty="0"/>
+          </a:p>
+        </p:txBody>
+      </p:sp>
+      <p:sp>
+        <p:nvSpPr>
+          <p:cNvPr id="4" name="Slide Number Placeholder 3"/>
+          <p:cNvSpPr>
+            <a:spLocks noGrp="1"/>
+          </p:cNvSpPr>
+          <p:nvPr>
+            <p:ph type="sldNum" sz="quarter" idx="10"/>
+          </p:nvPr>
+        </p:nvSpPr>
+        <p:spPr/>
+        <p:txBody>
+          <a:bodyPr/>
+          <a:lstStyle/>
+          <a:p>
+            <a:fld id="{8418A7C7-7773-435D-883D-C71D681E7DD2}" type="slidenum">
+              <a:rPr lang="es-AR" smtClean="0"/>
+              <a:t>5</a:t>
+            </a:fld>
+            <a:endParaRPr lang="es-AR"/>
+          </a:p>
+        </p:txBody>
+      </p:sp>
+    </p:spTree>
+    <p:extLst>
+      <p:ext uri="{BB962C8B-B14F-4D97-AF65-F5344CB8AC3E}">
+        <p14:creationId xmlns:p14="http://schemas.microsoft.com/office/powerpoint/2010/main" val="4188490689"/>
+      </p:ext>
+    </p:extLst>
+  </p:cSld>
+  <p:clrMapOvr>
+    <a:masterClrMapping/>
+  </p:clrMapOvr>
+</p:notes>
+</file>
+
+<file path=ppt/notesSlides/notesSlide2.xml><?xml version="1.0" encoding="utf-8"?>
+<p:notes xmlns:a="http://schemas.openxmlformats.org/drawingml/2006/main" xmlns:r="http://schemas.openxmlformats.org/officeDocument/2006/relationships" xmlns:p="http://schemas.openxmlformats.org/presentationml/2006/main">
+  <p:cSld>
+    <p:spTree>
+      <p:nvGrpSpPr>
+        <p:cNvPr id="1" name=""/>
+        <p:cNvGrpSpPr/>
+        <p:nvPr/>
+      </p:nvGrpSpPr>
+      <p:grpSpPr>
+        <a:xfrm>
+          <a:off x="0" y="0"/>
+          <a:ext cx="0" cy="0"/>
+          <a:chOff x="0" y="0"/>
+          <a:chExt cx="0" cy="0"/>
+        </a:xfrm>
+      </p:grpSpPr>
+      <p:sp>
+        <p:nvSpPr>
+          <p:cNvPr id="2" name="Slide Image Placeholder 1"/>
+          <p:cNvSpPr>
+            <a:spLocks noGrp="1" noRot="1" noChangeAspect="1"/>
+          </p:cNvSpPr>
+          <p:nvPr>
+            <p:ph type="sldImg"/>
+          </p:nvPr>
+        </p:nvSpPr>
+        <p:spPr/>
+      </p:sp>
+      <p:sp>
+        <p:nvSpPr>
+          <p:cNvPr id="3" name="Notes Placeholder 2"/>
+          <p:cNvSpPr>
+            <a:spLocks noGrp="1"/>
+          </p:cNvSpPr>
+          <p:nvPr>
+            <p:ph type="body" idx="1"/>
+          </p:nvPr>
+        </p:nvSpPr>
+        <p:spPr/>
+        <p:txBody>
+          <a:bodyPr/>
+          <a:lstStyle/>
+          <a:p>
+            <a:r>
+              <a:rPr lang="es-AR" dirty="0" smtClean="0"/>
+              <a:t>Poder saber por</a:t>
+            </a:r>
+            <a:r>
+              <a:rPr lang="es-AR" baseline="0" dirty="0" smtClean="0"/>
+              <a:t> donde anda cada unidad, qué disponibilidad hay en cada </a:t>
+            </a:r>
+            <a:r>
+              <a:rPr lang="es-AR" baseline="0" dirty="0" err="1" smtClean="0"/>
+              <a:t>linea</a:t>
+            </a:r>
+            <a:endParaRPr lang="es-AR" baseline="0" dirty="0" smtClean="0"/>
+          </a:p>
+          <a:p>
+            <a:r>
+              <a:rPr lang="es-AR" baseline="0" dirty="0" smtClean="0"/>
+              <a:t>Cuanto falta para el próximo, etc.</a:t>
+            </a:r>
+            <a:endParaRPr lang="es-AR" dirty="0"/>
+          </a:p>
+        </p:txBody>
+      </p:sp>
+      <p:sp>
+        <p:nvSpPr>
+          <p:cNvPr id="4" name="Slide Number Placeholder 3"/>
+          <p:cNvSpPr>
+            <a:spLocks noGrp="1"/>
+          </p:cNvSpPr>
+          <p:nvPr>
+            <p:ph type="sldNum" sz="quarter" idx="10"/>
+          </p:nvPr>
+        </p:nvSpPr>
+        <p:spPr/>
+        <p:txBody>
+          <a:bodyPr/>
+          <a:lstStyle/>
+          <a:p>
+            <a:fld id="{8418A7C7-7773-435D-883D-C71D681E7DD2}" type="slidenum">
+              <a:rPr lang="es-AR" smtClean="0"/>
+              <a:t>6</a:t>
+            </a:fld>
+            <a:endParaRPr lang="es-AR"/>
+          </a:p>
+        </p:txBody>
+      </p:sp>
+    </p:spTree>
+    <p:extLst>
+      <p:ext uri="{BB962C8B-B14F-4D97-AF65-F5344CB8AC3E}">
+        <p14:creationId xmlns:p14="http://schemas.microsoft.com/office/powerpoint/2010/main" val="260226594"/>
+      </p:ext>
+    </p:extLst>
+  </p:cSld>
+  <p:clrMapOvr>
+    <a:masterClrMapping/>
+  </p:clrMapOvr>
+</p:notes>
+</file>
+
+<file path=ppt/notesSlides/notesSlide3.xml><?xml version="1.0" encoding="utf-8"?>
+<p:notes xmlns:a="http://schemas.openxmlformats.org/drawingml/2006/main" xmlns:r="http://schemas.openxmlformats.org/officeDocument/2006/relationships" xmlns:p="http://schemas.openxmlformats.org/presentationml/2006/main">
+  <p:cSld>
+    <p:spTree>
+      <p:nvGrpSpPr>
+        <p:cNvPr id="1" name=""/>
+        <p:cNvGrpSpPr/>
+        <p:nvPr/>
+      </p:nvGrpSpPr>
+      <p:grpSpPr>
+        <a:xfrm>
+          <a:off x="0" y="0"/>
+          <a:ext cx="0" cy="0"/>
+          <a:chOff x="0" y="0"/>
+          <a:chExt cx="0" cy="0"/>
+        </a:xfrm>
+      </p:grpSpPr>
+      <p:sp>
+        <p:nvSpPr>
+          <p:cNvPr id="2" name="Slide Image Placeholder 1"/>
+          <p:cNvSpPr>
+            <a:spLocks noGrp="1" noRot="1" noChangeAspect="1"/>
+          </p:cNvSpPr>
+          <p:nvPr>
+            <p:ph type="sldImg"/>
+          </p:nvPr>
+        </p:nvSpPr>
+        <p:spPr/>
+      </p:sp>
+      <p:sp>
+        <p:nvSpPr>
+          <p:cNvPr id="3" name="Notes Placeholder 2"/>
+          <p:cNvSpPr>
+            <a:spLocks noGrp="1"/>
+          </p:cNvSpPr>
+          <p:nvPr>
+            <p:ph type="body" idx="1"/>
+          </p:nvPr>
+        </p:nvSpPr>
+        <p:spPr/>
+        <p:txBody>
+          <a:bodyPr/>
+          <a:lstStyle/>
+          <a:p>
+            <a:r>
+              <a:rPr lang="es-AR" dirty="0" smtClean="0"/>
+              <a:t>Desde sacar turno a resolver problemas concretos</a:t>
+            </a:r>
+            <a:r>
+              <a:rPr lang="es-AR" baseline="0" dirty="0" smtClean="0"/>
+              <a:t> sin tener que estar </a:t>
+            </a:r>
+            <a:r>
+              <a:rPr lang="es-AR" baseline="0" dirty="0" err="1" smtClean="0"/>
+              <a:t>fisicamente</a:t>
+            </a:r>
+            <a:r>
+              <a:rPr lang="es-AR" baseline="0" dirty="0" smtClean="0"/>
+              <a:t>.</a:t>
+            </a:r>
+          </a:p>
+          <a:p>
+            <a:r>
+              <a:rPr lang="es-AR" baseline="0" dirty="0" smtClean="0"/>
+              <a:t>Mapa del lugar</a:t>
+            </a:r>
+            <a:endParaRPr lang="es-AR" dirty="0"/>
+          </a:p>
+        </p:txBody>
+      </p:sp>
+      <p:sp>
+        <p:nvSpPr>
+          <p:cNvPr id="4" name="Slide Number Placeholder 3"/>
+          <p:cNvSpPr>
+            <a:spLocks noGrp="1"/>
+          </p:cNvSpPr>
+          <p:nvPr>
+            <p:ph type="sldNum" sz="quarter" idx="10"/>
+          </p:nvPr>
+        </p:nvSpPr>
+        <p:spPr/>
+        <p:txBody>
+          <a:bodyPr/>
+          <a:lstStyle/>
+          <a:p>
+            <a:fld id="{8418A7C7-7773-435D-883D-C71D681E7DD2}" type="slidenum">
+              <a:rPr lang="es-AR" smtClean="0"/>
+              <a:t>7</a:t>
+            </a:fld>
+            <a:endParaRPr lang="es-AR"/>
+          </a:p>
+        </p:txBody>
+      </p:sp>
+    </p:spTree>
+    <p:extLst>
+      <p:ext uri="{BB962C8B-B14F-4D97-AF65-F5344CB8AC3E}">
+        <p14:creationId xmlns:p14="http://schemas.microsoft.com/office/powerpoint/2010/main" val="925841298"/>
+      </p:ext>
+    </p:extLst>
+  </p:cSld>
+  <p:clrMapOvr>
+    <a:masterClrMapping/>
+  </p:clrMapOvr>
+</p:notes>
+</file>
+
+<file path=ppt/notesSlides/notesSlide4.xml><?xml version="1.0" encoding="utf-8"?>
+<p:notes xmlns:a="http://schemas.openxmlformats.org/drawingml/2006/main" xmlns:r="http://schemas.openxmlformats.org/officeDocument/2006/relationships" xmlns:p="http://schemas.openxmlformats.org/presentationml/2006/main">
+  <p:cSld>
+    <p:spTree>
+      <p:nvGrpSpPr>
+        <p:cNvPr id="1" name=""/>
+        <p:cNvGrpSpPr/>
+        <p:nvPr/>
+      </p:nvGrpSpPr>
+      <p:grpSpPr>
+        <a:xfrm>
+          <a:off x="0" y="0"/>
+          <a:ext cx="0" cy="0"/>
+          <a:chOff x="0" y="0"/>
+          <a:chExt cx="0" cy="0"/>
+        </a:xfrm>
+      </p:grpSpPr>
+      <p:sp>
+        <p:nvSpPr>
+          <p:cNvPr id="2" name="Slide Image Placeholder 1"/>
+          <p:cNvSpPr>
+            <a:spLocks noGrp="1" noRot="1" noChangeAspect="1"/>
+          </p:cNvSpPr>
+          <p:nvPr>
+            <p:ph type="sldImg"/>
+          </p:nvPr>
+        </p:nvSpPr>
+        <p:spPr/>
+      </p:sp>
+      <p:sp>
+        <p:nvSpPr>
+          <p:cNvPr id="3" name="Notes Placeholder 2"/>
+          <p:cNvSpPr>
+            <a:spLocks noGrp="1"/>
+          </p:cNvSpPr>
+          <p:nvPr>
+            <p:ph type="body" idx="1"/>
+          </p:nvPr>
+        </p:nvSpPr>
+        <p:spPr/>
+        <p:txBody>
+          <a:bodyPr/>
+          <a:lstStyle/>
+          <a:p>
+            <a:r>
+              <a:rPr lang="es-AR" dirty="0" smtClean="0"/>
+              <a:t>Si pongo un carburador de otra marca el sistema</a:t>
+            </a:r>
+            <a:r>
+              <a:rPr lang="es-AR" baseline="0" dirty="0" smtClean="0"/>
+              <a:t> central igual lo reconoce y presenta su estado</a:t>
+            </a:r>
+            <a:endParaRPr lang="es-AR" dirty="0"/>
+          </a:p>
+        </p:txBody>
+      </p:sp>
+      <p:sp>
+        <p:nvSpPr>
+          <p:cNvPr id="4" name="Slide Number Placeholder 3"/>
+          <p:cNvSpPr>
+            <a:spLocks noGrp="1"/>
+          </p:cNvSpPr>
+          <p:nvPr>
+            <p:ph type="sldNum" sz="quarter" idx="10"/>
+          </p:nvPr>
+        </p:nvSpPr>
+        <p:spPr/>
+        <p:txBody>
+          <a:bodyPr/>
+          <a:lstStyle/>
+          <a:p>
+            <a:fld id="{8418A7C7-7773-435D-883D-C71D681E7DD2}" type="slidenum">
+              <a:rPr lang="es-AR" smtClean="0"/>
+              <a:t>8</a:t>
+            </a:fld>
+            <a:endParaRPr lang="es-AR"/>
+          </a:p>
+        </p:txBody>
+      </p:sp>
+    </p:spTree>
+    <p:extLst>
+      <p:ext uri="{BB962C8B-B14F-4D97-AF65-F5344CB8AC3E}">
+        <p14:creationId xmlns:p14="http://schemas.microsoft.com/office/powerpoint/2010/main" val="2698896350"/>
+      </p:ext>
+    </p:extLst>
+  </p:cSld>
+  <p:clrMapOvr>
+    <a:masterClrMapping/>
+  </p:clrMapOvr>
+</p:notes>
+</file>
+
+<file path=ppt/notesSlides/notesSlide5.xml><?xml version="1.0" encoding="utf-8"?>
+<p:notes xmlns:a="http://schemas.openxmlformats.org/drawingml/2006/main" xmlns:r="http://schemas.openxmlformats.org/officeDocument/2006/relationships" xmlns:p="http://schemas.openxmlformats.org/presentationml/2006/main">
+  <p:cSld>
+    <p:spTree>
+      <p:nvGrpSpPr>
+        <p:cNvPr id="1" name=""/>
+        <p:cNvGrpSpPr/>
+        <p:nvPr/>
+      </p:nvGrpSpPr>
+      <p:grpSpPr>
+        <a:xfrm>
+          <a:off x="0" y="0"/>
+          <a:ext cx="0" cy="0"/>
+          <a:chOff x="0" y="0"/>
+          <a:chExt cx="0" cy="0"/>
+        </a:xfrm>
+      </p:grpSpPr>
+      <p:sp>
+        <p:nvSpPr>
+          <p:cNvPr id="2" name="Slide Image Placeholder 1"/>
+          <p:cNvSpPr>
+            <a:spLocks noGrp="1" noRot="1" noChangeAspect="1"/>
+          </p:cNvSpPr>
+          <p:nvPr>
+            <p:ph type="sldImg"/>
+          </p:nvPr>
+        </p:nvSpPr>
+        <p:spPr/>
+      </p:sp>
+      <p:sp>
+        <p:nvSpPr>
+          <p:cNvPr id="3" name="Notes Placeholder 2"/>
+          <p:cNvSpPr>
+            <a:spLocks noGrp="1"/>
+          </p:cNvSpPr>
+          <p:nvPr>
+            <p:ph type="body" idx="1"/>
+          </p:nvPr>
+        </p:nvSpPr>
+        <p:spPr/>
+        <p:txBody>
+          <a:bodyPr/>
+          <a:lstStyle/>
+          <a:p>
+            <a:r>
+              <a:rPr lang="es-AR" dirty="0" smtClean="0"/>
+              <a:t>Cada nodo al</a:t>
+            </a:r>
+            <a:r>
+              <a:rPr lang="es-AR" baseline="0" dirty="0" smtClean="0"/>
+              <a:t> ser parte de la red va generando una imagen del resto que va compartiendo para generar una imagen global</a:t>
+            </a:r>
+            <a:endParaRPr lang="es-AR" dirty="0"/>
+          </a:p>
+        </p:txBody>
+      </p:sp>
+      <p:sp>
+        <p:nvSpPr>
+          <p:cNvPr id="4" name="Slide Number Placeholder 3"/>
+          <p:cNvSpPr>
+            <a:spLocks noGrp="1"/>
+          </p:cNvSpPr>
+          <p:nvPr>
+            <p:ph type="sldNum" sz="quarter" idx="10"/>
+          </p:nvPr>
+        </p:nvSpPr>
+        <p:spPr/>
+        <p:txBody>
+          <a:bodyPr/>
+          <a:lstStyle/>
+          <a:p>
+            <a:fld id="{8418A7C7-7773-435D-883D-C71D681E7DD2}" type="slidenum">
+              <a:rPr lang="es-AR" smtClean="0"/>
+              <a:t>9</a:t>
+            </a:fld>
+            <a:endParaRPr lang="es-AR"/>
+          </a:p>
+        </p:txBody>
+      </p:sp>
+    </p:spTree>
+    <p:extLst>
+      <p:ext uri="{BB962C8B-B14F-4D97-AF65-F5344CB8AC3E}">
+        <p14:creationId xmlns:p14="http://schemas.microsoft.com/office/powerpoint/2010/main" val="2686647540"/>
+      </p:ext>
+    </p:extLst>
+  </p:cSld>
+  <p:clrMapOvr>
+    <a:masterClrMapping/>
+  </p:clrMapOvr>
+</p:notes>
+</file>
+
+<file path=ppt/notesSlides/notesSlide6.xml><?xml version="1.0" encoding="utf-8"?>
+<p:notes xmlns:a="http://schemas.openxmlformats.org/drawingml/2006/main" xmlns:r="http://schemas.openxmlformats.org/officeDocument/2006/relationships" xmlns:p="http://schemas.openxmlformats.org/presentationml/2006/main">
+  <p:cSld>
+    <p:spTree>
+      <p:nvGrpSpPr>
+        <p:cNvPr id="1" name=""/>
+        <p:cNvGrpSpPr/>
+        <p:nvPr/>
+      </p:nvGrpSpPr>
+      <p:grpSpPr>
+        <a:xfrm>
+          <a:off x="0" y="0"/>
+          <a:ext cx="0" cy="0"/>
+          <a:chOff x="0" y="0"/>
+          <a:chExt cx="0" cy="0"/>
+        </a:xfrm>
+      </p:grpSpPr>
+      <p:sp>
+        <p:nvSpPr>
+          <p:cNvPr id="2" name="Slide Image Placeholder 1"/>
+          <p:cNvSpPr>
+            <a:spLocks noGrp="1" noRot="1" noChangeAspect="1"/>
+          </p:cNvSpPr>
+          <p:nvPr>
+            <p:ph type="sldImg"/>
+          </p:nvPr>
+        </p:nvSpPr>
+        <p:spPr/>
+      </p:sp>
+      <p:sp>
+        <p:nvSpPr>
+          <p:cNvPr id="3" name="Notes Placeholder 2"/>
+          <p:cNvSpPr>
+            <a:spLocks noGrp="1"/>
+          </p:cNvSpPr>
+          <p:nvPr>
+            <p:ph type="body" idx="1"/>
+          </p:nvPr>
+        </p:nvSpPr>
+        <p:spPr/>
+        <p:txBody>
+          <a:bodyPr/>
+          <a:lstStyle/>
+          <a:p>
+            <a:r>
+              <a:rPr lang="es-AR" dirty="0" smtClean="0"/>
+              <a:t>Por la manera en que funciona </a:t>
+            </a:r>
+            <a:r>
+              <a:rPr lang="es-AR" dirty="0" err="1" smtClean="0"/>
+              <a:t>vortex</a:t>
+            </a:r>
+            <a:r>
+              <a:rPr lang="es-AR" baseline="0" dirty="0" smtClean="0"/>
+              <a:t>, no depende del medio para mantener una </a:t>
+            </a:r>
+            <a:r>
+              <a:rPr lang="es-AR" baseline="0" dirty="0" err="1" smtClean="0"/>
+              <a:t>conexion</a:t>
+            </a:r>
+            <a:endParaRPr lang="es-AR" dirty="0"/>
+          </a:p>
+        </p:txBody>
+      </p:sp>
+      <p:sp>
+        <p:nvSpPr>
+          <p:cNvPr id="4" name="Slide Number Placeholder 3"/>
+          <p:cNvSpPr>
+            <a:spLocks noGrp="1"/>
+          </p:cNvSpPr>
+          <p:nvPr>
+            <p:ph type="sldNum" sz="quarter" idx="10"/>
+          </p:nvPr>
+        </p:nvSpPr>
+        <p:spPr/>
+        <p:txBody>
+          <a:bodyPr/>
+          <a:lstStyle/>
+          <a:p>
+            <a:fld id="{8418A7C7-7773-435D-883D-C71D681E7DD2}" type="slidenum">
+              <a:rPr lang="es-AR" smtClean="0"/>
+              <a:t>10</a:t>
+            </a:fld>
+            <a:endParaRPr lang="es-AR"/>
+          </a:p>
+        </p:txBody>
+      </p:sp>
+    </p:spTree>
+    <p:extLst>
+      <p:ext uri="{BB962C8B-B14F-4D97-AF65-F5344CB8AC3E}">
+        <p14:creationId xmlns:p14="http://schemas.microsoft.com/office/powerpoint/2010/main" val="1860598123"/>
+      </p:ext>
+    </p:extLst>
+  </p:cSld>
+  <p:clrMapOvr>
+    <a:masterClrMapping/>
+  </p:clrMapOvr>
+</p:notes>
+</file>
+
+<file path=ppt/notesSlides/notesSlide7.xml><?xml version="1.0" encoding="utf-8"?>
+<p:notes xmlns:a="http://schemas.openxmlformats.org/drawingml/2006/main" xmlns:r="http://schemas.openxmlformats.org/officeDocument/2006/relationships" xmlns:p="http://schemas.openxmlformats.org/presentationml/2006/main">
+  <p:cSld>
+    <p:spTree>
+      <p:nvGrpSpPr>
+        <p:cNvPr id="1" name=""/>
+        <p:cNvGrpSpPr/>
+        <p:nvPr/>
+      </p:nvGrpSpPr>
+      <p:grpSpPr>
+        <a:xfrm>
+          <a:off x="0" y="0"/>
+          <a:ext cx="0" cy="0"/>
+          <a:chOff x="0" y="0"/>
+          <a:chExt cx="0" cy="0"/>
+        </a:xfrm>
+      </p:grpSpPr>
+      <p:sp>
+        <p:nvSpPr>
+          <p:cNvPr id="2" name="Slide Image Placeholder 1"/>
+          <p:cNvSpPr>
+            <a:spLocks noGrp="1" noRot="1" noChangeAspect="1"/>
+          </p:cNvSpPr>
+          <p:nvPr>
+            <p:ph type="sldImg"/>
+          </p:nvPr>
+        </p:nvSpPr>
+        <p:spPr/>
+      </p:sp>
+      <p:sp>
+        <p:nvSpPr>
+          <p:cNvPr id="3" name="Notes Placeholder 2"/>
+          <p:cNvSpPr>
+            <a:spLocks noGrp="1"/>
+          </p:cNvSpPr>
+          <p:nvPr>
+            <p:ph type="body" idx="1"/>
+          </p:nvPr>
+        </p:nvSpPr>
+        <p:spPr/>
+        <p:txBody>
+          <a:bodyPr/>
+          <a:lstStyle/>
+          <a:p>
+            <a:r>
+              <a:rPr lang="es-AR" dirty="0" smtClean="0"/>
+              <a:t>Al agregar partes a</a:t>
+            </a:r>
+            <a:r>
+              <a:rPr lang="es-AR" baseline="0" dirty="0" smtClean="0"/>
+              <a:t> la </a:t>
+            </a:r>
+            <a:r>
+              <a:rPr lang="es-AR" baseline="0" dirty="0" err="1" smtClean="0"/>
+              <a:t>linea</a:t>
+            </a:r>
+            <a:r>
+              <a:rPr lang="es-AR" baseline="0" dirty="0" smtClean="0"/>
+              <a:t> de </a:t>
+            </a:r>
+            <a:r>
+              <a:rPr lang="es-AR" baseline="0" dirty="0" err="1" smtClean="0"/>
+              <a:t>produccion</a:t>
+            </a:r>
+            <a:r>
+              <a:rPr lang="es-AR" baseline="0" dirty="0" smtClean="0"/>
+              <a:t> me parecen en el tablero de control</a:t>
+            </a:r>
+            <a:endParaRPr lang="es-AR" dirty="0"/>
+          </a:p>
+        </p:txBody>
+      </p:sp>
+      <p:sp>
+        <p:nvSpPr>
+          <p:cNvPr id="4" name="Slide Number Placeholder 3"/>
+          <p:cNvSpPr>
+            <a:spLocks noGrp="1"/>
+          </p:cNvSpPr>
+          <p:nvPr>
+            <p:ph type="sldNum" sz="quarter" idx="10"/>
+          </p:nvPr>
+        </p:nvSpPr>
+        <p:spPr/>
+        <p:txBody>
+          <a:bodyPr/>
+          <a:lstStyle/>
+          <a:p>
+            <a:fld id="{8418A7C7-7773-435D-883D-C71D681E7DD2}" type="slidenum">
+              <a:rPr lang="es-AR" smtClean="0"/>
+              <a:t>11</a:t>
+            </a:fld>
+            <a:endParaRPr lang="es-AR"/>
+          </a:p>
+        </p:txBody>
+      </p:sp>
+    </p:spTree>
+    <p:extLst>
+      <p:ext uri="{BB962C8B-B14F-4D97-AF65-F5344CB8AC3E}">
+        <p14:creationId xmlns:p14="http://schemas.microsoft.com/office/powerpoint/2010/main" val="3457837794"/>
+      </p:ext>
+    </p:extLst>
+  </p:cSld>
+  <p:clrMapOvr>
+    <a:masterClrMapping/>
+  </p:clrMapOvr>
+</p:notes>
+</file>
+
+<file path=ppt/notesSlides/notesSlide8.xml><?xml version="1.0" encoding="utf-8"?>
+<p:notes xmlns:a="http://schemas.openxmlformats.org/drawingml/2006/main" xmlns:r="http://schemas.openxmlformats.org/officeDocument/2006/relationships" xmlns:p="http://schemas.openxmlformats.org/presentationml/2006/main">
+  <p:cSld>
+    <p:spTree>
+      <p:nvGrpSpPr>
+        <p:cNvPr id="1" name=""/>
+        <p:cNvGrpSpPr/>
+        <p:nvPr/>
+      </p:nvGrpSpPr>
+      <p:grpSpPr>
+        <a:xfrm>
+          <a:off x="0" y="0"/>
+          <a:ext cx="0" cy="0"/>
+          <a:chOff x="0" y="0"/>
+          <a:chExt cx="0" cy="0"/>
+        </a:xfrm>
+      </p:grpSpPr>
+      <p:sp>
+        <p:nvSpPr>
+          <p:cNvPr id="2" name="Slide Image Placeholder 1"/>
+          <p:cNvSpPr>
+            <a:spLocks noGrp="1" noRot="1" noChangeAspect="1"/>
+          </p:cNvSpPr>
+          <p:nvPr>
+            <p:ph type="sldImg"/>
+          </p:nvPr>
+        </p:nvSpPr>
+        <p:spPr/>
+      </p:sp>
+      <p:sp>
+        <p:nvSpPr>
+          <p:cNvPr id="3" name="Notes Placeholder 2"/>
+          <p:cNvSpPr>
+            <a:spLocks noGrp="1"/>
+          </p:cNvSpPr>
+          <p:nvPr>
+            <p:ph type="body" idx="1"/>
+          </p:nvPr>
+        </p:nvSpPr>
+        <p:spPr/>
+        <p:txBody>
+          <a:bodyPr/>
+          <a:lstStyle/>
+          <a:p>
+            <a:r>
+              <a:rPr lang="es-AR" dirty="0" smtClean="0"/>
+              <a:t>Cualquier medidor que te compres puede integrarse en una</a:t>
+            </a:r>
+            <a:r>
+              <a:rPr lang="es-AR" baseline="0" dirty="0" smtClean="0"/>
+              <a:t> </a:t>
+            </a:r>
+            <a:r>
+              <a:rPr lang="es-AR" baseline="0" dirty="0" err="1" smtClean="0"/>
+              <a:t>vision</a:t>
+            </a:r>
+            <a:r>
+              <a:rPr lang="es-AR" baseline="0" dirty="0" smtClean="0"/>
+              <a:t> global y tomar sus datos</a:t>
+            </a:r>
+            <a:endParaRPr lang="es-AR" dirty="0"/>
+          </a:p>
+        </p:txBody>
+      </p:sp>
+      <p:sp>
+        <p:nvSpPr>
+          <p:cNvPr id="4" name="Slide Number Placeholder 3"/>
+          <p:cNvSpPr>
+            <a:spLocks noGrp="1"/>
+          </p:cNvSpPr>
+          <p:nvPr>
+            <p:ph type="sldNum" sz="quarter" idx="10"/>
+          </p:nvPr>
+        </p:nvSpPr>
+        <p:spPr/>
+        <p:txBody>
+          <a:bodyPr/>
+          <a:lstStyle/>
+          <a:p>
+            <a:fld id="{8418A7C7-7773-435D-883D-C71D681E7DD2}" type="slidenum">
+              <a:rPr lang="es-AR" smtClean="0"/>
+              <a:t>13</a:t>
+            </a:fld>
+            <a:endParaRPr lang="es-AR"/>
+          </a:p>
+        </p:txBody>
+      </p:sp>
+    </p:spTree>
+    <p:extLst>
+      <p:ext uri="{BB962C8B-B14F-4D97-AF65-F5344CB8AC3E}">
+        <p14:creationId xmlns:p14="http://schemas.microsoft.com/office/powerpoint/2010/main" val="2757868826"/>
+      </p:ext>
+    </p:extLst>
+  </p:cSld>
+  <p:clrMapOvr>
+    <a:masterClrMapping/>
+  </p:clrMapOvr>
+</p:notes>
+</file>
+
 <file path=ppt/slideLayouts/slideLayout1.xml><?xml version="1.0" encoding="utf-8"?>
 <p:sldLayout xmlns:a="http://schemas.openxmlformats.org/drawingml/2006/main" xmlns:r="http://schemas.openxmlformats.org/officeDocument/2006/relationships" xmlns:p="http://schemas.openxmlformats.org/presentationml/2006/main" showMasterSp="0" type="title" preserve="1">
   <p:cSld name="Title Slide">
@@ -406,7 +3966,7 @@
           <a:p>
             <a:fld id="{ED7AE805-304E-459A-ADC4-3CE86BC0EA48}" type="datetimeFigureOut">
               <a:rPr lang="es-AR" smtClean="0"/>
-              <a:t>2013-02-17</a:t>
+              <a:t>2013-02-20</a:t>
             </a:fld>
             <a:endParaRPr lang="es-AR"/>
           </a:p>
@@ -799,7 +4359,7 @@
           <a:p>
             <a:fld id="{ED7AE805-304E-459A-ADC4-3CE86BC0EA48}" type="datetimeFigureOut">
               <a:rPr lang="es-AR" smtClean="0"/>
-              <a:t>2013-02-17</a:t>
+              <a:t>2013-02-20</a:t>
             </a:fld>
             <a:endParaRPr lang="es-AR"/>
           </a:p>
@@ -1331,7 +4891,7 @@
           <a:p>
             <a:fld id="{ED7AE805-304E-459A-ADC4-3CE86BC0EA48}" type="datetimeFigureOut">
               <a:rPr lang="es-AR" smtClean="0"/>
-              <a:t>2013-02-17</a:t>
+              <a:t>2013-02-20</a:t>
             </a:fld>
             <a:endParaRPr lang="es-AR"/>
           </a:p>
@@ -1464,7 +5024,7 @@
           <a:p>
             <a:fld id="{ED7AE805-304E-459A-ADC4-3CE86BC0EA48}" type="datetimeFigureOut">
               <a:rPr lang="es-AR" smtClean="0"/>
-              <a:t>2013-02-17</a:t>
+              <a:t>2013-02-20</a:t>
             </a:fld>
             <a:endParaRPr lang="es-AR"/>
           </a:p>
@@ -2007,7 +5567,7 @@
           <a:p>
             <a:fld id="{ED7AE805-304E-459A-ADC4-3CE86BC0EA48}" type="datetimeFigureOut">
               <a:rPr lang="es-AR" smtClean="0"/>
-              <a:t>2013-02-17</a:t>
+              <a:t>2013-02-20</a:t>
             </a:fld>
             <a:endParaRPr lang="es-AR"/>
           </a:p>
@@ -2302,7 +5862,7 @@
           <a:p>
             <a:fld id="{ED7AE805-304E-459A-ADC4-3CE86BC0EA48}" type="datetimeFigureOut">
               <a:rPr lang="es-AR" smtClean="0"/>
-              <a:t>2013-02-17</a:t>
+              <a:t>2013-02-20</a:t>
             </a:fld>
             <a:endParaRPr lang="es-AR"/>
           </a:p>
@@ -2961,7 +6521,7 @@
           <a:p>
             <a:fld id="{ED7AE805-304E-459A-ADC4-3CE86BC0EA48}" type="datetimeFigureOut">
               <a:rPr lang="es-AR" smtClean="0"/>
-              <a:t>2013-02-17</a:t>
+              <a:t>2013-02-20</a:t>
             </a:fld>
             <a:endParaRPr lang="es-AR"/>
           </a:p>
@@ -3397,7 +6957,7 @@
           <a:p>
             <a:fld id="{ED7AE805-304E-459A-ADC4-3CE86BC0EA48}" type="datetimeFigureOut">
               <a:rPr lang="es-AR" smtClean="0"/>
-              <a:t>2013-02-17</a:t>
+              <a:t>2013-02-20</a:t>
             </a:fld>
             <a:endParaRPr lang="es-AR"/>
           </a:p>
@@ -3710,7 +7270,7 @@
           <a:p>
             <a:fld id="{ED7AE805-304E-459A-ADC4-3CE86BC0EA48}" type="datetimeFigureOut">
               <a:rPr lang="es-AR" smtClean="0"/>
-              <a:t>2013-02-17</a:t>
+              <a:t>2013-02-20</a:t>
             </a:fld>
             <a:endParaRPr lang="es-AR"/>
           </a:p>
@@ -4442,7 +8002,7 @@
           <a:p>
             <a:fld id="{ED7AE805-304E-459A-ADC4-3CE86BC0EA48}" type="datetimeFigureOut">
               <a:rPr lang="es-AR" smtClean="0"/>
-              <a:t>2013-02-17</a:t>
+              <a:t>2013-02-20</a:t>
             </a:fld>
             <a:endParaRPr lang="es-AR"/>
           </a:p>
@@ -5106,7 +8666,7 @@
           <a:p>
             <a:fld id="{ED7AE805-304E-459A-ADC4-3CE86BC0EA48}" type="datetimeFigureOut">
               <a:rPr lang="es-AR" smtClean="0"/>
-              <a:t>2013-02-17</a:t>
+              <a:t>2013-02-20</a:t>
             </a:fld>
             <a:endParaRPr lang="es-AR"/>
           </a:p>
@@ -5379,7 +8939,7 @@
           <a:p>
             <a:fld id="{ED7AE805-304E-459A-ADC4-3CE86BC0EA48}" type="datetimeFigureOut">
               <a:rPr lang="es-AR" smtClean="0"/>
-              <a:t>2013-02-17</a:t>
+              <a:t>2013-02-20</a:t>
             </a:fld>
             <a:endParaRPr lang="es-AR"/>
           </a:p>
@@ -6219,6 +9779,108 @@
           </a:p>
         </p:txBody>
       </p:sp>
+      <p:graphicFrame>
+        <p:nvGraphicFramePr>
+          <p:cNvPr id="4" name="Diagram 3"/>
+          <p:cNvGraphicFramePr/>
+          <p:nvPr>
+            <p:extLst>
+              <p:ext uri="{D42A27DB-BD31-4B8C-83A1-F6EECF244321}">
+                <p14:modId xmlns:p14="http://schemas.microsoft.com/office/powerpoint/2010/main" val="3240733831"/>
+              </p:ext>
+            </p:extLst>
+          </p:nvPr>
+        </p:nvGraphicFramePr>
+        <p:xfrm>
+          <a:off x="1403648" y="2996952"/>
+          <a:ext cx="5688632" cy="3096344"/>
+        </p:xfrm>
+        <a:graphic>
+          <a:graphicData uri="http://schemas.openxmlformats.org/drawingml/2006/diagram">
+            <dgm:relIds xmlns:dgm="http://schemas.openxmlformats.org/drawingml/2006/diagram" xmlns:r="http://schemas.openxmlformats.org/officeDocument/2006/relationships" r:dm="rId3" r:lo="rId4" r:qs="rId5" r:cs="rId6"/>
+          </a:graphicData>
+        </a:graphic>
+      </p:graphicFrame>
+      <p:pic>
+        <p:nvPicPr>
+          <p:cNvPr id="5" name="Picture 4"/>
+          <p:cNvPicPr>
+            <a:picLocks noChangeAspect="1"/>
+          </p:cNvPicPr>
+          <p:nvPr/>
+        </p:nvPicPr>
+        <p:blipFill>
+          <a:blip r:embed="rId8" cstate="print">
+            <a:extLst>
+              <a:ext uri="{BEBA8EAE-BF5A-486C-A8C5-ECC9F3942E4B}">
+                <a14:imgProps xmlns:a14="http://schemas.microsoft.com/office/drawing/2010/main">
+                  <a14:imgLayer r:embed="rId9">
+                    <a14:imgEffect>
+                      <a14:backgroundRemoval t="0" b="94667" l="2667" r="96889">
+                        <a14:foregroundMark x1="31111" y1="31111" x2="61778" y2="36000"/>
+                      </a14:backgroundRemoval>
+                    </a14:imgEffect>
+                  </a14:imgLayer>
+                </a14:imgProps>
+              </a:ext>
+              <a:ext uri="{28A0092B-C50C-407E-A947-70E740481C1C}">
+                <a14:useLocalDpi xmlns:a14="http://schemas.microsoft.com/office/drawing/2010/main" val="0"/>
+              </a:ext>
+            </a:extLst>
+          </a:blip>
+          <a:stretch>
+            <a:fillRect/>
+          </a:stretch>
+        </p:blipFill>
+        <p:spPr>
+          <a:xfrm>
+            <a:off x="2195736" y="2852936"/>
+            <a:ext cx="855538" cy="855538"/>
+          </a:xfrm>
+          <a:prstGeom prst="rect">
+            <a:avLst/>
+          </a:prstGeom>
+        </p:spPr>
+      </p:pic>
+      <p:pic>
+        <p:nvPicPr>
+          <p:cNvPr id="6" name="Picture 5"/>
+          <p:cNvPicPr>
+            <a:picLocks noChangeAspect="1"/>
+          </p:cNvPicPr>
+          <p:nvPr/>
+        </p:nvPicPr>
+        <p:blipFill>
+          <a:blip r:embed="rId10" cstate="print">
+            <a:extLst>
+              <a:ext uri="{BEBA8EAE-BF5A-486C-A8C5-ECC9F3942E4B}">
+                <a14:imgProps xmlns:a14="http://schemas.microsoft.com/office/drawing/2010/main">
+                  <a14:imgLayer r:embed="rId11">
+                    <a14:imgEffect>
+                      <a14:backgroundRemoval t="5778" b="96000" l="7111" r="93778"/>
+                    </a14:imgEffect>
+                  </a14:imgLayer>
+                </a14:imgProps>
+              </a:ext>
+              <a:ext uri="{28A0092B-C50C-407E-A947-70E740481C1C}">
+                <a14:useLocalDpi xmlns:a14="http://schemas.microsoft.com/office/drawing/2010/main" val="0"/>
+              </a:ext>
+            </a:extLst>
+          </a:blip>
+          <a:stretch>
+            <a:fillRect/>
+          </a:stretch>
+        </p:blipFill>
+        <p:spPr>
+          <a:xfrm>
+            <a:off x="5508104" y="5356415"/>
+            <a:ext cx="783530" cy="783530"/>
+          </a:xfrm>
+          <a:prstGeom prst="rect">
+            <a:avLst/>
+          </a:prstGeom>
+        </p:spPr>
+      </p:pic>
     </p:spTree>
     <p:extLst>
       <p:ext uri="{BB962C8B-B14F-4D97-AF65-F5344CB8AC3E}">
@@ -6310,6 +9972,144 @@
           </a:p>
         </p:txBody>
       </p:sp>
+      <p:pic>
+        <p:nvPicPr>
+          <p:cNvPr id="5" name="Picture 4"/>
+          <p:cNvPicPr>
+            <a:picLocks noChangeAspect="1"/>
+          </p:cNvPicPr>
+          <p:nvPr/>
+        </p:nvPicPr>
+        <p:blipFill>
+          <a:blip r:embed="rId3">
+            <a:extLst>
+              <a:ext uri="{28A0092B-C50C-407E-A947-70E740481C1C}">
+                <a14:useLocalDpi xmlns:a14="http://schemas.microsoft.com/office/drawing/2010/main" val="0"/>
+              </a:ext>
+            </a:extLst>
+          </a:blip>
+          <a:stretch>
+            <a:fillRect/>
+          </a:stretch>
+        </p:blipFill>
+        <p:spPr>
+          <a:xfrm>
+            <a:off x="3347864" y="2532857"/>
+            <a:ext cx="5473886" cy="3792860"/>
+          </a:xfrm>
+          <a:prstGeom prst="rect">
+            <a:avLst/>
+          </a:prstGeom>
+        </p:spPr>
+      </p:pic>
+      <p:pic>
+        <p:nvPicPr>
+          <p:cNvPr id="4" name="Picture 3"/>
+          <p:cNvPicPr>
+            <a:picLocks noChangeAspect="1"/>
+          </p:cNvPicPr>
+          <p:nvPr/>
+        </p:nvPicPr>
+        <p:blipFill>
+          <a:blip r:embed="rId4" cstate="print">
+            <a:extLst>
+              <a:ext uri="{28A0092B-C50C-407E-A947-70E740481C1C}">
+                <a14:useLocalDpi xmlns:a14="http://schemas.microsoft.com/office/drawing/2010/main" val="0"/>
+              </a:ext>
+            </a:extLst>
+          </a:blip>
+          <a:stretch>
+            <a:fillRect/>
+          </a:stretch>
+        </p:blipFill>
+        <p:spPr>
+          <a:xfrm>
+            <a:off x="539553" y="2525185"/>
+            <a:ext cx="2796854" cy="2097640"/>
+          </a:xfrm>
+          <a:prstGeom prst="rect">
+            <a:avLst/>
+          </a:prstGeom>
+        </p:spPr>
+      </p:pic>
+      <p:pic>
+        <p:nvPicPr>
+          <p:cNvPr id="6" name="Picture 5"/>
+          <p:cNvPicPr>
+            <a:picLocks noChangeAspect="1"/>
+          </p:cNvPicPr>
+          <p:nvPr/>
+        </p:nvPicPr>
+        <p:blipFill>
+          <a:blip r:embed="rId5" cstate="print">
+            <a:extLst>
+              <a:ext uri="{BEBA8EAE-BF5A-486C-A8C5-ECC9F3942E4B}">
+                <a14:imgProps xmlns:a14="http://schemas.microsoft.com/office/drawing/2010/main">
+                  <a14:imgLayer r:embed="rId6">
+                    <a14:imgEffect>
+                      <a14:backgroundRemoval t="893" b="98661" l="889" r="98667"/>
+                    </a14:imgEffect>
+                  </a14:imgLayer>
+                </a14:imgProps>
+              </a:ext>
+              <a:ext uri="{28A0092B-C50C-407E-A947-70E740481C1C}">
+                <a14:useLocalDpi xmlns:a14="http://schemas.microsoft.com/office/drawing/2010/main" val="0"/>
+              </a:ext>
+            </a:extLst>
+          </a:blip>
+          <a:stretch>
+            <a:fillRect/>
+          </a:stretch>
+        </p:blipFill>
+        <p:spPr>
+          <a:xfrm>
+            <a:off x="1707634" y="3705966"/>
+            <a:ext cx="460692" cy="458645"/>
+          </a:xfrm>
+          <a:prstGeom prst="rect">
+            <a:avLst/>
+          </a:prstGeom>
+        </p:spPr>
+      </p:pic>
+      <p:pic>
+        <p:nvPicPr>
+          <p:cNvPr id="7" name="Picture 6"/>
+          <p:cNvPicPr>
+            <a:picLocks noChangeAspect="1"/>
+          </p:cNvPicPr>
+          <p:nvPr/>
+        </p:nvPicPr>
+        <p:blipFill>
+          <a:blip r:embed="rId7">
+            <a:extLst>
+              <a:ext uri="{BEBA8EAE-BF5A-486C-A8C5-ECC9F3942E4B}">
+                <a14:imgProps xmlns:a14="http://schemas.microsoft.com/office/drawing/2010/main">
+                  <a14:imgLayer r:embed="rId8">
+                    <a14:imgEffect>
+                      <a14:backgroundRemoval t="9645" b="98985" l="1172" r="96875"/>
+                    </a14:imgEffect>
+                  </a14:imgLayer>
+                </a14:imgProps>
+              </a:ext>
+              <a:ext uri="{28A0092B-C50C-407E-A947-70E740481C1C}">
+                <a14:useLocalDpi xmlns:a14="http://schemas.microsoft.com/office/drawing/2010/main" val="0"/>
+              </a:ext>
+            </a:extLst>
+          </a:blip>
+          <a:stretch>
+            <a:fillRect/>
+          </a:stretch>
+        </p:blipFill>
+        <p:spPr>
+          <a:xfrm>
+            <a:off x="2771800" y="4941168"/>
+            <a:ext cx="1672045" cy="1286691"/>
+          </a:xfrm>
+          <a:prstGeom prst="rect">
+            <a:avLst/>
+          </a:prstGeom>
+        </p:spPr>
+      </p:pic>
     </p:spTree>
     <p:extLst>
       <p:ext uri="{BB962C8B-B14F-4D97-AF65-F5344CB8AC3E}">
@@ -6323,7 +10123,212 @@
   <p:timing>
     <p:tnLst>
       <p:par>
-        <p:cTn id="1" dur="indefinite" restart="never" nodeType="tmRoot"/>
+        <p:cTn id="1" dur="indefinite" restart="never" nodeType="tmRoot">
+          <p:childTnLst>
+            <p:seq concurrent="1" nextAc="seek">
+              <p:cTn id="2" dur="indefinite" nodeType="mainSeq">
+                <p:childTnLst>
+                  <p:par>
+                    <p:cTn id="3" fill="hold">
+                      <p:stCondLst>
+                        <p:cond delay="indefinite"/>
+                      </p:stCondLst>
+                      <p:childTnLst>
+                        <p:par>
+                          <p:cTn id="4" fill="hold">
+                            <p:stCondLst>
+                              <p:cond delay="0"/>
+                            </p:stCondLst>
+                            <p:childTnLst>
+                              <p:par>
+                                <p:cTn id="5" presetID="2" presetClass="entr" presetSubtype="4" fill="hold" nodeType="clickEffect">
+                                  <p:stCondLst>
+                                    <p:cond delay="0"/>
+                                  </p:stCondLst>
+                                  <p:childTnLst>
+                                    <p:set>
+                                      <p:cBhvr>
+                                        <p:cTn id="6" dur="1" fill="hold">
+                                          <p:stCondLst>
+                                            <p:cond delay="0"/>
+                                          </p:stCondLst>
+                                        </p:cTn>
+                                        <p:tgtEl>
+                                          <p:spTgt spid="7"/>
+                                        </p:tgtEl>
+                                        <p:attrNameLst>
+                                          <p:attrName>style.visibility</p:attrName>
+                                        </p:attrNameLst>
+                                      </p:cBhvr>
+                                      <p:to>
+                                        <p:strVal val="visible"/>
+                                      </p:to>
+                                    </p:set>
+                                    <p:anim calcmode="lin" valueType="num">
+                                      <p:cBhvr additive="base">
+                                        <p:cTn id="7" dur="500" fill="hold"/>
+                                        <p:tgtEl>
+                                          <p:spTgt spid="7"/>
+                                        </p:tgtEl>
+                                        <p:attrNameLst>
+                                          <p:attrName>ppt_x</p:attrName>
+                                        </p:attrNameLst>
+                                      </p:cBhvr>
+                                      <p:tavLst>
+                                        <p:tav tm="0">
+                                          <p:val>
+                                            <p:strVal val="#ppt_x"/>
+                                          </p:val>
+                                        </p:tav>
+                                        <p:tav tm="100000">
+                                          <p:val>
+                                            <p:strVal val="#ppt_x"/>
+                                          </p:val>
+                                        </p:tav>
+                                      </p:tavLst>
+                                    </p:anim>
+                                    <p:anim calcmode="lin" valueType="num">
+                                      <p:cBhvr additive="base">
+                                        <p:cTn id="8" dur="500" fill="hold"/>
+                                        <p:tgtEl>
+                                          <p:spTgt spid="7"/>
+                                        </p:tgtEl>
+                                        <p:attrNameLst>
+                                          <p:attrName>ppt_y</p:attrName>
+                                        </p:attrNameLst>
+                                      </p:cBhvr>
+                                      <p:tavLst>
+                                        <p:tav tm="0">
+                                          <p:val>
+                                            <p:strVal val="1+#ppt_h/2"/>
+                                          </p:val>
+                                        </p:tav>
+                                        <p:tav tm="100000">
+                                          <p:val>
+                                            <p:strVal val="#ppt_y"/>
+                                          </p:val>
+                                        </p:tav>
+                                      </p:tavLst>
+                                    </p:anim>
+                                  </p:childTnLst>
+                                </p:cTn>
+                              </p:par>
+                            </p:childTnLst>
+                          </p:cTn>
+                        </p:par>
+                      </p:childTnLst>
+                    </p:cTn>
+                  </p:par>
+                  <p:par>
+                    <p:cTn id="9" fill="hold">
+                      <p:stCondLst>
+                        <p:cond delay="indefinite"/>
+                      </p:stCondLst>
+                      <p:childTnLst>
+                        <p:par>
+                          <p:cTn id="10" fill="hold">
+                            <p:stCondLst>
+                              <p:cond delay="0"/>
+                            </p:stCondLst>
+                            <p:childTnLst>
+                              <p:par>
+                                <p:cTn id="11" presetID="2" presetClass="entr" presetSubtype="4" fill="hold" nodeType="clickEffect">
+                                  <p:stCondLst>
+                                    <p:cond delay="0"/>
+                                  </p:stCondLst>
+                                  <p:childTnLst>
+                                    <p:set>
+                                      <p:cBhvr>
+                                        <p:cTn id="12" dur="1" fill="hold">
+                                          <p:stCondLst>
+                                            <p:cond delay="0"/>
+                                          </p:stCondLst>
+                                        </p:cTn>
+                                        <p:tgtEl>
+                                          <p:spTgt spid="6"/>
+                                        </p:tgtEl>
+                                        <p:attrNameLst>
+                                          <p:attrName>style.visibility</p:attrName>
+                                        </p:attrNameLst>
+                                      </p:cBhvr>
+                                      <p:to>
+                                        <p:strVal val="visible"/>
+                                      </p:to>
+                                    </p:set>
+                                    <p:anim calcmode="lin" valueType="num">
+                                      <p:cBhvr additive="base">
+                                        <p:cTn id="13" dur="500" fill="hold"/>
+                                        <p:tgtEl>
+                                          <p:spTgt spid="6"/>
+                                        </p:tgtEl>
+                                        <p:attrNameLst>
+                                          <p:attrName>ppt_x</p:attrName>
+                                        </p:attrNameLst>
+                                      </p:cBhvr>
+                                      <p:tavLst>
+                                        <p:tav tm="0">
+                                          <p:val>
+                                            <p:strVal val="#ppt_x"/>
+                                          </p:val>
+                                        </p:tav>
+                                        <p:tav tm="100000">
+                                          <p:val>
+                                            <p:strVal val="#ppt_x"/>
+                                          </p:val>
+                                        </p:tav>
+                                      </p:tavLst>
+                                    </p:anim>
+                                    <p:anim calcmode="lin" valueType="num">
+                                      <p:cBhvr additive="base">
+                                        <p:cTn id="14" dur="500" fill="hold"/>
+                                        <p:tgtEl>
+                                          <p:spTgt spid="6"/>
+                                        </p:tgtEl>
+                                        <p:attrNameLst>
+                                          <p:attrName>ppt_y</p:attrName>
+                                        </p:attrNameLst>
+                                      </p:cBhvr>
+                                      <p:tavLst>
+                                        <p:tav tm="0">
+                                          <p:val>
+                                            <p:strVal val="1+#ppt_h/2"/>
+                                          </p:val>
+                                        </p:tav>
+                                        <p:tav tm="100000">
+                                          <p:val>
+                                            <p:strVal val="#ppt_y"/>
+                                          </p:val>
+                                        </p:tav>
+                                      </p:tavLst>
+                                    </p:anim>
+                                  </p:childTnLst>
+                                </p:cTn>
+                              </p:par>
+                            </p:childTnLst>
+                          </p:cTn>
+                        </p:par>
+                      </p:childTnLst>
+                    </p:cTn>
+                  </p:par>
+                </p:childTnLst>
+              </p:cTn>
+              <p:prevCondLst>
+                <p:cond evt="onPrev" delay="0">
+                  <p:tgtEl>
+                    <p:sldTgt/>
+                  </p:tgtEl>
+                </p:cond>
+              </p:prevCondLst>
+              <p:nextCondLst>
+                <p:cond evt="onNext" delay="0">
+                  <p:tgtEl>
+                    <p:sldTgt/>
+                  </p:tgtEl>
+                </p:cond>
+              </p:nextCondLst>
+            </p:seq>
+          </p:childTnLst>
+        </p:cTn>
       </p:par>
     </p:tnLst>
   </p:timing>
@@ -6393,6 +10398,66 @@
           </a:p>
         </p:txBody>
       </p:sp>
+      <p:pic>
+        <p:nvPicPr>
+          <p:cNvPr id="5" name="Picture 4"/>
+          <p:cNvPicPr>
+            <a:picLocks noChangeAspect="1"/>
+          </p:cNvPicPr>
+          <p:nvPr/>
+        </p:nvPicPr>
+        <p:blipFill>
+          <a:blip r:embed="rId2">
+            <a:extLst>
+              <a:ext uri="{28A0092B-C50C-407E-A947-70E740481C1C}">
+                <a14:useLocalDpi xmlns:a14="http://schemas.microsoft.com/office/drawing/2010/main" val="0"/>
+              </a:ext>
+            </a:extLst>
+          </a:blip>
+          <a:stretch>
+            <a:fillRect/>
+          </a:stretch>
+        </p:blipFill>
+        <p:spPr>
+          <a:xfrm>
+            <a:off x="971600" y="2577560"/>
+            <a:ext cx="7344816" cy="3637432"/>
+          </a:xfrm>
+          <a:prstGeom prst="rect">
+            <a:avLst/>
+          </a:prstGeom>
+        </p:spPr>
+      </p:pic>
+      <p:pic>
+        <p:nvPicPr>
+          <p:cNvPr id="4" name="Picture 3"/>
+          <p:cNvPicPr>
+            <a:picLocks noChangeAspect="1"/>
+          </p:cNvPicPr>
+          <p:nvPr/>
+        </p:nvPicPr>
+        <p:blipFill>
+          <a:blip r:embed="rId3">
+            <a:extLst>
+              <a:ext uri="{28A0092B-C50C-407E-A947-70E740481C1C}">
+                <a14:useLocalDpi xmlns:a14="http://schemas.microsoft.com/office/drawing/2010/main" val="0"/>
+              </a:ext>
+            </a:extLst>
+          </a:blip>
+          <a:stretch>
+            <a:fillRect/>
+          </a:stretch>
+        </p:blipFill>
+        <p:spPr>
+          <a:xfrm>
+            <a:off x="5148064" y="2672128"/>
+            <a:ext cx="3324192" cy="3448296"/>
+          </a:xfrm>
+          <a:prstGeom prst="rect">
+            <a:avLst/>
+          </a:prstGeom>
+        </p:spPr>
+      </p:pic>
     </p:spTree>
     <p:extLst>
       <p:ext uri="{BB962C8B-B14F-4D97-AF65-F5344CB8AC3E}">
@@ -6406,7 +10471,83 @@
   <p:timing>
     <p:tnLst>
       <p:par>
-        <p:cTn id="1" dur="indefinite" restart="never" nodeType="tmRoot"/>
+        <p:cTn id="1" dur="indefinite" restart="never" nodeType="tmRoot">
+          <p:childTnLst>
+            <p:seq concurrent="1" nextAc="seek">
+              <p:cTn id="2" dur="indefinite" nodeType="mainSeq">
+                <p:childTnLst>
+                  <p:par>
+                    <p:cTn id="3" fill="hold">
+                      <p:stCondLst>
+                        <p:cond delay="indefinite"/>
+                      </p:stCondLst>
+                      <p:childTnLst>
+                        <p:par>
+                          <p:cTn id="4" fill="hold">
+                            <p:stCondLst>
+                              <p:cond delay="0"/>
+                            </p:stCondLst>
+                            <p:childTnLst>
+                              <p:par>
+                                <p:cTn id="5" presetID="10" presetClass="entr" presetSubtype="0" fill="hold" nodeType="clickEffect">
+                                  <p:stCondLst>
+                                    <p:cond delay="0"/>
+                                  </p:stCondLst>
+                                  <p:childTnLst>
+                                    <p:set>
+                                      <p:cBhvr>
+                                        <p:cTn id="6" dur="1" fill="hold">
+                                          <p:stCondLst>
+                                            <p:cond delay="0"/>
+                                          </p:stCondLst>
+                                        </p:cTn>
+                                        <p:tgtEl>
+                                          <p:spTgt spid="4"/>
+                                        </p:tgtEl>
+                                        <p:attrNameLst>
+                                          <p:attrName>style.visibility</p:attrName>
+                                        </p:attrNameLst>
+                                      </p:cBhvr>
+                                      <p:to>
+                                        <p:strVal val="visible"/>
+                                      </p:to>
+                                    </p:set>
+                                    <p:animEffect transition="in" filter="fade">
+                                      <p:cBhvr>
+                                        <p:cTn id="7" dur="500"/>
+                                        <p:tgtEl>
+                                          <p:spTgt spid="4"/>
+                                        </p:tgtEl>
+                                      </p:cBhvr>
+                                    </p:animEffect>
+                                  </p:childTnLst>
+                                </p:cTn>
+                              </p:par>
+                            </p:childTnLst>
+                          </p:cTn>
+                        </p:par>
+                      </p:childTnLst>
+                    </p:cTn>
+                  </p:par>
+                </p:childTnLst>
+              </p:cTn>
+              <p:prevCondLst>
+                <p:cond evt="onPrev" delay="0">
+                  <p:tgtEl>
+                    <p:sldTgt/>
+                  </p:tgtEl>
+                </p:cond>
+              </p:prevCondLst>
+              <p:nextCondLst>
+                <p:cond evt="onNext" delay="0">
+                  <p:tgtEl>
+                    <p:sldTgt/>
+                  </p:tgtEl>
+                </p:cond>
+              </p:nextCondLst>
+            </p:seq>
+          </p:childTnLst>
+        </p:cTn>
       </p:par>
     </p:tnLst>
   </p:timing>
@@ -6476,6 +10617,165 @@
           </a:p>
         </p:txBody>
       </p:sp>
+      <p:pic>
+        <p:nvPicPr>
+          <p:cNvPr id="4" name="Picture 3"/>
+          <p:cNvPicPr>
+            <a:picLocks noChangeAspect="1"/>
+          </p:cNvPicPr>
+          <p:nvPr/>
+        </p:nvPicPr>
+        <p:blipFill>
+          <a:blip r:embed="rId3">
+            <a:extLst>
+              <a:ext uri="{BEBA8EAE-BF5A-486C-A8C5-ECC9F3942E4B}">
+                <a14:imgProps xmlns:a14="http://schemas.microsoft.com/office/drawing/2010/main">
+                  <a14:imgLayer r:embed="rId4">
+                    <a14:imgEffect>
+                      <a14:backgroundRemoval t="1832" b="97382" l="1552" r="97759"/>
+                    </a14:imgEffect>
+                  </a14:imgLayer>
+                </a14:imgProps>
+              </a:ext>
+              <a:ext uri="{28A0092B-C50C-407E-A947-70E740481C1C}">
+                <a14:useLocalDpi xmlns:a14="http://schemas.microsoft.com/office/drawing/2010/main" val="0"/>
+              </a:ext>
+            </a:extLst>
+          </a:blip>
+          <a:stretch>
+            <a:fillRect/>
+          </a:stretch>
+        </p:blipFill>
+        <p:spPr>
+          <a:xfrm>
+            <a:off x="2771800" y="3068960"/>
+            <a:ext cx="3261028" cy="2147780"/>
+          </a:xfrm>
+          <a:prstGeom prst="rect">
+            <a:avLst/>
+          </a:prstGeom>
+        </p:spPr>
+      </p:pic>
+      <p:pic>
+        <p:nvPicPr>
+          <p:cNvPr id="5" name="Picture 4"/>
+          <p:cNvPicPr>
+            <a:picLocks noChangeAspect="1"/>
+          </p:cNvPicPr>
+          <p:nvPr/>
+        </p:nvPicPr>
+        <p:blipFill>
+          <a:blip r:embed="rId5" cstate="print">
+            <a:extLst>
+              <a:ext uri="{28A0092B-C50C-407E-A947-70E740481C1C}">
+                <a14:useLocalDpi xmlns:a14="http://schemas.microsoft.com/office/drawing/2010/main" val="0"/>
+              </a:ext>
+            </a:extLst>
+          </a:blip>
+          <a:stretch>
+            <a:fillRect/>
+          </a:stretch>
+        </p:blipFill>
+        <p:spPr>
+          <a:xfrm>
+            <a:off x="841463" y="2492896"/>
+            <a:ext cx="1239985" cy="1405316"/>
+          </a:xfrm>
+          <a:prstGeom prst="rect">
+            <a:avLst/>
+          </a:prstGeom>
+        </p:spPr>
+      </p:pic>
+      <p:pic>
+        <p:nvPicPr>
+          <p:cNvPr id="6" name="Picture 5"/>
+          <p:cNvPicPr>
+            <a:picLocks noChangeAspect="1"/>
+          </p:cNvPicPr>
+          <p:nvPr/>
+        </p:nvPicPr>
+        <p:blipFill>
+          <a:blip r:embed="rId6" cstate="print">
+            <a:extLst>
+              <a:ext uri="{28A0092B-C50C-407E-A947-70E740481C1C}">
+                <a14:useLocalDpi xmlns:a14="http://schemas.microsoft.com/office/drawing/2010/main" val="0"/>
+              </a:ext>
+            </a:extLst>
+          </a:blip>
+          <a:stretch>
+            <a:fillRect/>
+          </a:stretch>
+        </p:blipFill>
+        <p:spPr>
+          <a:xfrm>
+            <a:off x="7164288" y="2467087"/>
+            <a:ext cx="1186440" cy="1675763"/>
+          </a:xfrm>
+          <a:prstGeom prst="rect">
+            <a:avLst/>
+          </a:prstGeom>
+        </p:spPr>
+      </p:pic>
+      <p:pic>
+        <p:nvPicPr>
+          <p:cNvPr id="7" name="Picture 6"/>
+          <p:cNvPicPr>
+            <a:picLocks noChangeAspect="1"/>
+          </p:cNvPicPr>
+          <p:nvPr/>
+        </p:nvPicPr>
+        <p:blipFill>
+          <a:blip r:embed="rId7" cstate="print">
+            <a:extLst>
+              <a:ext uri="{28A0092B-C50C-407E-A947-70E740481C1C}">
+                <a14:useLocalDpi xmlns:a14="http://schemas.microsoft.com/office/drawing/2010/main" val="0"/>
+              </a:ext>
+            </a:extLst>
+          </a:blip>
+          <a:stretch>
+            <a:fillRect/>
+          </a:stretch>
+        </p:blipFill>
+        <p:spPr>
+          <a:xfrm>
+            <a:off x="841463" y="4848039"/>
+            <a:ext cx="1281832" cy="1273093"/>
+          </a:xfrm>
+          <a:prstGeom prst="rect">
+            <a:avLst/>
+          </a:prstGeom>
+        </p:spPr>
+      </p:pic>
+      <p:pic>
+        <p:nvPicPr>
+          <p:cNvPr id="8" name="Picture 7"/>
+          <p:cNvPicPr>
+            <a:picLocks noChangeAspect="1"/>
+          </p:cNvPicPr>
+          <p:nvPr/>
+        </p:nvPicPr>
+        <p:blipFill>
+          <a:blip r:embed="rId8" cstate="print">
+            <a:extLst>
+              <a:ext uri="{28A0092B-C50C-407E-A947-70E740481C1C}">
+                <a14:useLocalDpi xmlns:a14="http://schemas.microsoft.com/office/drawing/2010/main" val="0"/>
+              </a:ext>
+            </a:extLst>
+          </a:blip>
+          <a:stretch>
+            <a:fillRect/>
+          </a:stretch>
+        </p:blipFill>
+        <p:spPr>
+          <a:xfrm>
+            <a:off x="6988312" y="4758269"/>
+            <a:ext cx="1394526" cy="1452632"/>
+          </a:xfrm>
+          <a:prstGeom prst="rect">
+            <a:avLst/>
+          </a:prstGeom>
+        </p:spPr>
+      </p:pic>
     </p:spTree>
     <p:extLst>
       <p:ext uri="{BB962C8B-B14F-4D97-AF65-F5344CB8AC3E}">
@@ -9214,11 +13514,7 @@
           <a:p>
             <a:r>
               <a:rPr lang="es-AR" dirty="0" smtClean="0"/>
-              <a:t>Cómo</a:t>
-            </a:r>
-            <a:r>
-              <a:rPr lang="es-AR" dirty="0" smtClean="0"/>
-              <a:t>? 2</a:t>
+              <a:t>Cómo? 2</a:t>
             </a:r>
             <a:endParaRPr lang="es-AR" dirty="0"/>
           </a:p>
@@ -10349,13 +14645,413 @@
             </a:r>
             <a:r>
               <a:rPr lang="es-AR" dirty="0" err="1" smtClean="0"/>
-              <a:t>electrodomesticos</a:t>
+              <a:t>electrodómesticos</a:t>
             </a:r>
             <a:r>
               <a:rPr lang="es-AR" dirty="0" smtClean="0"/>
-              <a:t> inteligentes</a:t>
+              <a:t> </a:t>
+            </a:r>
+            <a:r>
+              <a:rPr lang="es-AR" dirty="0" smtClean="0"/>
+              <a:t>inteligentes</a:t>
             </a:r>
             <a:endParaRPr lang="es-AR" dirty="0"/>
+          </a:p>
+        </p:txBody>
+      </p:sp>
+      <p:pic>
+        <p:nvPicPr>
+          <p:cNvPr id="4" name="Picture 3"/>
+          <p:cNvPicPr>
+            <a:picLocks noChangeAspect="1"/>
+          </p:cNvPicPr>
+          <p:nvPr/>
+        </p:nvPicPr>
+        <p:blipFill>
+          <a:blip r:embed="rId3">
+            <a:extLst>
+              <a:ext uri="{28A0092B-C50C-407E-A947-70E740481C1C}">
+                <a14:useLocalDpi xmlns:a14="http://schemas.microsoft.com/office/drawing/2010/main" val="0"/>
+              </a:ext>
+            </a:extLst>
+          </a:blip>
+          <a:stretch>
+            <a:fillRect/>
+          </a:stretch>
+        </p:blipFill>
+        <p:spPr>
+          <a:xfrm>
+            <a:off x="4067944" y="3496022"/>
+            <a:ext cx="1085106" cy="1085106"/>
+          </a:xfrm>
+          <a:prstGeom prst="rect">
+            <a:avLst/>
+          </a:prstGeom>
+          <a:ln>
+            <a:noFill/>
+          </a:ln>
+          <a:effectLst>
+            <a:outerShdw blurRad="292100" dist="139700" dir="2700000" algn="tl" rotWithShape="0">
+              <a:srgbClr val="333333">
+                <a:alpha val="65000"/>
+              </a:srgbClr>
+            </a:outerShdw>
+          </a:effectLst>
+        </p:spPr>
+      </p:pic>
+      <p:pic>
+        <p:nvPicPr>
+          <p:cNvPr id="5" name="Picture 4"/>
+          <p:cNvPicPr>
+            <a:picLocks noChangeAspect="1"/>
+          </p:cNvPicPr>
+          <p:nvPr/>
+        </p:nvPicPr>
+        <p:blipFill>
+          <a:blip r:embed="rId4" cstate="print">
+            <a:extLst>
+              <a:ext uri="{BEBA8EAE-BF5A-486C-A8C5-ECC9F3942E4B}">
+                <a14:imgProps xmlns:a14="http://schemas.microsoft.com/office/drawing/2010/main">
+                  <a14:imgLayer r:embed="rId5">
+                    <a14:imgEffect>
+                      <a14:backgroundRemoval t="1262" b="96215" l="27129" r="72871"/>
+                    </a14:imgEffect>
+                  </a14:imgLayer>
+                </a14:imgProps>
+              </a:ext>
+              <a:ext uri="{28A0092B-C50C-407E-A947-70E740481C1C}">
+                <a14:useLocalDpi xmlns:a14="http://schemas.microsoft.com/office/drawing/2010/main" val="0"/>
+              </a:ext>
+            </a:extLst>
+          </a:blip>
+          <a:stretch>
+            <a:fillRect/>
+          </a:stretch>
+        </p:blipFill>
+        <p:spPr>
+          <a:xfrm>
+            <a:off x="890659" y="2348880"/>
+            <a:ext cx="1317943" cy="1317943"/>
+          </a:xfrm>
+          <a:prstGeom prst="rect">
+            <a:avLst/>
+          </a:prstGeom>
+          <a:ln>
+            <a:noFill/>
+          </a:ln>
+          <a:effectLst>
+            <a:outerShdw blurRad="292100" dist="139700" dir="2700000" algn="tl" rotWithShape="0">
+              <a:srgbClr val="333333">
+                <a:alpha val="65000"/>
+              </a:srgbClr>
+            </a:outerShdw>
+          </a:effectLst>
+        </p:spPr>
+      </p:pic>
+      <p:pic>
+        <p:nvPicPr>
+          <p:cNvPr id="6" name="Picture 5"/>
+          <p:cNvPicPr>
+            <a:picLocks noChangeAspect="1"/>
+          </p:cNvPicPr>
+          <p:nvPr/>
+        </p:nvPicPr>
+        <p:blipFill>
+          <a:blip r:embed="rId6">
+            <a:extLst>
+              <a:ext uri="{BEBA8EAE-BF5A-486C-A8C5-ECC9F3942E4B}">
+                <a14:imgProps xmlns:a14="http://schemas.microsoft.com/office/drawing/2010/main">
+                  <a14:imgLayer r:embed="rId7">
+                    <a14:imgEffect>
+                      <a14:backgroundRemoval t="676" b="96959" l="15203" r="85473"/>
+                    </a14:imgEffect>
+                  </a14:imgLayer>
+                </a14:imgProps>
+              </a:ext>
+              <a:ext uri="{28A0092B-C50C-407E-A947-70E740481C1C}">
+                <a14:useLocalDpi xmlns:a14="http://schemas.microsoft.com/office/drawing/2010/main" val="0"/>
+              </a:ext>
+            </a:extLst>
+          </a:blip>
+          <a:stretch>
+            <a:fillRect/>
+          </a:stretch>
+        </p:blipFill>
+        <p:spPr>
+          <a:xfrm>
+            <a:off x="6876256" y="2291279"/>
+            <a:ext cx="1375544" cy="1375544"/>
+          </a:xfrm>
+          <a:prstGeom prst="rect">
+            <a:avLst/>
+          </a:prstGeom>
+          <a:ln>
+            <a:noFill/>
+          </a:ln>
+          <a:effectLst>
+            <a:outerShdw blurRad="292100" dist="139700" dir="2700000" algn="tl" rotWithShape="0">
+              <a:srgbClr val="333333">
+                <a:alpha val="65000"/>
+              </a:srgbClr>
+            </a:outerShdw>
+          </a:effectLst>
+        </p:spPr>
+      </p:pic>
+      <p:pic>
+        <p:nvPicPr>
+          <p:cNvPr id="8" name="Picture 7"/>
+          <p:cNvPicPr>
+            <a:picLocks noChangeAspect="1"/>
+          </p:cNvPicPr>
+          <p:nvPr/>
+        </p:nvPicPr>
+        <p:blipFill>
+          <a:blip r:embed="rId8" cstate="print">
+            <a:extLst>
+              <a:ext uri="{BEBA8EAE-BF5A-486C-A8C5-ECC9F3942E4B}">
+                <a14:imgProps xmlns:a14="http://schemas.microsoft.com/office/drawing/2010/main">
+                  <a14:imgLayer r:embed="rId9">
+                    <a14:imgEffect>
+                      <a14:backgroundRemoval t="1000" b="97667" l="12667" r="90000"/>
+                    </a14:imgEffect>
+                  </a14:imgLayer>
+                </a14:imgProps>
+              </a:ext>
+              <a:ext uri="{28A0092B-C50C-407E-A947-70E740481C1C}">
+                <a14:useLocalDpi xmlns:a14="http://schemas.microsoft.com/office/drawing/2010/main" val="0"/>
+              </a:ext>
+            </a:extLst>
+          </a:blip>
+          <a:stretch>
+            <a:fillRect/>
+          </a:stretch>
+        </p:blipFill>
+        <p:spPr>
+          <a:xfrm>
+            <a:off x="753365" y="4581128"/>
+            <a:ext cx="1592530" cy="1592530"/>
+          </a:xfrm>
+          <a:prstGeom prst="rect">
+            <a:avLst/>
+          </a:prstGeom>
+          <a:ln>
+            <a:noFill/>
+          </a:ln>
+          <a:effectLst>
+            <a:outerShdw blurRad="292100" dist="139700" dir="2700000" algn="tl" rotWithShape="0">
+              <a:srgbClr val="333333">
+                <a:alpha val="65000"/>
+              </a:srgbClr>
+            </a:outerShdw>
+          </a:effectLst>
+        </p:spPr>
+      </p:pic>
+      <p:pic>
+        <p:nvPicPr>
+          <p:cNvPr id="9" name="Picture 8"/>
+          <p:cNvPicPr>
+            <a:picLocks noChangeAspect="1"/>
+          </p:cNvPicPr>
+          <p:nvPr/>
+        </p:nvPicPr>
+        <p:blipFill>
+          <a:blip r:embed="rId10" cstate="print">
+            <a:extLst>
+              <a:ext uri="{BEBA8EAE-BF5A-486C-A8C5-ECC9F3942E4B}">
+                <a14:imgProps xmlns:a14="http://schemas.microsoft.com/office/drawing/2010/main">
+                  <a14:imgLayer r:embed="rId11">
+                    <a14:imgEffect>
+                      <a14:backgroundRemoval t="24156" b="82338" l="5589" r="94212"/>
+                    </a14:imgEffect>
+                  </a14:imgLayer>
+                </a14:imgProps>
+              </a:ext>
+              <a:ext uri="{28A0092B-C50C-407E-A947-70E740481C1C}">
+                <a14:useLocalDpi xmlns:a14="http://schemas.microsoft.com/office/drawing/2010/main" val="0"/>
+              </a:ext>
+            </a:extLst>
+          </a:blip>
+          <a:stretch>
+            <a:fillRect/>
+          </a:stretch>
+        </p:blipFill>
+        <p:spPr>
+          <a:xfrm>
+            <a:off x="6523124" y="4576764"/>
+            <a:ext cx="2081807" cy="1601257"/>
+          </a:xfrm>
+          <a:prstGeom prst="rect">
+            <a:avLst/>
+          </a:prstGeom>
+          <a:ln>
+            <a:noFill/>
+          </a:ln>
+          <a:effectLst>
+            <a:outerShdw blurRad="292100" dist="139700" dir="2700000" algn="tl" rotWithShape="0">
+              <a:srgbClr val="333333">
+                <a:alpha val="65000"/>
+              </a:srgbClr>
+            </a:outerShdw>
+          </a:effectLst>
+        </p:spPr>
+      </p:pic>
+      <p:sp>
+        <p:nvSpPr>
+          <p:cNvPr id="10" name="Lightning Bolt 9"/>
+          <p:cNvSpPr/>
+          <p:nvPr/>
+        </p:nvSpPr>
+        <p:spPr>
+          <a:xfrm>
+            <a:off x="2411760" y="2708920"/>
+            <a:ext cx="1512168" cy="864096"/>
+          </a:xfrm>
+          <a:prstGeom prst="lightningBolt">
+            <a:avLst/>
+          </a:prstGeom>
+        </p:spPr>
+        <p:style>
+          <a:lnRef idx="2">
+            <a:schemeClr val="accent1">
+              <a:shade val="50000"/>
+            </a:schemeClr>
+          </a:lnRef>
+          <a:fillRef idx="1">
+            <a:schemeClr val="accent1"/>
+          </a:fillRef>
+          <a:effectRef idx="0">
+            <a:schemeClr val="accent1"/>
+          </a:effectRef>
+          <a:fontRef idx="minor">
+            <a:schemeClr val="lt1"/>
+          </a:fontRef>
+        </p:style>
+        <p:txBody>
+          <a:bodyPr rtlCol="0" anchor="ctr"/>
+          <a:lstStyle/>
+          <a:p>
+            <a:pPr algn="ctr"/>
+            <a:endParaRPr lang="es-AR"/>
+          </a:p>
+        </p:txBody>
+      </p:sp>
+      <p:sp>
+        <p:nvSpPr>
+          <p:cNvPr id="11" name="Lightning Bolt 10"/>
+          <p:cNvSpPr/>
+          <p:nvPr/>
+        </p:nvSpPr>
+        <p:spPr>
+          <a:xfrm flipV="1">
+            <a:off x="2577182" y="4598510"/>
+            <a:ext cx="1512168" cy="1046609"/>
+          </a:xfrm>
+          <a:prstGeom prst="lightningBolt">
+            <a:avLst/>
+          </a:prstGeom>
+        </p:spPr>
+        <p:style>
+          <a:lnRef idx="2">
+            <a:schemeClr val="accent1">
+              <a:shade val="50000"/>
+            </a:schemeClr>
+          </a:lnRef>
+          <a:fillRef idx="1">
+            <a:schemeClr val="accent1"/>
+          </a:fillRef>
+          <a:effectRef idx="0">
+            <a:schemeClr val="accent1"/>
+          </a:effectRef>
+          <a:fontRef idx="minor">
+            <a:schemeClr val="lt1"/>
+          </a:fontRef>
+        </p:style>
+        <p:txBody>
+          <a:bodyPr rtlCol="0" anchor="ctr"/>
+          <a:lstStyle/>
+          <a:p>
+            <a:pPr algn="ctr"/>
+            <a:endParaRPr lang="es-AR"/>
+          </a:p>
+        </p:txBody>
+      </p:sp>
+      <p:sp>
+        <p:nvSpPr>
+          <p:cNvPr id="12" name="Lightning Bolt 11"/>
+          <p:cNvSpPr/>
+          <p:nvPr/>
+        </p:nvSpPr>
+        <p:spPr>
+          <a:xfrm flipH="1">
+            <a:off x="5153050" y="2861320"/>
+            <a:ext cx="1575792" cy="864096"/>
+          </a:xfrm>
+          <a:prstGeom prst="lightningBolt">
+            <a:avLst/>
+          </a:prstGeom>
+        </p:spPr>
+        <p:style>
+          <a:lnRef idx="2">
+            <a:schemeClr val="accent1">
+              <a:shade val="50000"/>
+            </a:schemeClr>
+          </a:lnRef>
+          <a:fillRef idx="1">
+            <a:schemeClr val="accent1"/>
+          </a:fillRef>
+          <a:effectRef idx="0">
+            <a:schemeClr val="accent1"/>
+          </a:effectRef>
+          <a:fontRef idx="minor">
+            <a:schemeClr val="lt1"/>
+          </a:fontRef>
+        </p:style>
+        <p:txBody>
+          <a:bodyPr rtlCol="0" anchor="ctr"/>
+          <a:lstStyle/>
+          <a:p>
+            <a:pPr algn="ctr"/>
+            <a:endParaRPr lang="es-AR"/>
+          </a:p>
+        </p:txBody>
+      </p:sp>
+      <p:sp>
+        <p:nvSpPr>
+          <p:cNvPr id="13" name="Lightning Bolt 12"/>
+          <p:cNvSpPr/>
+          <p:nvPr/>
+        </p:nvSpPr>
+        <p:spPr>
+          <a:xfrm flipH="1" flipV="1">
+            <a:off x="4921889" y="4598510"/>
+            <a:ext cx="1575792" cy="847328"/>
+          </a:xfrm>
+          <a:prstGeom prst="lightningBolt">
+            <a:avLst/>
+          </a:prstGeom>
+        </p:spPr>
+        <p:style>
+          <a:lnRef idx="2">
+            <a:schemeClr val="accent1">
+              <a:shade val="50000"/>
+            </a:schemeClr>
+          </a:lnRef>
+          <a:fillRef idx="1">
+            <a:schemeClr val="accent1"/>
+          </a:fillRef>
+          <a:effectRef idx="0">
+            <a:schemeClr val="accent1"/>
+          </a:effectRef>
+          <a:fontRef idx="minor">
+            <a:schemeClr val="lt1"/>
+          </a:fontRef>
+        </p:style>
+        <p:txBody>
+          <a:bodyPr rtlCol="0" anchor="ctr"/>
+          <a:lstStyle/>
+          <a:p>
+            <a:pPr algn="ctr"/>
+            <a:endParaRPr lang="es-AR"/>
           </a:p>
         </p:txBody>
       </p:sp>
@@ -10396,6 +15092,36 @@
           <a:chExt cx="0" cy="0"/>
         </a:xfrm>
       </p:grpSpPr>
+      <p:pic>
+        <p:nvPicPr>
+          <p:cNvPr id="7" name="Picture 6"/>
+          <p:cNvPicPr>
+            <a:picLocks noChangeAspect="1"/>
+          </p:cNvPicPr>
+          <p:nvPr/>
+        </p:nvPicPr>
+        <p:blipFill>
+          <a:blip r:embed="rId3">
+            <a:extLst>
+              <a:ext uri="{28A0092B-C50C-407E-A947-70E740481C1C}">
+                <a14:useLocalDpi xmlns:a14="http://schemas.microsoft.com/office/drawing/2010/main" val="0"/>
+              </a:ext>
+            </a:extLst>
+          </a:blip>
+          <a:stretch>
+            <a:fillRect/>
+          </a:stretch>
+        </p:blipFill>
+        <p:spPr>
+          <a:xfrm>
+            <a:off x="1352920" y="2347913"/>
+            <a:ext cx="5616624" cy="4184384"/>
+          </a:xfrm>
+          <a:prstGeom prst="rect">
+            <a:avLst/>
+          </a:prstGeom>
+        </p:spPr>
+      </p:pic>
       <p:sp>
         <p:nvSpPr>
           <p:cNvPr id="2" name="Title 1"/>
@@ -10445,6 +15171,138 @@
             <a:r>
               <a:rPr lang="es-AR" dirty="0" smtClean="0"/>
               <a:t> en teléfono)</a:t>
+            </a:r>
+            <a:endParaRPr lang="es-AR" dirty="0"/>
+          </a:p>
+        </p:txBody>
+      </p:sp>
+      <p:pic>
+        <p:nvPicPr>
+          <p:cNvPr id="4" name="Picture 3"/>
+          <p:cNvPicPr>
+            <a:picLocks noChangeAspect="1"/>
+          </p:cNvPicPr>
+          <p:nvPr/>
+        </p:nvPicPr>
+        <p:blipFill>
+          <a:blip r:embed="rId4">
+            <a:extLst>
+              <a:ext uri="{28A0092B-C50C-407E-A947-70E740481C1C}">
+                <a14:useLocalDpi xmlns:a14="http://schemas.microsoft.com/office/drawing/2010/main" val="0"/>
+              </a:ext>
+            </a:extLst>
+          </a:blip>
+          <a:stretch>
+            <a:fillRect/>
+          </a:stretch>
+        </p:blipFill>
+        <p:spPr>
+          <a:xfrm>
+            <a:off x="3275856" y="3501008"/>
+            <a:ext cx="1665734" cy="1665734"/>
+          </a:xfrm>
+          <a:prstGeom prst="rect">
+            <a:avLst/>
+          </a:prstGeom>
+        </p:spPr>
+      </p:pic>
+      <p:pic>
+        <p:nvPicPr>
+          <p:cNvPr id="5" name="Picture 4"/>
+          <p:cNvPicPr>
+            <a:picLocks noChangeAspect="1"/>
+          </p:cNvPicPr>
+          <p:nvPr/>
+        </p:nvPicPr>
+        <p:blipFill>
+          <a:blip r:embed="rId5">
+            <a:extLst>
+              <a:ext uri="{28A0092B-C50C-407E-A947-70E740481C1C}">
+                <a14:useLocalDpi xmlns:a14="http://schemas.microsoft.com/office/drawing/2010/main" val="0"/>
+              </a:ext>
+            </a:extLst>
+          </a:blip>
+          <a:stretch>
+            <a:fillRect/>
+          </a:stretch>
+        </p:blipFill>
+        <p:spPr>
+          <a:xfrm>
+            <a:off x="755576" y="4797152"/>
+            <a:ext cx="1028700" cy="1114425"/>
+          </a:xfrm>
+          <a:prstGeom prst="rect">
+            <a:avLst/>
+          </a:prstGeom>
+        </p:spPr>
+      </p:pic>
+      <p:pic>
+        <p:nvPicPr>
+          <p:cNvPr id="6" name="Picture 5"/>
+          <p:cNvPicPr>
+            <a:picLocks noChangeAspect="1"/>
+          </p:cNvPicPr>
+          <p:nvPr/>
+        </p:nvPicPr>
+        <p:blipFill>
+          <a:blip r:embed="rId6">
+            <a:extLst>
+              <a:ext uri="{28A0092B-C50C-407E-A947-70E740481C1C}">
+                <a14:useLocalDpi xmlns:a14="http://schemas.microsoft.com/office/drawing/2010/main" val="0"/>
+              </a:ext>
+            </a:extLst>
+          </a:blip>
+          <a:stretch>
+            <a:fillRect/>
+          </a:stretch>
+        </p:blipFill>
+        <p:spPr>
+          <a:xfrm>
+            <a:off x="6444208" y="2499939"/>
+            <a:ext cx="1626737" cy="1001069"/>
+          </a:xfrm>
+          <a:prstGeom prst="rect">
+            <a:avLst/>
+          </a:prstGeom>
+        </p:spPr>
+      </p:pic>
+      <p:sp>
+        <p:nvSpPr>
+          <p:cNvPr id="8" name="8-Point Star 7"/>
+          <p:cNvSpPr/>
+          <p:nvPr/>
+        </p:nvSpPr>
+        <p:spPr>
+          <a:xfrm>
+            <a:off x="6516216" y="4444329"/>
+            <a:ext cx="576064" cy="530783"/>
+          </a:xfrm>
+          <a:prstGeom prst="star8">
+            <a:avLst/>
+          </a:prstGeom>
+        </p:spPr>
+        <p:style>
+          <a:lnRef idx="3">
+            <a:schemeClr val="lt1"/>
+          </a:lnRef>
+          <a:fillRef idx="1">
+            <a:schemeClr val="accent2"/>
+          </a:fillRef>
+          <a:effectRef idx="1">
+            <a:schemeClr val="accent2"/>
+          </a:effectRef>
+          <a:fontRef idx="minor">
+            <a:schemeClr val="lt1"/>
+          </a:fontRef>
+        </p:style>
+        <p:txBody>
+          <a:bodyPr rtlCol="0" anchor="ctr"/>
+          <a:lstStyle/>
+          <a:p>
+            <a:pPr algn="ctr"/>
+            <a:r>
+              <a:rPr lang="es-AR" dirty="0" smtClean="0"/>
+              <a:t>8</a:t>
             </a:r>
             <a:endParaRPr lang="es-AR" dirty="0"/>
           </a:p>
@@ -10533,6 +15391,144 @@
           </a:p>
         </p:txBody>
       </p:sp>
+      <p:pic>
+        <p:nvPicPr>
+          <p:cNvPr id="4" name="Picture 3"/>
+          <p:cNvPicPr>
+            <a:picLocks noChangeAspect="1"/>
+          </p:cNvPicPr>
+          <p:nvPr/>
+        </p:nvPicPr>
+        <p:blipFill>
+          <a:blip r:embed="rId3">
+            <a:extLst>
+              <a:ext uri="{28A0092B-C50C-407E-A947-70E740481C1C}">
+                <a14:useLocalDpi xmlns:a14="http://schemas.microsoft.com/office/drawing/2010/main" val="0"/>
+              </a:ext>
+            </a:extLst>
+          </a:blip>
+          <a:stretch>
+            <a:fillRect/>
+          </a:stretch>
+        </p:blipFill>
+        <p:spPr>
+          <a:xfrm>
+            <a:off x="1979712" y="3573016"/>
+            <a:ext cx="2518538" cy="2518538"/>
+          </a:xfrm>
+          <a:prstGeom prst="rect">
+            <a:avLst/>
+          </a:prstGeom>
+        </p:spPr>
+      </p:pic>
+      <p:pic>
+        <p:nvPicPr>
+          <p:cNvPr id="5" name="Picture 4"/>
+          <p:cNvPicPr>
+            <a:picLocks noChangeAspect="1"/>
+          </p:cNvPicPr>
+          <p:nvPr/>
+        </p:nvPicPr>
+        <p:blipFill>
+          <a:blip r:embed="rId4">
+            <a:extLst>
+              <a:ext uri="{BEBA8EAE-BF5A-486C-A8C5-ECC9F3942E4B}">
+                <a14:imgProps xmlns:a14="http://schemas.microsoft.com/office/drawing/2010/main">
+                  <a14:imgLayer r:embed="rId5">
+                    <a14:imgEffect>
+                      <a14:backgroundRemoval t="4124" b="95361" l="10039" r="89575"/>
+                    </a14:imgEffect>
+                  </a14:imgLayer>
+                </a14:imgProps>
+              </a:ext>
+              <a:ext uri="{28A0092B-C50C-407E-A947-70E740481C1C}">
+                <a14:useLocalDpi xmlns:a14="http://schemas.microsoft.com/office/drawing/2010/main" val="0"/>
+              </a:ext>
+            </a:extLst>
+          </a:blip>
+          <a:stretch>
+            <a:fillRect/>
+          </a:stretch>
+        </p:blipFill>
+        <p:spPr>
+          <a:xfrm>
+            <a:off x="0" y="2276872"/>
+            <a:ext cx="2466975" cy="1847850"/>
+          </a:xfrm>
+          <a:prstGeom prst="rect">
+            <a:avLst/>
+          </a:prstGeom>
+        </p:spPr>
+      </p:pic>
+      <p:pic>
+        <p:nvPicPr>
+          <p:cNvPr id="6" name="Picture 5"/>
+          <p:cNvPicPr>
+            <a:picLocks noChangeAspect="1"/>
+          </p:cNvPicPr>
+          <p:nvPr/>
+        </p:nvPicPr>
+        <p:blipFill>
+          <a:blip r:embed="rId6">
+            <a:extLst>
+              <a:ext uri="{BEBA8EAE-BF5A-486C-A8C5-ECC9F3942E4B}">
+                <a14:imgProps xmlns:a14="http://schemas.microsoft.com/office/drawing/2010/main">
+                  <a14:imgLayer r:embed="rId7">
+                    <a14:imgEffect>
+                      <a14:backgroundRemoval t="4061" b="96447" l="12157" r="87843"/>
+                    </a14:imgEffect>
+                  </a14:imgLayer>
+                </a14:imgProps>
+              </a:ext>
+              <a:ext uri="{28A0092B-C50C-407E-A947-70E740481C1C}">
+                <a14:useLocalDpi xmlns:a14="http://schemas.microsoft.com/office/drawing/2010/main" val="0"/>
+              </a:ext>
+            </a:extLst>
+          </a:blip>
+          <a:stretch>
+            <a:fillRect/>
+          </a:stretch>
+        </p:blipFill>
+        <p:spPr>
+          <a:xfrm>
+            <a:off x="1115616" y="4664691"/>
+            <a:ext cx="1302149" cy="1005974"/>
+          </a:xfrm>
+          <a:prstGeom prst="rect">
+            <a:avLst/>
+          </a:prstGeom>
+        </p:spPr>
+      </p:pic>
+      <p:pic>
+        <p:nvPicPr>
+          <p:cNvPr id="7" name="Picture 6"/>
+          <p:cNvPicPr>
+            <a:picLocks noChangeAspect="1"/>
+          </p:cNvPicPr>
+          <p:nvPr/>
+        </p:nvPicPr>
+        <p:blipFill>
+          <a:blip r:embed="rId8">
+            <a:extLst>
+              <a:ext uri="{28A0092B-C50C-407E-A947-70E740481C1C}">
+                <a14:useLocalDpi xmlns:a14="http://schemas.microsoft.com/office/drawing/2010/main" val="0"/>
+              </a:ext>
+            </a:extLst>
+          </a:blip>
+          <a:stretch>
+            <a:fillRect/>
+          </a:stretch>
+        </p:blipFill>
+        <p:spPr>
+          <a:xfrm>
+            <a:off x="4860032" y="2649090"/>
+            <a:ext cx="3805680" cy="3021575"/>
+          </a:xfrm>
+          <a:prstGeom prst="rect">
+            <a:avLst/>
+          </a:prstGeom>
+        </p:spPr>
+      </p:pic>
     </p:spTree>
     <p:extLst>
       <p:ext uri="{BB962C8B-B14F-4D97-AF65-F5344CB8AC3E}">
@@ -10631,6 +15627,85 @@
           </a:p>
         </p:txBody>
       </p:sp>
+      <p:pic>
+        <p:nvPicPr>
+          <p:cNvPr id="5" name="Picture 4"/>
+          <p:cNvPicPr>
+            <a:picLocks noChangeAspect="1"/>
+          </p:cNvPicPr>
+          <p:nvPr/>
+        </p:nvPicPr>
+        <p:blipFill>
+          <a:blip r:embed="rId3">
+            <a:extLst>
+              <a:ext uri="{28A0092B-C50C-407E-A947-70E740481C1C}">
+                <a14:useLocalDpi xmlns:a14="http://schemas.microsoft.com/office/drawing/2010/main" val="0"/>
+              </a:ext>
+            </a:extLst>
+          </a:blip>
+          <a:stretch>
+            <a:fillRect/>
+          </a:stretch>
+        </p:blipFill>
+        <p:spPr>
+          <a:xfrm>
+            <a:off x="3131840" y="3202340"/>
+            <a:ext cx="4672236" cy="3068523"/>
+          </a:xfrm>
+          <a:prstGeom prst="rect">
+            <a:avLst/>
+          </a:prstGeom>
+        </p:spPr>
+      </p:pic>
+      <p:pic>
+        <p:nvPicPr>
+          <p:cNvPr id="6" name="Picture 5"/>
+          <p:cNvPicPr>
+            <a:picLocks noChangeAspect="1"/>
+          </p:cNvPicPr>
+          <p:nvPr/>
+        </p:nvPicPr>
+        <p:blipFill>
+          <a:blip r:embed="rId4">
+            <a:extLst>
+              <a:ext uri="{BEBA8EAE-BF5A-486C-A8C5-ECC9F3942E4B}">
+                <a14:imgProps xmlns:a14="http://schemas.microsoft.com/office/drawing/2010/main">
+                  <a14:imgLayer r:embed="rId5">
+                    <a14:imgEffect>
+                      <a14:backgroundRemoval t="12808" b="85222" l="6855" r="94355"/>
+                    </a14:imgEffect>
+                  </a14:imgLayer>
+                </a14:imgProps>
+              </a:ext>
+              <a:ext uri="{28A0092B-C50C-407E-A947-70E740481C1C}">
+                <a14:useLocalDpi xmlns:a14="http://schemas.microsoft.com/office/drawing/2010/main" val="0"/>
+              </a:ext>
+            </a:extLst>
+          </a:blip>
+          <a:stretch>
+            <a:fillRect/>
+          </a:stretch>
+        </p:blipFill>
+        <p:spPr>
+          <a:xfrm>
+            <a:off x="1619672" y="4293096"/>
+            <a:ext cx="1800200" cy="1473551"/>
+          </a:xfrm>
+          <a:prstGeom prst="rect">
+            <a:avLst/>
+          </a:prstGeom>
+          <a:ln>
+            <a:noFill/>
+          </a:ln>
+          <a:effectLst>
+            <a:outerShdw blurRad="292100" dist="139700" dir="2700000" algn="tl" rotWithShape="0">
+              <a:srgbClr val="333333">
+                <a:alpha val="65000"/>
+              </a:srgbClr>
+            </a:outerShdw>
+          </a:effectLst>
+        </p:spPr>
+      </p:pic>
     </p:spTree>
     <p:extLst>
       <p:ext uri="{BB962C8B-B14F-4D97-AF65-F5344CB8AC3E}">
@@ -10708,12 +15783,104 @@
           <a:p>
             <a:r>
               <a:rPr lang="es-AR" dirty="0" smtClean="0"/>
-              <a:t>Red de componentes auto descriptivos que pueden generar una imagen de la red en cada nodo</a:t>
+              <a:t>Red de componentes </a:t>
+            </a:r>
+            <a:r>
+              <a:rPr lang="es-AR" dirty="0" smtClean="0"/>
+              <a:t>auto-descriptivos </a:t>
+            </a:r>
+            <a:r>
+              <a:rPr lang="es-AR" dirty="0" smtClean="0"/>
+              <a:t>que pueden generar una imagen de la red en cada nodo</a:t>
             </a:r>
             <a:endParaRPr lang="es-AR" dirty="0"/>
           </a:p>
         </p:txBody>
       </p:sp>
+      <p:pic>
+        <p:nvPicPr>
+          <p:cNvPr id="4" name="Picture 3"/>
+          <p:cNvPicPr>
+            <a:picLocks noChangeAspect="1"/>
+          </p:cNvPicPr>
+          <p:nvPr/>
+        </p:nvPicPr>
+        <p:blipFill>
+          <a:blip r:embed="rId3">
+            <a:extLst>
+              <a:ext uri="{BEBA8EAE-BF5A-486C-A8C5-ECC9F3942E4B}">
+                <a14:imgProps xmlns:a14="http://schemas.microsoft.com/office/drawing/2010/main">
+                  <a14:imgLayer r:embed="rId4">
+                    <a14:imgEffect>
+                      <a14:backgroundRemoval t="1966" b="99263" l="2930" r="97461">
+                        <a14:foregroundMark x1="63477" y1="37101" x2="70703" y2="29484"/>
+                        <a14:foregroundMark x1="49219" y1="34644" x2="46289" y2="20639"/>
+                        <a14:foregroundMark x1="51758" y1="23342" x2="55273" y2="5897"/>
+                        <a14:foregroundMark x1="66602" y1="28501" x2="91797" y2="14251"/>
+                        <a14:foregroundMark x1="75195" y1="21130" x2="75195" y2="4423"/>
+                        <a14:foregroundMark x1="74805" y1="14251" x2="70898" y2="14496"/>
+                        <a14:foregroundMark x1="80664" y1="43980" x2="68555" y2="44472"/>
+                        <a14:foregroundMark x1="80664" y1="49386" x2="91602" y2="45700"/>
+                        <a14:foregroundMark x1="91992" y1="45946" x2="95313" y2="59459"/>
+                        <a14:foregroundMark x1="83789" y1="62899" x2="87695" y2="78870"/>
+                        <a14:foregroundMark x1="75000" y1="80344" x2="85547" y2="85258"/>
+                        <a14:foregroundMark x1="59375" y1="85504" x2="57813" y2="95577"/>
+                        <a14:foregroundMark x1="61914" y1="95086" x2="82617" y2="87961"/>
+                        <a14:backgroundMark x1="68359" y1="98034" x2="90820" y2="94595"/>
+                      </a14:backgroundRemoval>
+                    </a14:imgEffect>
+                  </a14:imgLayer>
+                </a14:imgProps>
+              </a:ext>
+              <a:ext uri="{28A0092B-C50C-407E-A947-70E740481C1C}">
+                <a14:useLocalDpi xmlns:a14="http://schemas.microsoft.com/office/drawing/2010/main" val="0"/>
+              </a:ext>
+            </a:extLst>
+          </a:blip>
+          <a:stretch>
+            <a:fillRect/>
+          </a:stretch>
+        </p:blipFill>
+        <p:spPr>
+          <a:xfrm>
+            <a:off x="827584" y="2840796"/>
+            <a:ext cx="4012704" cy="3189786"/>
+          </a:xfrm>
+          <a:prstGeom prst="rect">
+            <a:avLst/>
+          </a:prstGeom>
+        </p:spPr>
+      </p:pic>
+      <p:pic>
+        <p:nvPicPr>
+          <p:cNvPr id="5" name="Picture 4"/>
+          <p:cNvPicPr>
+            <a:picLocks noChangeAspect="1"/>
+          </p:cNvPicPr>
+          <p:nvPr/>
+        </p:nvPicPr>
+        <p:blipFill>
+          <a:blip r:embed="rId5">
+            <a:extLst>
+              <a:ext uri="{28A0092B-C50C-407E-A947-70E740481C1C}">
+                <a14:useLocalDpi xmlns:a14="http://schemas.microsoft.com/office/drawing/2010/main" val="0"/>
+              </a:ext>
+            </a:extLst>
+          </a:blip>
+          <a:stretch>
+            <a:fillRect/>
+          </a:stretch>
+        </p:blipFill>
+        <p:spPr>
+          <a:xfrm>
+            <a:off x="5425704" y="2769081"/>
+            <a:ext cx="3084547" cy="3333215"/>
+          </a:xfrm>
+          <a:prstGeom prst="rect">
+            <a:avLst/>
+          </a:prstGeom>
+        </p:spPr>
+      </p:pic>
     </p:spTree>
     <p:extLst>
       <p:ext uri="{BB962C8B-B14F-4D97-AF65-F5344CB8AC3E}">
@@ -10727,7 +15894,128 @@
   <p:timing>
     <p:tnLst>
       <p:par>
-        <p:cTn id="1" dur="indefinite" restart="never" nodeType="tmRoot"/>
+        <p:cTn id="1" dur="indefinite" restart="never" nodeType="tmRoot">
+          <p:childTnLst>
+            <p:seq concurrent="1" nextAc="seek">
+              <p:cTn id="2" dur="indefinite" nodeType="mainSeq">
+                <p:childTnLst>
+                  <p:par>
+                    <p:cTn id="3" fill="hold">
+                      <p:stCondLst>
+                        <p:cond delay="indefinite"/>
+                      </p:stCondLst>
+                      <p:childTnLst>
+                        <p:par>
+                          <p:cTn id="4" fill="hold">
+                            <p:stCondLst>
+                              <p:cond delay="0"/>
+                            </p:stCondLst>
+                            <p:childTnLst>
+                              <p:par>
+                                <p:cTn id="5" presetID="6" presetClass="entr" presetSubtype="32" fill="hold" nodeType="clickEffect">
+                                  <p:stCondLst>
+                                    <p:cond delay="0"/>
+                                  </p:stCondLst>
+                                  <p:childTnLst>
+                                    <p:set>
+                                      <p:cBhvr>
+                                        <p:cTn id="6" dur="1" fill="hold">
+                                          <p:stCondLst>
+                                            <p:cond delay="0"/>
+                                          </p:stCondLst>
+                                        </p:cTn>
+                                        <p:tgtEl>
+                                          <p:spTgt spid="4"/>
+                                        </p:tgtEl>
+                                        <p:attrNameLst>
+                                          <p:attrName>style.visibility</p:attrName>
+                                        </p:attrNameLst>
+                                      </p:cBhvr>
+                                      <p:to>
+                                        <p:strVal val="visible"/>
+                                      </p:to>
+                                    </p:set>
+                                    <p:animEffect transition="in" filter="circle(out)">
+                                      <p:cBhvr>
+                                        <p:cTn id="7" dur="5000"/>
+                                        <p:tgtEl>
+                                          <p:spTgt spid="4"/>
+                                        </p:tgtEl>
+                                      </p:cBhvr>
+                                    </p:animEffect>
+                                  </p:childTnLst>
+                                </p:cTn>
+                              </p:par>
+                            </p:childTnLst>
+                          </p:cTn>
+                        </p:par>
+                      </p:childTnLst>
+                    </p:cTn>
+                  </p:par>
+                  <p:par>
+                    <p:cTn id="8" fill="hold">
+                      <p:stCondLst>
+                        <p:cond delay="indefinite"/>
+                      </p:stCondLst>
+                      <p:childTnLst>
+                        <p:par>
+                          <p:cTn id="9" fill="hold">
+                            <p:stCondLst>
+                              <p:cond delay="0"/>
+                            </p:stCondLst>
+                            <p:childTnLst>
+                              <p:par>
+                                <p:cTn id="10" presetID="1" presetClass="entr" presetSubtype="0" fill="hold" nodeType="clickEffect">
+                                  <p:stCondLst>
+                                    <p:cond delay="0"/>
+                                  </p:stCondLst>
+                                  <p:childTnLst>
+                                    <p:set>
+                                      <p:cBhvr>
+                                        <p:cTn id="11" dur="1" fill="hold">
+                                          <p:stCondLst>
+                                            <p:cond delay="0"/>
+                                          </p:stCondLst>
+                                        </p:cTn>
+                                        <p:tgtEl>
+                                          <p:spTgt spid="5"/>
+                                        </p:tgtEl>
+                                        <p:attrNameLst>
+                                          <p:attrName>style.visibility</p:attrName>
+                                        </p:attrNameLst>
+                                      </p:cBhvr>
+                                      <p:to>
+                                        <p:strVal val="visible"/>
+                                      </p:to>
+                                    </p:set>
+                                  </p:childTnLst>
+                                </p:cTn>
+                              </p:par>
+                            </p:childTnLst>
+                          </p:cTn>
+                        </p:par>
+                      </p:childTnLst>
+                    </p:cTn>
+                  </p:par>
+                </p:childTnLst>
+              </p:cTn>
+              <p:prevCondLst>
+                <p:cond evt="onPrev" delay="0">
+                  <p:tgtEl>
+                    <p:sldTgt/>
+                  </p:tgtEl>
+                </p:cond>
+              </p:prevCondLst>
+              <p:nextCondLst>
+                <p:cond evt="onNext" delay="0">
+                  <p:tgtEl>
+                    <p:sldTgt/>
+                  </p:tgtEl>
+                </p:cond>
+              </p:nextCondLst>
+            </p:seq>
+          </p:childTnLst>
+        </p:cTn>
       </p:par>
     </p:tnLst>
   </p:timing>
@@ -10981,4 +16269,289 @@
   <a:objectDefaults/>
   <a:extraClrSchemeLst/>
 </a:theme>
+</file>
+
+<file path=ppt/theme/theme2.xml><?xml version="1.0" encoding="utf-8"?>
+<a:theme xmlns:a="http://schemas.openxmlformats.org/drawingml/2006/main" name="Office Theme">
+  <a:themeElements>
+    <a:clrScheme name="Office">
+      <a:dk1>
+        <a:sysClr val="windowText" lastClr="000000"/>
+      </a:dk1>
+      <a:lt1>
+        <a:sysClr val="window" lastClr="FFFFFF"/>
+      </a:lt1>
+      <a:dk2>
+        <a:srgbClr val="1F497D"/>
+      </a:dk2>
+      <a:lt2>
+        <a:srgbClr val="EEECE1"/>
+      </a:lt2>
+      <a:accent1>
+        <a:srgbClr val="4F81BD"/>
+      </a:accent1>
+      <a:accent2>
+        <a:srgbClr val="C0504D"/>
+      </a:accent2>
+      <a:accent3>
+        <a:srgbClr val="9BBB59"/>
+      </a:accent3>
+      <a:accent4>
+        <a:srgbClr val="8064A2"/>
+      </a:accent4>
+      <a:accent5>
+        <a:srgbClr val="4BACC6"/>
+      </a:accent5>
+      <a:accent6>
+        <a:srgbClr val="F79646"/>
+      </a:accent6>
+      <a:hlink>
+        <a:srgbClr val="0000FF"/>
+      </a:hlink>
+      <a:folHlink>
+        <a:srgbClr val="800080"/>
+      </a:folHlink>
+    </a:clrScheme>
+    <a:fontScheme name="Office">
+      <a:majorFont>
+        <a:latin typeface="Calibri"/>
+        <a:ea typeface=""/>
+        <a:cs typeface=""/>
+        <a:font script="Jpan" typeface="ＭＳ Ｐゴシック"/>
+        <a:font script="Hang" typeface="맑은 고딕"/>
+        <a:font script="Hans" typeface="宋体"/>
+        <a:font script="Hant" typeface="新細明體"/>
+        <a:font script="Arab" typeface="Times New Roman"/>
+        <a:font script="Hebr" typeface="Times New Roman"/>
+        <a:font script="Thai" typeface="Angsana New"/>
+        <a:font script="Ethi" typeface="Nyala"/>
+        <a:font script="Beng" typeface="Vrinda"/>
+        <a:font script="Gujr" typeface="Shruti"/>
+        <a:font script="Khmr" typeface="MoolBoran"/>
+        <a:font script="Knda" typeface="Tunga"/>
+        <a:font script="Guru" typeface="Raavi"/>
+        <a:font script="Cans" typeface="Euphemia"/>
+        <a:font script="Cher" typeface="Plantagenet Cherokee"/>
+        <a:font script="Yiii" typeface="Microsoft Yi Baiti"/>
+        <a:font script="Tibt" typeface="Microsoft Himalaya"/>
+        <a:font script="Thaa" typeface="MV Boli"/>
+        <a:font script="Deva" typeface="Mangal"/>
+        <a:font script="Telu" typeface="Gautami"/>
+        <a:font script="Taml" typeface="Latha"/>
+        <a:font script="Syrc" typeface="Estrangelo Edessa"/>
+        <a:font script="Orya" typeface="Kalinga"/>
+        <a:font script="Mlym" typeface="Kartika"/>
+        <a:font script="Laoo" typeface="DokChampa"/>
+        <a:font script="Sinh" typeface="Iskoola Pota"/>
+        <a:font script="Mong" typeface="Mongolian Baiti"/>
+        <a:font script="Viet" typeface="Times New Roman"/>
+        <a:font script="Uigh" typeface="Microsoft Uighur"/>
+        <a:font script="Geor" typeface="Sylfaen"/>
+      </a:majorFont>
+      <a:minorFont>
+        <a:latin typeface="Calibri"/>
+        <a:ea typeface=""/>
+        <a:cs typeface=""/>
+        <a:font script="Jpan" typeface="ＭＳ Ｐゴシック"/>
+        <a:font script="Hang" typeface="맑은 고딕"/>
+        <a:font script="Hans" typeface="宋体"/>
+        <a:font script="Hant" typeface="新細明體"/>
+        <a:font script="Arab" typeface="Arial"/>
+        <a:font script="Hebr" typeface="Arial"/>
+        <a:font script="Thai" typeface="Cordia New"/>
+        <a:font script="Ethi" typeface="Nyala"/>
+        <a:font script="Beng" typeface="Vrinda"/>
+        <a:font script="Gujr" typeface="Shruti"/>
+        <a:font script="Khmr" typeface="DaunPenh"/>
+        <a:font script="Knda" typeface="Tunga"/>
+        <a:font script="Guru" typeface="Raavi"/>
+        <a:font script="Cans" typeface="Euphemia"/>
+        <a:font script="Cher" typeface="Plantagenet Cherokee"/>
+        <a:font script="Yiii" typeface="Microsoft Yi Baiti"/>
+        <a:font script="Tibt" typeface="Microsoft Himalaya"/>
+        <a:font script="Thaa" typeface="MV Boli"/>
+        <a:font script="Deva" typeface="Mangal"/>
+        <a:font script="Telu" typeface="Gautami"/>
+        <a:font script="Taml" typeface="Latha"/>
+        <a:font script="Syrc" typeface="Estrangelo Edessa"/>
+        <a:font script="Orya" typeface="Kalinga"/>
+        <a:font script="Mlym" typeface="Kartika"/>
+        <a:font script="Laoo" typeface="DokChampa"/>
+        <a:font script="Sinh" typeface="Iskoola Pota"/>
+        <a:font script="Mong" typeface="Mongolian Baiti"/>
+        <a:font script="Viet" typeface="Arial"/>
+        <a:font script="Uigh" typeface="Microsoft Uighur"/>
+        <a:font script="Geor" typeface="Sylfaen"/>
+      </a:minorFont>
+    </a:fontScheme>
+    <a:fmtScheme name="Office">
+      <a:fillStyleLst>
+        <a:solidFill>
+          <a:schemeClr val="phClr"/>
+        </a:solidFill>
+        <a:gradFill rotWithShape="1">
+          <a:gsLst>
+            <a:gs pos="0">
+              <a:schemeClr val="phClr">
+                <a:tint val="50000"/>
+                <a:satMod val="300000"/>
+              </a:schemeClr>
+            </a:gs>
+            <a:gs pos="35000">
+              <a:schemeClr val="phClr">
+                <a:tint val="37000"/>
+                <a:satMod val="300000"/>
+              </a:schemeClr>
+            </a:gs>
+            <a:gs pos="100000">
+              <a:schemeClr val="phClr">
+                <a:tint val="15000"/>
+                <a:satMod val="350000"/>
+              </a:schemeClr>
+            </a:gs>
+          </a:gsLst>
+          <a:lin ang="16200000" scaled="1"/>
+        </a:gradFill>
+        <a:gradFill rotWithShape="1">
+          <a:gsLst>
+            <a:gs pos="0">
+              <a:schemeClr val="phClr">
+                <a:shade val="51000"/>
+                <a:satMod val="130000"/>
+              </a:schemeClr>
+            </a:gs>
+            <a:gs pos="80000">
+              <a:schemeClr val="phClr">
+                <a:shade val="93000"/>
+                <a:satMod val="130000"/>
+              </a:schemeClr>
+            </a:gs>
+            <a:gs pos="100000">
+              <a:schemeClr val="phClr">
+                <a:shade val="94000"/>
+                <a:satMod val="135000"/>
+              </a:schemeClr>
+            </a:gs>
+          </a:gsLst>
+          <a:lin ang="16200000" scaled="0"/>
+        </a:gradFill>
+      </a:fillStyleLst>
+      <a:lnStyleLst>
+        <a:ln w="9525" cap="flat" cmpd="sng" algn="ctr">
+          <a:solidFill>
+            <a:schemeClr val="phClr">
+              <a:shade val="95000"/>
+              <a:satMod val="105000"/>
+            </a:schemeClr>
+          </a:solidFill>
+          <a:prstDash val="solid"/>
+        </a:ln>
+        <a:ln w="25400" cap="flat" cmpd="sng" algn="ctr">
+          <a:solidFill>
+            <a:schemeClr val="phClr"/>
+          </a:solidFill>
+          <a:prstDash val="solid"/>
+        </a:ln>
+        <a:ln w="38100" cap="flat" cmpd="sng" algn="ctr">
+          <a:solidFill>
+            <a:schemeClr val="phClr"/>
+          </a:solidFill>
+          <a:prstDash val="solid"/>
+        </a:ln>
+      </a:lnStyleLst>
+      <a:effectStyleLst>
+        <a:effectStyle>
+          <a:effectLst>
+            <a:outerShdw blurRad="40000" dist="20000" dir="5400000" rotWithShape="0">
+              <a:srgbClr val="000000">
+                <a:alpha val="38000"/>
+              </a:srgbClr>
+            </a:outerShdw>
+          </a:effectLst>
+        </a:effectStyle>
+        <a:effectStyle>
+          <a:effectLst>
+            <a:outerShdw blurRad="40000" dist="23000" dir="5400000" rotWithShape="0">
+              <a:srgbClr val="000000">
+                <a:alpha val="35000"/>
+              </a:srgbClr>
+            </a:outerShdw>
+          </a:effectLst>
+        </a:effectStyle>
+        <a:effectStyle>
+          <a:effectLst>
+            <a:outerShdw blurRad="40000" dist="23000" dir="5400000" rotWithShape="0">
+              <a:srgbClr val="000000">
+                <a:alpha val="35000"/>
+              </a:srgbClr>
+            </a:outerShdw>
+          </a:effectLst>
+          <a:scene3d>
+            <a:camera prst="orthographicFront">
+              <a:rot lat="0" lon="0" rev="0"/>
+            </a:camera>
+            <a:lightRig rig="threePt" dir="t">
+              <a:rot lat="0" lon="0" rev="1200000"/>
+            </a:lightRig>
+          </a:scene3d>
+          <a:sp3d>
+            <a:bevelT w="63500" h="25400"/>
+          </a:sp3d>
+        </a:effectStyle>
+      </a:effectStyleLst>
+      <a:bgFillStyleLst>
+        <a:solidFill>
+          <a:schemeClr val="phClr"/>
+        </a:solidFill>
+        <a:gradFill rotWithShape="1">
+          <a:gsLst>
+            <a:gs pos="0">
+              <a:schemeClr val="phClr">
+                <a:tint val="40000"/>
+                <a:satMod val="350000"/>
+              </a:schemeClr>
+            </a:gs>
+            <a:gs pos="40000">
+              <a:schemeClr val="phClr">
+                <a:tint val="45000"/>
+                <a:shade val="99000"/>
+                <a:satMod val="350000"/>
+              </a:schemeClr>
+            </a:gs>
+            <a:gs pos="100000">
+              <a:schemeClr val="phClr">
+                <a:shade val="20000"/>
+                <a:satMod val="255000"/>
+              </a:schemeClr>
+            </a:gs>
+          </a:gsLst>
+          <a:path path="circle">
+            <a:fillToRect l="50000" t="-80000" r="50000" b="180000"/>
+          </a:path>
+        </a:gradFill>
+        <a:gradFill rotWithShape="1">
+          <a:gsLst>
+            <a:gs pos="0">
+              <a:schemeClr val="phClr">
+                <a:tint val="80000"/>
+                <a:satMod val="300000"/>
+              </a:schemeClr>
+            </a:gs>
+            <a:gs pos="100000">
+              <a:schemeClr val="phClr">
+                <a:shade val="30000"/>
+                <a:satMod val="200000"/>
+              </a:schemeClr>
+            </a:gs>
+          </a:gsLst>
+          <a:path path="circle">
+            <a:fillToRect l="50000" t="50000" r="50000" b="50000"/>
+          </a:path>
+        </a:gradFill>
+      </a:bgFillStyleLst>
+    </a:fmtScheme>
+  </a:themeElements>
+  <a:objectDefaults/>
+  <a:extraClrSchemeLst/>
+</a:theme>
 </file>
--- a/Documentacion/Publicable/Borradores/Intro a Vortex.pptx
+++ b/Documentacion/Publicable/Borradores/Intro a Vortex.pptx
@@ -406,7 +406,7 @@
           <a:p>
             <a:fld id="{ED7AE805-304E-459A-ADC4-3CE86BC0EA48}" type="datetimeFigureOut">
               <a:rPr lang="es-AR" smtClean="0"/>
-              <a:t>2013-02-17</a:t>
+              <a:t>18/02/2013</a:t>
             </a:fld>
             <a:endParaRPr lang="es-AR"/>
           </a:p>
@@ -635,7 +635,7 @@
           <a:p>
             <a:fld id="{A3A3B08F-A521-47F1-92CF-23ABFE44263A}" type="slidenum">
               <a:rPr lang="es-AR" smtClean="0"/>
-              <a:t>‹#›</a:t>
+              <a:t>‹Nº›</a:t>
             </a:fld>
             <a:endParaRPr lang="es-AR"/>
           </a:p>
@@ -799,7 +799,7 @@
           <a:p>
             <a:fld id="{ED7AE805-304E-459A-ADC4-3CE86BC0EA48}" type="datetimeFigureOut">
               <a:rPr lang="es-AR" smtClean="0"/>
-              <a:t>2013-02-17</a:t>
+              <a:t>18/02/2013</a:t>
             </a:fld>
             <a:endParaRPr lang="es-AR"/>
           </a:p>
@@ -841,7 +841,7 @@
           <a:p>
             <a:fld id="{A3A3B08F-A521-47F1-92CF-23ABFE44263A}" type="slidenum">
               <a:rPr lang="es-AR" smtClean="0"/>
-              <a:t>‹#›</a:t>
+              <a:t>‹Nº›</a:t>
             </a:fld>
             <a:endParaRPr lang="es-AR"/>
           </a:p>
@@ -1251,7 +1251,7 @@
           <a:p>
             <a:fld id="{A3A3B08F-A521-47F1-92CF-23ABFE44263A}" type="slidenum">
               <a:rPr lang="es-AR" smtClean="0"/>
-              <a:t>‹#›</a:t>
+              <a:t>‹Nº›</a:t>
             </a:fld>
             <a:endParaRPr lang="es-AR"/>
           </a:p>
@@ -1331,7 +1331,7 @@
           <a:p>
             <a:fld id="{ED7AE805-304E-459A-ADC4-3CE86BC0EA48}" type="datetimeFigureOut">
               <a:rPr lang="es-AR" smtClean="0"/>
-              <a:t>2013-02-17</a:t>
+              <a:t>18/02/2013</a:t>
             </a:fld>
             <a:endParaRPr lang="es-AR"/>
           </a:p>
@@ -1464,7 +1464,7 @@
           <a:p>
             <a:fld id="{ED7AE805-304E-459A-ADC4-3CE86BC0EA48}" type="datetimeFigureOut">
               <a:rPr lang="es-AR" smtClean="0"/>
-              <a:t>2013-02-17</a:t>
+              <a:t>18/02/2013</a:t>
             </a:fld>
             <a:endParaRPr lang="es-AR"/>
           </a:p>
@@ -1511,7 +1511,7 @@
           <a:p>
             <a:fld id="{A3A3B08F-A521-47F1-92CF-23ABFE44263A}" type="slidenum">
               <a:rPr lang="es-AR" smtClean="0"/>
-              <a:t>‹#›</a:t>
+              <a:t>‹Nº›</a:t>
             </a:fld>
             <a:endParaRPr lang="es-AR"/>
           </a:p>
@@ -2007,7 +2007,7 @@
           <a:p>
             <a:fld id="{ED7AE805-304E-459A-ADC4-3CE86BC0EA48}" type="datetimeFigureOut">
               <a:rPr lang="es-AR" smtClean="0"/>
-              <a:t>2013-02-17</a:t>
+              <a:t>18/02/2013</a:t>
             </a:fld>
             <a:endParaRPr lang="es-AR"/>
           </a:p>
@@ -2179,7 +2179,7 @@
           <a:p>
             <a:fld id="{A3A3B08F-A521-47F1-92CF-23ABFE44263A}" type="slidenum">
               <a:rPr lang="es-AR" smtClean="0"/>
-              <a:t>‹#›</a:t>
+              <a:t>‹Nº›</a:t>
             </a:fld>
             <a:endParaRPr lang="es-AR"/>
           </a:p>
@@ -2302,7 +2302,7 @@
           <a:p>
             <a:fld id="{ED7AE805-304E-459A-ADC4-3CE86BC0EA48}" type="datetimeFigureOut">
               <a:rPr lang="es-AR" smtClean="0"/>
-              <a:t>2013-02-17</a:t>
+              <a:t>18/02/2013</a:t>
             </a:fld>
             <a:endParaRPr lang="es-AR"/>
           </a:p>
@@ -2344,7 +2344,7 @@
           <a:p>
             <a:fld id="{A3A3B08F-A521-47F1-92CF-23ABFE44263A}" type="slidenum">
               <a:rPr lang="es-AR" smtClean="0"/>
-              <a:t>‹#›</a:t>
+              <a:t>‹Nº›</a:t>
             </a:fld>
             <a:endParaRPr lang="es-AR"/>
           </a:p>
@@ -2961,7 +2961,7 @@
           <a:p>
             <a:fld id="{ED7AE805-304E-459A-ADC4-3CE86BC0EA48}" type="datetimeFigureOut">
               <a:rPr lang="es-AR" smtClean="0"/>
-              <a:t>2013-02-17</a:t>
+              <a:t>18/02/2013</a:t>
             </a:fld>
             <a:endParaRPr lang="es-AR"/>
           </a:p>
@@ -3303,7 +3303,7 @@
           <a:p>
             <a:fld id="{A3A3B08F-A521-47F1-92CF-23ABFE44263A}" type="slidenum">
               <a:rPr lang="es-AR" smtClean="0"/>
-              <a:t>‹#›</a:t>
+              <a:t>‹Nº›</a:t>
             </a:fld>
             <a:endParaRPr lang="es-AR"/>
           </a:p>
@@ -3397,7 +3397,7 @@
           <a:p>
             <a:fld id="{ED7AE805-304E-459A-ADC4-3CE86BC0EA48}" type="datetimeFigureOut">
               <a:rPr lang="es-AR" smtClean="0"/>
-              <a:t>2013-02-17</a:t>
+              <a:t>18/02/2013</a:t>
             </a:fld>
             <a:endParaRPr lang="es-AR"/>
           </a:p>
@@ -3444,7 +3444,7 @@
           <a:p>
             <a:fld id="{A3A3B08F-A521-47F1-92CF-23ABFE44263A}" type="slidenum">
               <a:rPr lang="es-AR" smtClean="0"/>
-              <a:t>‹#›</a:t>
+              <a:t>‹Nº›</a:t>
             </a:fld>
             <a:endParaRPr lang="es-AR"/>
           </a:p>
@@ -3710,7 +3710,7 @@
           <a:p>
             <a:fld id="{ED7AE805-304E-459A-ADC4-3CE86BC0EA48}" type="datetimeFigureOut">
               <a:rPr lang="es-AR" smtClean="0"/>
-              <a:t>2013-02-17</a:t>
+              <a:t>18/02/2013</a:t>
             </a:fld>
             <a:endParaRPr lang="es-AR"/>
           </a:p>
@@ -3765,7 +3765,7 @@
           <a:p>
             <a:fld id="{A3A3B08F-A521-47F1-92CF-23ABFE44263A}" type="slidenum">
               <a:rPr lang="es-AR" smtClean="0"/>
-              <a:t>‹#›</a:t>
+              <a:t>‹Nº›</a:t>
             </a:fld>
             <a:endParaRPr lang="es-AR"/>
           </a:p>
@@ -4383,7 +4383,7 @@
           <a:p>
             <a:fld id="{A3A3B08F-A521-47F1-92CF-23ABFE44263A}" type="slidenum">
               <a:rPr lang="es-AR" smtClean="0"/>
-              <a:t>‹#›</a:t>
+              <a:t>‹Nº›</a:t>
             </a:fld>
             <a:endParaRPr lang="es-AR"/>
           </a:p>
@@ -4442,7 +4442,7 @@
           <a:p>
             <a:fld id="{ED7AE805-304E-459A-ADC4-3CE86BC0EA48}" type="datetimeFigureOut">
               <a:rPr lang="es-AR" smtClean="0"/>
-              <a:t>2013-02-17</a:t>
+              <a:t>18/02/2013</a:t>
             </a:fld>
             <a:endParaRPr lang="es-AR"/>
           </a:p>
@@ -4917,7 +4917,7 @@
           <a:p>
             <a:fld id="{A3A3B08F-A521-47F1-92CF-23ABFE44263A}" type="slidenum">
               <a:rPr lang="es-AR" smtClean="0"/>
-              <a:t>‹#›</a:t>
+              <a:t>‹Nº›</a:t>
             </a:fld>
             <a:endParaRPr lang="es-AR"/>
           </a:p>
@@ -5106,7 +5106,7 @@
           <a:p>
             <a:fld id="{ED7AE805-304E-459A-ADC4-3CE86BC0EA48}" type="datetimeFigureOut">
               <a:rPr lang="es-AR" smtClean="0"/>
-              <a:t>2013-02-17</a:t>
+              <a:t>18/02/2013</a:t>
             </a:fld>
             <a:endParaRPr lang="es-AR"/>
           </a:p>
@@ -5379,7 +5379,7 @@
           <a:p>
             <a:fld id="{ED7AE805-304E-459A-ADC4-3CE86BC0EA48}" type="datetimeFigureOut">
               <a:rPr lang="es-AR" smtClean="0"/>
-              <a:t>2013-02-17</a:t>
+              <a:t>18/02/2013</a:t>
             </a:fld>
             <a:endParaRPr lang="es-AR"/>
           </a:p>
@@ -5629,7 +5629,7 @@
           <a:p>
             <a:fld id="{A3A3B08F-A521-47F1-92CF-23ABFE44263A}" type="slidenum">
               <a:rPr lang="es-AR" smtClean="0"/>
-              <a:t>‹#›</a:t>
+              <a:t>‹Nº›</a:t>
             </a:fld>
             <a:endParaRPr lang="es-AR"/>
           </a:p>
@@ -6136,6 +6136,57 @@
           </a:prstGeom>
         </p:spPr>
       </p:pic>
+      <p:sp>
+        <p:nvSpPr>
+          <p:cNvPr id="4" name="3 CuadroTexto"/>
+          <p:cNvSpPr txBox="1"/>
+          <p:nvPr/>
+        </p:nvSpPr>
+        <p:spPr>
+          <a:xfrm>
+            <a:off x="683568" y="4581128"/>
+            <a:ext cx="7776864" cy="1152128"/>
+          </a:xfrm>
+          <a:prstGeom prst="rect">
+            <a:avLst/>
+          </a:prstGeom>
+          <a:noFill/>
+        </p:spPr>
+        <p:txBody>
+          <a:bodyPr wrap="square" rtlCol="0">
+            <a:normAutofit/>
+          </a:bodyPr>
+          <a:lstStyle/>
+          <a:p>
+            <a:r>
+              <a:rPr lang="en-US" dirty="0"/>
+              <a:t>"I thought of objects being like biological cells and/or individual computers on a network, only able to communicate with </a:t>
+            </a:r>
+            <a:r>
+              <a:rPr lang="en-US" dirty="0" smtClean="0"/>
+              <a:t>messages“</a:t>
+            </a:r>
+          </a:p>
+          <a:p>
+            <a:r>
+              <a:rPr lang="en-US" dirty="0" smtClean="0"/>
+              <a:t/>
+            </a:r>
+            <a:br>
+              <a:rPr lang="en-US" dirty="0" smtClean="0"/>
+            </a:br>
+            <a:r>
+              <a:rPr lang="en-US" sz="1400" i="1" dirty="0" smtClean="0"/>
+              <a:t>Alan </a:t>
+            </a:r>
+            <a:r>
+              <a:rPr lang="en-US" sz="1400" i="1" dirty="0"/>
+              <a:t>Kay, creator of Smalltalk, on the meaning of "object oriented programming"</a:t>
+            </a:r>
+            <a:endParaRPr lang="es-AR" dirty="0"/>
+          </a:p>
+        </p:txBody>
+      </p:sp>
     </p:spTree>
     <p:extLst>
       <p:ext uri="{BB962C8B-B14F-4D97-AF65-F5344CB8AC3E}">
@@ -9214,11 +9265,7 @@
           <a:p>
             <a:r>
               <a:rPr lang="es-AR" dirty="0" smtClean="0"/>
-              <a:t>Cómo</a:t>
-            </a:r>
-            <a:r>
-              <a:rPr lang="es-AR" dirty="0" smtClean="0"/>
-              <a:t>? 2</a:t>
+              <a:t>Cómo? 2</a:t>
             </a:r>
             <a:endParaRPr lang="es-AR" dirty="0"/>
           </a:p>
@@ -9622,8 +9669,23 @@
           <a:p>
             <a:r>
               <a:rPr lang="es-AR" dirty="0" smtClean="0"/>
-              <a:t>Realizar aplicaciones de valor real (no solo demos)</a:t>
-            </a:r>
+              <a:t>Realizar aplicaciones de valor real (no solo demos</a:t>
+            </a:r>
+            <a:r>
+              <a:rPr lang="es-AR" dirty="0" smtClean="0"/>
+              <a:t>)</a:t>
+            </a:r>
+          </a:p>
+          <a:p>
+            <a:r>
+              <a:rPr lang="es-AR" dirty="0" smtClean="0"/>
+              <a:t>Resolver problema </a:t>
+            </a:r>
+            <a:r>
+              <a:rPr lang="es-AR" smtClean="0"/>
+              <a:t>de inclusión de filtros</a:t>
+            </a:r>
+            <a:endParaRPr lang="es-AR" dirty="0" smtClean="0"/>
           </a:p>
           <a:p>
             <a:endParaRPr lang="es-AR" dirty="0"/>
